--- a/src/site/training-resources/Sunset Integration.pptx
+++ b/src/site/training-resources/Sunset Integration.pptx
@@ -54,7 +54,7 @@
       </p:grpSpPr>
       <p:sp>
         <p:nvSpPr>
-          <p:cNvPr id="72" name="PlaceHolder 1"/>
+          <p:cNvPr id="76" name="PlaceHolder 1"/>
           <p:cNvSpPr>
             <a:spLocks noGrp="1"/>
           </p:cNvSpPr>
@@ -84,7 +84,7 @@
                     <a:srgbClr val="ffffff"/>
                   </a:solidFill>
                 </a:uFill>
-                <a:latin typeface="arial"/>
+                <a:latin typeface="Arial"/>
               </a:rPr>
               <a:t>Click to edit the notes format</a:t>
             </a:r>
@@ -97,14 +97,14 @@
                   <a:srgbClr val="ffffff"/>
                 </a:solidFill>
               </a:uFill>
-              <a:latin typeface="arial"/>
-            </a:endParaRPr>
-          </a:p>
-        </p:txBody>
-      </p:sp>
-      <p:sp>
-        <p:nvSpPr>
-          <p:cNvPr id="73" name="PlaceHolder 2"/>
+              <a:latin typeface="Arial"/>
+            </a:endParaRPr>
+          </a:p>
+        </p:txBody>
+      </p:sp>
+      <p:sp>
+        <p:nvSpPr>
+          <p:cNvPr id="77" name="PlaceHolder 2"/>
           <p:cNvSpPr>
             <a:spLocks noGrp="1"/>
           </p:cNvSpPr>
@@ -134,7 +134,7 @@
                     <a:srgbClr val="ffffff"/>
                   </a:solidFill>
                 </a:uFill>
-                <a:latin typeface="Tinos"/>
+                <a:latin typeface="Times New Roman"/>
               </a:rPr>
               <a:t>&lt;header&gt;</a:t>
             </a:r>
@@ -147,14 +147,14 @@
                   <a:srgbClr val="ffffff"/>
                 </a:solidFill>
               </a:uFill>
-              <a:latin typeface="Tinos"/>
-            </a:endParaRPr>
-          </a:p>
-        </p:txBody>
-      </p:sp>
-      <p:sp>
-        <p:nvSpPr>
-          <p:cNvPr id="74" name="PlaceHolder 3"/>
+              <a:latin typeface="Times New Roman"/>
+            </a:endParaRPr>
+          </a:p>
+        </p:txBody>
+      </p:sp>
+      <p:sp>
+        <p:nvSpPr>
+          <p:cNvPr id="78" name="PlaceHolder 3"/>
           <p:cNvSpPr>
             <a:spLocks noGrp="1"/>
           </p:cNvSpPr>
@@ -185,7 +185,7 @@
                     <a:srgbClr val="ffffff"/>
                   </a:solidFill>
                 </a:uFill>
-                <a:latin typeface="Tinos"/>
+                <a:latin typeface="Times New Roman"/>
               </a:rPr>
               <a:t>&lt;date/time&gt;</a:t>
             </a:r>
@@ -198,14 +198,14 @@
                   <a:srgbClr val="ffffff"/>
                 </a:solidFill>
               </a:uFill>
-              <a:latin typeface="Tinos"/>
-            </a:endParaRPr>
-          </a:p>
-        </p:txBody>
-      </p:sp>
-      <p:sp>
-        <p:nvSpPr>
-          <p:cNvPr id="75" name="PlaceHolder 4"/>
+              <a:latin typeface="Times New Roman"/>
+            </a:endParaRPr>
+          </a:p>
+        </p:txBody>
+      </p:sp>
+      <p:sp>
+        <p:nvSpPr>
+          <p:cNvPr id="79" name="PlaceHolder 4"/>
           <p:cNvSpPr>
             <a:spLocks noGrp="1"/>
           </p:cNvSpPr>
@@ -235,7 +235,7 @@
                     <a:srgbClr val="ffffff"/>
                   </a:solidFill>
                 </a:uFill>
-                <a:latin typeface="Tinos"/>
+                <a:latin typeface="Times New Roman"/>
               </a:rPr>
               <a:t>&lt;footer&gt;</a:t>
             </a:r>
@@ -248,14 +248,14 @@
                   <a:srgbClr val="ffffff"/>
                 </a:solidFill>
               </a:uFill>
-              <a:latin typeface="Tinos"/>
-            </a:endParaRPr>
-          </a:p>
-        </p:txBody>
-      </p:sp>
-      <p:sp>
-        <p:nvSpPr>
-          <p:cNvPr id="76" name="PlaceHolder 5"/>
+              <a:latin typeface="Times New Roman"/>
+            </a:endParaRPr>
+          </a:p>
+        </p:txBody>
+      </p:sp>
+      <p:sp>
+        <p:nvSpPr>
+          <p:cNvPr id="80" name="PlaceHolder 5"/>
           <p:cNvSpPr>
             <a:spLocks noGrp="1"/>
           </p:cNvSpPr>
@@ -276,7 +276,7 @@
           <a:bodyPr lIns="0" rIns="0" tIns="0" bIns="0" anchor="b"/>
           <a:p>
             <a:pPr algn="r"/>
-            <a:fld id="{69ECD544-674D-467F-9833-A796C5F0A5B8}" type="slidenum">
+            <a:fld id="{0373694E-EE40-4D22-8D30-2D48CC9CA02E}" type="slidenum">
               <a:rPr b="0" lang="en-US" sz="1400" spc="-1" strike="noStrike">
                 <a:solidFill>
                   <a:srgbClr val="000000"/>
@@ -286,7 +286,7 @@
                     <a:srgbClr val="ffffff"/>
                   </a:solidFill>
                 </a:uFill>
-                <a:latin typeface="Tinos"/>
+                <a:latin typeface="Times New Roman"/>
               </a:rPr>
               <a:t>&lt;number&gt;</a:t>
             </a:fld>
@@ -299,7 +299,7 @@
                   <a:srgbClr val="ffffff"/>
                 </a:solidFill>
               </a:uFill>
-              <a:latin typeface="Tinos"/>
+              <a:latin typeface="Times New Roman"/>
             </a:endParaRPr>
           </a:p>
         </p:txBody>
@@ -329,7 +329,7 @@
       </p:grpSpPr>
       <p:sp>
         <p:nvSpPr>
-          <p:cNvPr id="225" name="PlaceHolder 1"/>
+          <p:cNvPr id="229" name="PlaceHolder 1"/>
           <p:cNvSpPr>
             <a:spLocks noGrp="1"/>
           </p:cNvSpPr>
@@ -340,7 +340,7 @@
         <p:spPr>
           <a:xfrm>
             <a:off x="685800" y="4343400"/>
-            <a:ext cx="5485680" cy="4114080"/>
+            <a:ext cx="5484960" cy="4113360"/>
           </a:xfrm>
           <a:prstGeom prst="rect">
             <a:avLst/>
@@ -372,7 +372,7 @@
                   <a:srgbClr val="ffffff"/>
                 </a:solidFill>
               </a:uFill>
-              <a:latin typeface="arial"/>
+              <a:latin typeface="Arial"/>
             </a:endParaRPr>
           </a:p>
           <a:p>
@@ -399,21 +399,21 @@
                   <a:srgbClr val="ffffff"/>
                 </a:solidFill>
               </a:uFill>
-              <a:latin typeface="arial"/>
-            </a:endParaRPr>
-          </a:p>
-        </p:txBody>
-      </p:sp>
-      <p:sp>
-        <p:nvSpPr>
-          <p:cNvPr id="226" name="CustomShape 2"/>
+              <a:latin typeface="Arial"/>
+            </a:endParaRPr>
+          </a:p>
+        </p:txBody>
+      </p:sp>
+      <p:sp>
+        <p:nvSpPr>
+          <p:cNvPr id="230" name="CustomShape 2"/>
           <p:cNvSpPr/>
           <p:nvPr/>
         </p:nvSpPr>
         <p:spPr>
           <a:xfrm>
             <a:off x="3884760" y="8685360"/>
-            <a:ext cx="2971080" cy="456480"/>
+            <a:ext cx="2970360" cy="455760"/>
           </a:xfrm>
           <a:prstGeom prst="rect">
             <a:avLst/>
@@ -437,7 +437,7 @@
                 <a:spcPct val="100000"/>
               </a:lnSpc>
             </a:pPr>
-            <a:fld id="{CB52EC8E-3290-4983-B001-8F527A8837B0}" type="slidenum">
+            <a:fld id="{16FCD8CB-C2C9-4FE0-B547-E900B767F4C8}" type="slidenum">
               <a:rPr b="0" lang="en-US" sz="1200" spc="-1" strike="noStrike">
                 <a:solidFill>
                   <a:srgbClr val="000000"/>
@@ -461,7 +461,7 @@
                   <a:srgbClr val="ffffff"/>
                 </a:solidFill>
               </a:uFill>
-              <a:latin typeface="arial"/>
+              <a:latin typeface="Arial"/>
             </a:endParaRPr>
           </a:p>
         </p:txBody>
@@ -490,7 +490,7 @@
       </p:grpSpPr>
       <p:sp>
         <p:nvSpPr>
-          <p:cNvPr id="231" name="PlaceHolder 1"/>
+          <p:cNvPr id="235" name="PlaceHolder 1"/>
           <p:cNvSpPr>
             <a:spLocks noGrp="1"/>
           </p:cNvSpPr>
@@ -501,7 +501,7 @@
         <p:spPr>
           <a:xfrm>
             <a:off x="685800" y="4343400"/>
-            <a:ext cx="5485680" cy="4114080"/>
+            <a:ext cx="5484960" cy="4113360"/>
           </a:xfrm>
           <a:prstGeom prst="rect">
             <a:avLst/>
@@ -519,21 +519,21 @@
                   <a:srgbClr val="ffffff"/>
                 </a:solidFill>
               </a:uFill>
-              <a:latin typeface="arial"/>
-            </a:endParaRPr>
-          </a:p>
-        </p:txBody>
-      </p:sp>
-      <p:sp>
-        <p:nvSpPr>
-          <p:cNvPr id="232" name="CustomShape 2"/>
+              <a:latin typeface="Arial"/>
+            </a:endParaRPr>
+          </a:p>
+        </p:txBody>
+      </p:sp>
+      <p:sp>
+        <p:nvSpPr>
+          <p:cNvPr id="236" name="CustomShape 2"/>
           <p:cNvSpPr/>
           <p:nvPr/>
         </p:nvSpPr>
         <p:spPr>
           <a:xfrm>
             <a:off x="3884760" y="8685360"/>
-            <a:ext cx="2971080" cy="456480"/>
+            <a:ext cx="2970360" cy="455760"/>
           </a:xfrm>
           <a:prstGeom prst="rect">
             <a:avLst/>
@@ -557,7 +557,7 @@
                 <a:spcPct val="100000"/>
               </a:lnSpc>
             </a:pPr>
-            <a:fld id="{A2B4C41D-8792-4884-AD25-0A797E95C3BF}" type="slidenum">
+            <a:fld id="{6F693F99-67D4-4FF1-A30B-82E6F8E16517}" type="slidenum">
               <a:rPr b="0" lang="en-US" sz="1200" spc="-1" strike="noStrike">
                 <a:solidFill>
                   <a:srgbClr val="000000"/>
@@ -581,7 +581,7 @@
                   <a:srgbClr val="ffffff"/>
                 </a:solidFill>
               </a:uFill>
-              <a:latin typeface="arial"/>
+              <a:latin typeface="Arial"/>
             </a:endParaRPr>
           </a:p>
         </p:txBody>
@@ -610,7 +610,7 @@
       </p:grpSpPr>
       <p:sp>
         <p:nvSpPr>
-          <p:cNvPr id="227" name="PlaceHolder 1"/>
+          <p:cNvPr id="231" name="PlaceHolder 1"/>
           <p:cNvSpPr>
             <a:spLocks noGrp="1"/>
           </p:cNvSpPr>
@@ -621,7 +621,7 @@
         <p:spPr>
           <a:xfrm>
             <a:off x="685800" y="4343400"/>
-            <a:ext cx="5485680" cy="4114080"/>
+            <a:ext cx="5484960" cy="4113360"/>
           </a:xfrm>
           <a:prstGeom prst="rect">
             <a:avLst/>
@@ -653,7 +653,7 @@
                   <a:srgbClr val="ffffff"/>
                 </a:solidFill>
               </a:uFill>
-              <a:latin typeface="arial"/>
+              <a:latin typeface="Arial"/>
             </a:endParaRPr>
           </a:p>
           <a:p>
@@ -680,21 +680,21 @@
                   <a:srgbClr val="ffffff"/>
                 </a:solidFill>
               </a:uFill>
-              <a:latin typeface="arial"/>
-            </a:endParaRPr>
-          </a:p>
-        </p:txBody>
-      </p:sp>
-      <p:sp>
-        <p:nvSpPr>
-          <p:cNvPr id="228" name="CustomShape 2"/>
+              <a:latin typeface="Arial"/>
+            </a:endParaRPr>
+          </a:p>
+        </p:txBody>
+      </p:sp>
+      <p:sp>
+        <p:nvSpPr>
+          <p:cNvPr id="232" name="CustomShape 2"/>
           <p:cNvSpPr/>
           <p:nvPr/>
         </p:nvSpPr>
         <p:spPr>
           <a:xfrm>
             <a:off x="3884760" y="8685360"/>
-            <a:ext cx="2971080" cy="456480"/>
+            <a:ext cx="2970360" cy="455760"/>
           </a:xfrm>
           <a:prstGeom prst="rect">
             <a:avLst/>
@@ -718,7 +718,7 @@
                 <a:spcPct val="100000"/>
               </a:lnSpc>
             </a:pPr>
-            <a:fld id="{EE4E40DA-BE0F-42A6-B419-B536E36CEEC5}" type="slidenum">
+            <a:fld id="{3C47B985-E64E-4F9A-A212-E07D29EE8E9D}" type="slidenum">
               <a:rPr b="0" lang="en-US" sz="1200" spc="-1" strike="noStrike">
                 <a:solidFill>
                   <a:srgbClr val="000000"/>
@@ -742,7 +742,7 @@
                   <a:srgbClr val="ffffff"/>
                 </a:solidFill>
               </a:uFill>
-              <a:latin typeface="arial"/>
+              <a:latin typeface="Arial"/>
             </a:endParaRPr>
           </a:p>
         </p:txBody>
@@ -771,7 +771,7 @@
       </p:grpSpPr>
       <p:sp>
         <p:nvSpPr>
-          <p:cNvPr id="229" name="PlaceHolder 1"/>
+          <p:cNvPr id="233" name="PlaceHolder 1"/>
           <p:cNvSpPr>
             <a:spLocks noGrp="1"/>
           </p:cNvSpPr>
@@ -782,7 +782,7 @@
         <p:spPr>
           <a:xfrm>
             <a:off x="685800" y="4343400"/>
-            <a:ext cx="5485680" cy="4114080"/>
+            <a:ext cx="5484960" cy="4113360"/>
           </a:xfrm>
           <a:prstGeom prst="rect">
             <a:avLst/>
@@ -814,21 +814,21 @@
                   <a:srgbClr val="ffffff"/>
                 </a:solidFill>
               </a:uFill>
-              <a:latin typeface="arial"/>
-            </a:endParaRPr>
-          </a:p>
-        </p:txBody>
-      </p:sp>
-      <p:sp>
-        <p:nvSpPr>
-          <p:cNvPr id="230" name="CustomShape 2"/>
+              <a:latin typeface="Arial"/>
+            </a:endParaRPr>
+          </a:p>
+        </p:txBody>
+      </p:sp>
+      <p:sp>
+        <p:nvSpPr>
+          <p:cNvPr id="234" name="CustomShape 2"/>
           <p:cNvSpPr/>
           <p:nvPr/>
         </p:nvSpPr>
         <p:spPr>
           <a:xfrm>
             <a:off x="3884760" y="8685360"/>
-            <a:ext cx="2971080" cy="456480"/>
+            <a:ext cx="2970360" cy="455760"/>
           </a:xfrm>
           <a:prstGeom prst="rect">
             <a:avLst/>
@@ -852,7 +852,7 @@
                 <a:spcPct val="100000"/>
               </a:lnSpc>
             </a:pPr>
-            <a:fld id="{4E174199-800D-4C0A-B91B-1113DFB5959D}" type="slidenum">
+            <a:fld id="{09D5BB57-C24E-4E05-B72B-0DA75FCE46A2}" type="slidenum">
               <a:rPr b="0" lang="en-US" sz="1200" spc="-1" strike="noStrike">
                 <a:solidFill>
                   <a:srgbClr val="000000"/>
@@ -876,7 +876,7 @@
                   <a:srgbClr val="ffffff"/>
                 </a:solidFill>
               </a:uFill>
-              <a:latin typeface="arial"/>
+              <a:latin typeface="Arial"/>
             </a:endParaRPr>
           </a:p>
         </p:txBody>
@@ -957,7 +957,7 @@
                   <a:srgbClr val="ffffff"/>
                 </a:solidFill>
               </a:uFill>
-              <a:latin typeface="arial"/>
+              <a:latin typeface="Arial"/>
             </a:endParaRPr>
           </a:p>
         </p:txBody>
@@ -993,7 +993,7 @@
                   <a:srgbClr val="ffffff"/>
                 </a:solidFill>
               </a:uFill>
-              <a:latin typeface="arial"/>
+              <a:latin typeface="Arial"/>
             </a:endParaRPr>
           </a:p>
         </p:txBody>
@@ -1029,7 +1029,7 @@
                   <a:srgbClr val="ffffff"/>
                 </a:solidFill>
               </a:uFill>
-              <a:latin typeface="arial"/>
+              <a:latin typeface="Arial"/>
             </a:endParaRPr>
           </a:p>
         </p:txBody>
@@ -1088,7 +1088,7 @@
                   <a:srgbClr val="ffffff"/>
                 </a:solidFill>
               </a:uFill>
-              <a:latin typeface="arial"/>
+              <a:latin typeface="Arial"/>
             </a:endParaRPr>
           </a:p>
         </p:txBody>
@@ -1124,7 +1124,7 @@
                   <a:srgbClr val="ffffff"/>
                 </a:solidFill>
               </a:uFill>
-              <a:latin typeface="arial"/>
+              <a:latin typeface="Arial"/>
             </a:endParaRPr>
           </a:p>
         </p:txBody>
@@ -1160,7 +1160,7 @@
                   <a:srgbClr val="ffffff"/>
                 </a:solidFill>
               </a:uFill>
-              <a:latin typeface="arial"/>
+              <a:latin typeface="Arial"/>
             </a:endParaRPr>
           </a:p>
         </p:txBody>
@@ -1196,7 +1196,7 @@
                   <a:srgbClr val="ffffff"/>
                 </a:solidFill>
               </a:uFill>
-              <a:latin typeface="arial"/>
+              <a:latin typeface="Arial"/>
             </a:endParaRPr>
           </a:p>
         </p:txBody>
@@ -1232,7 +1232,7 @@
                   <a:srgbClr val="ffffff"/>
                 </a:solidFill>
               </a:uFill>
-              <a:latin typeface="arial"/>
+              <a:latin typeface="Arial"/>
             </a:endParaRPr>
           </a:p>
         </p:txBody>
@@ -1291,7 +1291,7 @@
                   <a:srgbClr val="ffffff"/>
                 </a:solidFill>
               </a:uFill>
-              <a:latin typeface="arial"/>
+              <a:latin typeface="Arial"/>
             </a:endParaRPr>
           </a:p>
         </p:txBody>
@@ -1309,7 +1309,7 @@
         <p:spPr>
           <a:xfrm>
             <a:off x="457200" y="1604520"/>
-            <a:ext cx="8229240" cy="3977280"/>
+            <a:ext cx="2649600" cy="1896840"/>
           </a:xfrm>
           <a:prstGeom prst="rect">
             <a:avLst/>
@@ -1327,7 +1327,7 @@
                   <a:srgbClr val="ffffff"/>
                 </a:solidFill>
               </a:uFill>
-              <a:latin typeface="arial"/>
+              <a:latin typeface="Arial"/>
             </a:endParaRPr>
           </a:p>
         </p:txBody>
@@ -1344,8 +1344,8 @@
         </p:nvSpPr>
         <p:spPr>
           <a:xfrm>
-            <a:off x="457200" y="1604520"/>
-            <a:ext cx="8229240" cy="3977280"/>
+            <a:off x="3239640" y="1604520"/>
+            <a:ext cx="2649600" cy="1896840"/>
           </a:xfrm>
           <a:prstGeom prst="rect">
             <a:avLst/>
@@ -1363,57 +1363,155 @@
                   <a:srgbClr val="ffffff"/>
                 </a:solidFill>
               </a:uFill>
-              <a:latin typeface="arial"/>
-            </a:endParaRPr>
-          </a:p>
-        </p:txBody>
-      </p:sp>
-      <p:pic>
-        <p:nvPicPr>
-          <p:cNvPr id="34" name="" descr=""/>
-          <p:cNvPicPr/>
-          <p:nvPr/>
-        </p:nvPicPr>
-        <p:blipFill>
-          <a:blip r:embed="rId2"/>
-          <a:stretch/>
-        </p:blipFill>
-        <p:spPr>
-          <a:xfrm>
-            <a:off x="2079000" y="1604520"/>
-            <a:ext cx="4984920" cy="3977280"/>
-          </a:xfrm>
-          <a:prstGeom prst="rect">
-            <a:avLst/>
-          </a:prstGeom>
-          <a:ln>
-            <a:noFill/>
-          </a:ln>
-        </p:spPr>
-      </p:pic>
-      <p:pic>
-        <p:nvPicPr>
-          <p:cNvPr id="35" name="" descr=""/>
-          <p:cNvPicPr/>
-          <p:nvPr/>
-        </p:nvPicPr>
-        <p:blipFill>
-          <a:blip r:embed="rId3"/>
-          <a:stretch/>
-        </p:blipFill>
-        <p:spPr>
-          <a:xfrm>
-            <a:off x="2079000" y="1604520"/>
-            <a:ext cx="4984920" cy="3977280"/>
-          </a:xfrm>
-          <a:prstGeom prst="rect">
-            <a:avLst/>
-          </a:prstGeom>
-          <a:ln>
-            <a:noFill/>
-          </a:ln>
-        </p:spPr>
-      </p:pic>
+              <a:latin typeface="Arial"/>
+            </a:endParaRPr>
+          </a:p>
+        </p:txBody>
+      </p:sp>
+      <p:sp>
+        <p:nvSpPr>
+          <p:cNvPr id="34" name="PlaceHolder 4"/>
+          <p:cNvSpPr>
+            <a:spLocks noGrp="1"/>
+          </p:cNvSpPr>
+          <p:nvPr>
+            <p:ph type="body"/>
+          </p:nvPr>
+        </p:nvSpPr>
+        <p:spPr>
+          <a:xfrm>
+            <a:off x="6022080" y="1604520"/>
+            <a:ext cx="2649600" cy="1896840"/>
+          </a:xfrm>
+          <a:prstGeom prst="rect">
+            <a:avLst/>
+          </a:prstGeom>
+        </p:spPr>
+        <p:txBody>
+          <a:bodyPr lIns="0" rIns="0" tIns="0" bIns="0"/>
+          <a:p>
+            <a:endParaRPr b="0" lang="en-US" sz="3200" spc="-1" strike="noStrike">
+              <a:solidFill>
+                <a:srgbClr val="000000"/>
+              </a:solidFill>
+              <a:uFill>
+                <a:solidFill>
+                  <a:srgbClr val="ffffff"/>
+                </a:solidFill>
+              </a:uFill>
+              <a:latin typeface="Arial"/>
+            </a:endParaRPr>
+          </a:p>
+        </p:txBody>
+      </p:sp>
+      <p:sp>
+        <p:nvSpPr>
+          <p:cNvPr id="35" name="PlaceHolder 5"/>
+          <p:cNvSpPr>
+            <a:spLocks noGrp="1"/>
+          </p:cNvSpPr>
+          <p:nvPr>
+            <p:ph type="body"/>
+          </p:nvPr>
+        </p:nvSpPr>
+        <p:spPr>
+          <a:xfrm>
+            <a:off x="6022080" y="3682080"/>
+            <a:ext cx="2649600" cy="1896840"/>
+          </a:xfrm>
+          <a:prstGeom prst="rect">
+            <a:avLst/>
+          </a:prstGeom>
+        </p:spPr>
+        <p:txBody>
+          <a:bodyPr lIns="0" rIns="0" tIns="0" bIns="0"/>
+          <a:p>
+            <a:endParaRPr b="0" lang="en-US" sz="3200" spc="-1" strike="noStrike">
+              <a:solidFill>
+                <a:srgbClr val="000000"/>
+              </a:solidFill>
+              <a:uFill>
+                <a:solidFill>
+                  <a:srgbClr val="ffffff"/>
+                </a:solidFill>
+              </a:uFill>
+              <a:latin typeface="Arial"/>
+            </a:endParaRPr>
+          </a:p>
+        </p:txBody>
+      </p:sp>
+      <p:sp>
+        <p:nvSpPr>
+          <p:cNvPr id="36" name="PlaceHolder 6"/>
+          <p:cNvSpPr>
+            <a:spLocks noGrp="1"/>
+          </p:cNvSpPr>
+          <p:nvPr>
+            <p:ph type="body"/>
+          </p:nvPr>
+        </p:nvSpPr>
+        <p:spPr>
+          <a:xfrm>
+            <a:off x="3239640" y="3682080"/>
+            <a:ext cx="2649600" cy="1896840"/>
+          </a:xfrm>
+          <a:prstGeom prst="rect">
+            <a:avLst/>
+          </a:prstGeom>
+        </p:spPr>
+        <p:txBody>
+          <a:bodyPr lIns="0" rIns="0" tIns="0" bIns="0"/>
+          <a:p>
+            <a:endParaRPr b="0" lang="en-US" sz="3200" spc="-1" strike="noStrike">
+              <a:solidFill>
+                <a:srgbClr val="000000"/>
+              </a:solidFill>
+              <a:uFill>
+                <a:solidFill>
+                  <a:srgbClr val="ffffff"/>
+                </a:solidFill>
+              </a:uFill>
+              <a:latin typeface="Arial"/>
+            </a:endParaRPr>
+          </a:p>
+        </p:txBody>
+      </p:sp>
+      <p:sp>
+        <p:nvSpPr>
+          <p:cNvPr id="37" name="PlaceHolder 7"/>
+          <p:cNvSpPr>
+            <a:spLocks noGrp="1"/>
+          </p:cNvSpPr>
+          <p:nvPr>
+            <p:ph type="body"/>
+          </p:nvPr>
+        </p:nvSpPr>
+        <p:spPr>
+          <a:xfrm>
+            <a:off x="457200" y="3682080"/>
+            <a:ext cx="2649600" cy="1896840"/>
+          </a:xfrm>
+          <a:prstGeom prst="rect">
+            <a:avLst/>
+          </a:prstGeom>
+        </p:spPr>
+        <p:txBody>
+          <a:bodyPr lIns="0" rIns="0" tIns="0" bIns="0"/>
+          <a:p>
+            <a:endParaRPr b="0" lang="en-US" sz="3200" spc="-1" strike="noStrike">
+              <a:solidFill>
+                <a:srgbClr val="000000"/>
+              </a:solidFill>
+              <a:uFill>
+                <a:solidFill>
+                  <a:srgbClr val="ffffff"/>
+                </a:solidFill>
+              </a:uFill>
+              <a:latin typeface="Arial"/>
+            </a:endParaRPr>
+          </a:p>
+        </p:txBody>
+      </p:sp>
     </p:spTree>
   </p:cSld>
 </p:sldLayout>
@@ -1460,7 +1558,7 @@
       </p:grpSpPr>
       <p:sp>
         <p:nvSpPr>
-          <p:cNvPr id="38" name="PlaceHolder 1"/>
+          <p:cNvPr id="40" name="PlaceHolder 1"/>
           <p:cNvSpPr>
             <a:spLocks noGrp="1"/>
           </p:cNvSpPr>
@@ -1490,14 +1588,14 @@
                   <a:srgbClr val="ffffff"/>
                 </a:solidFill>
               </a:uFill>
-              <a:latin typeface="arial"/>
-            </a:endParaRPr>
-          </a:p>
-        </p:txBody>
-      </p:sp>
-      <p:sp>
-        <p:nvSpPr>
-          <p:cNvPr id="39" name="PlaceHolder 2"/>
+              <a:latin typeface="Arial"/>
+            </a:endParaRPr>
+          </a:p>
+        </p:txBody>
+      </p:sp>
+      <p:sp>
+        <p:nvSpPr>
+          <p:cNvPr id="41" name="PlaceHolder 2"/>
           <p:cNvSpPr>
             <a:spLocks noGrp="1"/>
           </p:cNvSpPr>
@@ -1527,7 +1625,7 @@
                   <a:srgbClr val="ffffff"/>
                 </a:solidFill>
               </a:uFill>
-              <a:latin typeface="arial"/>
+              <a:latin typeface="Arial"/>
             </a:endParaRPr>
           </a:p>
         </p:txBody>
@@ -1556,7 +1654,7 @@
       </p:grpSpPr>
       <p:sp>
         <p:nvSpPr>
-          <p:cNvPr id="40" name="PlaceHolder 1"/>
+          <p:cNvPr id="42" name="PlaceHolder 1"/>
           <p:cNvSpPr>
             <a:spLocks noGrp="1"/>
           </p:cNvSpPr>
@@ -1586,14 +1684,14 @@
                   <a:srgbClr val="ffffff"/>
                 </a:solidFill>
               </a:uFill>
-              <a:latin typeface="arial"/>
-            </a:endParaRPr>
-          </a:p>
-        </p:txBody>
-      </p:sp>
-      <p:sp>
-        <p:nvSpPr>
-          <p:cNvPr id="41" name="PlaceHolder 2"/>
+              <a:latin typeface="Arial"/>
+            </a:endParaRPr>
+          </a:p>
+        </p:txBody>
+      </p:sp>
+      <p:sp>
+        <p:nvSpPr>
+          <p:cNvPr id="43" name="PlaceHolder 2"/>
           <p:cNvSpPr>
             <a:spLocks noGrp="1"/>
           </p:cNvSpPr>
@@ -1622,7 +1720,7 @@
                   <a:srgbClr val="ffffff"/>
                 </a:solidFill>
               </a:uFill>
-              <a:latin typeface="arial"/>
+              <a:latin typeface="Arial"/>
             </a:endParaRPr>
           </a:p>
         </p:txBody>
@@ -1651,7 +1749,7 @@
       </p:grpSpPr>
       <p:sp>
         <p:nvSpPr>
-          <p:cNvPr id="42" name="PlaceHolder 1"/>
+          <p:cNvPr id="44" name="PlaceHolder 1"/>
           <p:cNvSpPr>
             <a:spLocks noGrp="1"/>
           </p:cNvSpPr>
@@ -1681,14 +1779,14 @@
                   <a:srgbClr val="ffffff"/>
                 </a:solidFill>
               </a:uFill>
-              <a:latin typeface="arial"/>
-            </a:endParaRPr>
-          </a:p>
-        </p:txBody>
-      </p:sp>
-      <p:sp>
-        <p:nvSpPr>
-          <p:cNvPr id="43" name="PlaceHolder 2"/>
+              <a:latin typeface="Arial"/>
+            </a:endParaRPr>
+          </a:p>
+        </p:txBody>
+      </p:sp>
+      <p:sp>
+        <p:nvSpPr>
+          <p:cNvPr id="45" name="PlaceHolder 2"/>
           <p:cNvSpPr>
             <a:spLocks noGrp="1"/>
           </p:cNvSpPr>
@@ -1717,14 +1815,14 @@
                   <a:srgbClr val="ffffff"/>
                 </a:solidFill>
               </a:uFill>
-              <a:latin typeface="arial"/>
-            </a:endParaRPr>
-          </a:p>
-        </p:txBody>
-      </p:sp>
-      <p:sp>
-        <p:nvSpPr>
-          <p:cNvPr id="44" name="PlaceHolder 3"/>
+              <a:latin typeface="Arial"/>
+            </a:endParaRPr>
+          </a:p>
+        </p:txBody>
+      </p:sp>
+      <p:sp>
+        <p:nvSpPr>
+          <p:cNvPr id="46" name="PlaceHolder 3"/>
           <p:cNvSpPr>
             <a:spLocks noGrp="1"/>
           </p:cNvSpPr>
@@ -1753,7 +1851,7 @@
                   <a:srgbClr val="ffffff"/>
                 </a:solidFill>
               </a:uFill>
-              <a:latin typeface="arial"/>
+              <a:latin typeface="Arial"/>
             </a:endParaRPr>
           </a:p>
         </p:txBody>
@@ -1782,7 +1880,7 @@
       </p:grpSpPr>
       <p:sp>
         <p:nvSpPr>
-          <p:cNvPr id="45" name="PlaceHolder 1"/>
+          <p:cNvPr id="47" name="PlaceHolder 1"/>
           <p:cNvSpPr>
             <a:spLocks noGrp="1"/>
           </p:cNvSpPr>
@@ -1812,7 +1910,7 @@
                   <a:srgbClr val="ffffff"/>
                 </a:solidFill>
               </a:uFill>
-              <a:latin typeface="arial"/>
+              <a:latin typeface="Arial"/>
             </a:endParaRPr>
           </a:p>
         </p:txBody>
@@ -1841,7 +1939,7 @@
       </p:grpSpPr>
       <p:sp>
         <p:nvSpPr>
-          <p:cNvPr id="46" name="PlaceHolder 1"/>
+          <p:cNvPr id="48" name="PlaceHolder 1"/>
           <p:cNvSpPr>
             <a:spLocks noGrp="1"/>
           </p:cNvSpPr>
@@ -1871,7 +1969,7 @@
                   <a:srgbClr val="ffffff"/>
                 </a:solidFill>
               </a:uFill>
-              <a:latin typeface="arial"/>
+              <a:latin typeface="Arial"/>
             </a:endParaRPr>
           </a:p>
         </p:txBody>
@@ -1900,7 +1998,7 @@
       </p:grpSpPr>
       <p:sp>
         <p:nvSpPr>
-          <p:cNvPr id="47" name="PlaceHolder 1"/>
+          <p:cNvPr id="49" name="PlaceHolder 1"/>
           <p:cNvSpPr>
             <a:spLocks noGrp="1"/>
           </p:cNvSpPr>
@@ -1930,14 +2028,14 @@
                   <a:srgbClr val="ffffff"/>
                 </a:solidFill>
               </a:uFill>
-              <a:latin typeface="arial"/>
-            </a:endParaRPr>
-          </a:p>
-        </p:txBody>
-      </p:sp>
-      <p:sp>
-        <p:nvSpPr>
-          <p:cNvPr id="48" name="PlaceHolder 2"/>
+              <a:latin typeface="Arial"/>
+            </a:endParaRPr>
+          </a:p>
+        </p:txBody>
+      </p:sp>
+      <p:sp>
+        <p:nvSpPr>
+          <p:cNvPr id="50" name="PlaceHolder 2"/>
           <p:cNvSpPr>
             <a:spLocks noGrp="1"/>
           </p:cNvSpPr>
@@ -1966,14 +2064,14 @@
                   <a:srgbClr val="ffffff"/>
                 </a:solidFill>
               </a:uFill>
-              <a:latin typeface="arial"/>
-            </a:endParaRPr>
-          </a:p>
-        </p:txBody>
-      </p:sp>
-      <p:sp>
-        <p:nvSpPr>
-          <p:cNvPr id="49" name="PlaceHolder 3"/>
+              <a:latin typeface="Arial"/>
+            </a:endParaRPr>
+          </a:p>
+        </p:txBody>
+      </p:sp>
+      <p:sp>
+        <p:nvSpPr>
+          <p:cNvPr id="51" name="PlaceHolder 3"/>
           <p:cNvSpPr>
             <a:spLocks noGrp="1"/>
           </p:cNvSpPr>
@@ -2002,14 +2100,14 @@
                   <a:srgbClr val="ffffff"/>
                 </a:solidFill>
               </a:uFill>
-              <a:latin typeface="arial"/>
-            </a:endParaRPr>
-          </a:p>
-        </p:txBody>
-      </p:sp>
-      <p:sp>
-        <p:nvSpPr>
-          <p:cNvPr id="50" name="PlaceHolder 4"/>
+              <a:latin typeface="Arial"/>
+            </a:endParaRPr>
+          </a:p>
+        </p:txBody>
+      </p:sp>
+      <p:sp>
+        <p:nvSpPr>
+          <p:cNvPr id="52" name="PlaceHolder 4"/>
           <p:cNvSpPr>
             <a:spLocks noGrp="1"/>
           </p:cNvSpPr>
@@ -2038,7 +2136,7 @@
                   <a:srgbClr val="ffffff"/>
                 </a:solidFill>
               </a:uFill>
-              <a:latin typeface="arial"/>
+              <a:latin typeface="Arial"/>
             </a:endParaRPr>
           </a:p>
         </p:txBody>
@@ -2097,7 +2195,7 @@
                   <a:srgbClr val="ffffff"/>
                 </a:solidFill>
               </a:uFill>
-              <a:latin typeface="arial"/>
+              <a:latin typeface="Arial"/>
             </a:endParaRPr>
           </a:p>
         </p:txBody>
@@ -2134,7 +2232,7 @@
                   <a:srgbClr val="ffffff"/>
                 </a:solidFill>
               </a:uFill>
-              <a:latin typeface="arial"/>
+              <a:latin typeface="Arial"/>
             </a:endParaRPr>
           </a:p>
         </p:txBody>
@@ -2163,7 +2261,7 @@
       </p:grpSpPr>
       <p:sp>
         <p:nvSpPr>
-          <p:cNvPr id="51" name="PlaceHolder 1"/>
+          <p:cNvPr id="53" name="PlaceHolder 1"/>
           <p:cNvSpPr>
             <a:spLocks noGrp="1"/>
           </p:cNvSpPr>
@@ -2193,14 +2291,14 @@
                   <a:srgbClr val="ffffff"/>
                 </a:solidFill>
               </a:uFill>
-              <a:latin typeface="arial"/>
-            </a:endParaRPr>
-          </a:p>
-        </p:txBody>
-      </p:sp>
-      <p:sp>
-        <p:nvSpPr>
-          <p:cNvPr id="52" name="PlaceHolder 2"/>
+              <a:latin typeface="Arial"/>
+            </a:endParaRPr>
+          </a:p>
+        </p:txBody>
+      </p:sp>
+      <p:sp>
+        <p:nvSpPr>
+          <p:cNvPr id="54" name="PlaceHolder 2"/>
           <p:cNvSpPr>
             <a:spLocks noGrp="1"/>
           </p:cNvSpPr>
@@ -2229,14 +2327,14 @@
                   <a:srgbClr val="ffffff"/>
                 </a:solidFill>
               </a:uFill>
-              <a:latin typeface="arial"/>
-            </a:endParaRPr>
-          </a:p>
-        </p:txBody>
-      </p:sp>
-      <p:sp>
-        <p:nvSpPr>
-          <p:cNvPr id="53" name="PlaceHolder 3"/>
+              <a:latin typeface="Arial"/>
+            </a:endParaRPr>
+          </a:p>
+        </p:txBody>
+      </p:sp>
+      <p:sp>
+        <p:nvSpPr>
+          <p:cNvPr id="55" name="PlaceHolder 3"/>
           <p:cNvSpPr>
             <a:spLocks noGrp="1"/>
           </p:cNvSpPr>
@@ -2265,14 +2363,14 @@
                   <a:srgbClr val="ffffff"/>
                 </a:solidFill>
               </a:uFill>
-              <a:latin typeface="arial"/>
-            </a:endParaRPr>
-          </a:p>
-        </p:txBody>
-      </p:sp>
-      <p:sp>
-        <p:nvSpPr>
-          <p:cNvPr id="54" name="PlaceHolder 4"/>
+              <a:latin typeface="Arial"/>
+            </a:endParaRPr>
+          </a:p>
+        </p:txBody>
+      </p:sp>
+      <p:sp>
+        <p:nvSpPr>
+          <p:cNvPr id="56" name="PlaceHolder 4"/>
           <p:cNvSpPr>
             <a:spLocks noGrp="1"/>
           </p:cNvSpPr>
@@ -2301,7 +2399,7 @@
                   <a:srgbClr val="ffffff"/>
                 </a:solidFill>
               </a:uFill>
-              <a:latin typeface="arial"/>
+              <a:latin typeface="Arial"/>
             </a:endParaRPr>
           </a:p>
         </p:txBody>
@@ -2330,7 +2428,7 @@
       </p:grpSpPr>
       <p:sp>
         <p:nvSpPr>
-          <p:cNvPr id="55" name="PlaceHolder 1"/>
+          <p:cNvPr id="57" name="PlaceHolder 1"/>
           <p:cNvSpPr>
             <a:spLocks noGrp="1"/>
           </p:cNvSpPr>
@@ -2360,14 +2458,14 @@
                   <a:srgbClr val="ffffff"/>
                 </a:solidFill>
               </a:uFill>
-              <a:latin typeface="arial"/>
-            </a:endParaRPr>
-          </a:p>
-        </p:txBody>
-      </p:sp>
-      <p:sp>
-        <p:nvSpPr>
-          <p:cNvPr id="56" name="PlaceHolder 2"/>
+              <a:latin typeface="Arial"/>
+            </a:endParaRPr>
+          </a:p>
+        </p:txBody>
+      </p:sp>
+      <p:sp>
+        <p:nvSpPr>
+          <p:cNvPr id="58" name="PlaceHolder 2"/>
           <p:cNvSpPr>
             <a:spLocks noGrp="1"/>
           </p:cNvSpPr>
@@ -2396,14 +2494,14 @@
                   <a:srgbClr val="ffffff"/>
                 </a:solidFill>
               </a:uFill>
-              <a:latin typeface="arial"/>
-            </a:endParaRPr>
-          </a:p>
-        </p:txBody>
-      </p:sp>
-      <p:sp>
-        <p:nvSpPr>
-          <p:cNvPr id="57" name="PlaceHolder 3"/>
+              <a:latin typeface="Arial"/>
+            </a:endParaRPr>
+          </a:p>
+        </p:txBody>
+      </p:sp>
+      <p:sp>
+        <p:nvSpPr>
+          <p:cNvPr id="59" name="PlaceHolder 3"/>
           <p:cNvSpPr>
             <a:spLocks noGrp="1"/>
           </p:cNvSpPr>
@@ -2432,14 +2530,14 @@
                   <a:srgbClr val="ffffff"/>
                 </a:solidFill>
               </a:uFill>
-              <a:latin typeface="arial"/>
-            </a:endParaRPr>
-          </a:p>
-        </p:txBody>
-      </p:sp>
-      <p:sp>
-        <p:nvSpPr>
-          <p:cNvPr id="58" name="PlaceHolder 4"/>
+              <a:latin typeface="Arial"/>
+            </a:endParaRPr>
+          </a:p>
+        </p:txBody>
+      </p:sp>
+      <p:sp>
+        <p:nvSpPr>
+          <p:cNvPr id="60" name="PlaceHolder 4"/>
           <p:cNvSpPr>
             <a:spLocks noGrp="1"/>
           </p:cNvSpPr>
@@ -2468,7 +2566,7 @@
                   <a:srgbClr val="ffffff"/>
                 </a:solidFill>
               </a:uFill>
-              <a:latin typeface="arial"/>
+              <a:latin typeface="Arial"/>
             </a:endParaRPr>
           </a:p>
         </p:txBody>
@@ -2497,7 +2595,7 @@
       </p:grpSpPr>
       <p:sp>
         <p:nvSpPr>
-          <p:cNvPr id="59" name="PlaceHolder 1"/>
+          <p:cNvPr id="61" name="PlaceHolder 1"/>
           <p:cNvSpPr>
             <a:spLocks noGrp="1"/>
           </p:cNvSpPr>
@@ -2527,14 +2625,14 @@
                   <a:srgbClr val="ffffff"/>
                 </a:solidFill>
               </a:uFill>
-              <a:latin typeface="arial"/>
-            </a:endParaRPr>
-          </a:p>
-        </p:txBody>
-      </p:sp>
-      <p:sp>
-        <p:nvSpPr>
-          <p:cNvPr id="60" name="PlaceHolder 2"/>
+              <a:latin typeface="Arial"/>
+            </a:endParaRPr>
+          </a:p>
+        </p:txBody>
+      </p:sp>
+      <p:sp>
+        <p:nvSpPr>
+          <p:cNvPr id="62" name="PlaceHolder 2"/>
           <p:cNvSpPr>
             <a:spLocks noGrp="1"/>
           </p:cNvSpPr>
@@ -2563,14 +2661,14 @@
                   <a:srgbClr val="ffffff"/>
                 </a:solidFill>
               </a:uFill>
-              <a:latin typeface="arial"/>
-            </a:endParaRPr>
-          </a:p>
-        </p:txBody>
-      </p:sp>
-      <p:sp>
-        <p:nvSpPr>
-          <p:cNvPr id="61" name="PlaceHolder 3"/>
+              <a:latin typeface="Arial"/>
+            </a:endParaRPr>
+          </a:p>
+        </p:txBody>
+      </p:sp>
+      <p:sp>
+        <p:nvSpPr>
+          <p:cNvPr id="63" name="PlaceHolder 3"/>
           <p:cNvSpPr>
             <a:spLocks noGrp="1"/>
           </p:cNvSpPr>
@@ -2599,7 +2697,7 @@
                   <a:srgbClr val="ffffff"/>
                 </a:solidFill>
               </a:uFill>
-              <a:latin typeface="arial"/>
+              <a:latin typeface="Arial"/>
             </a:endParaRPr>
           </a:p>
         </p:txBody>
@@ -2628,7 +2726,7 @@
       </p:grpSpPr>
       <p:sp>
         <p:nvSpPr>
-          <p:cNvPr id="62" name="PlaceHolder 1"/>
+          <p:cNvPr id="64" name="PlaceHolder 1"/>
           <p:cNvSpPr>
             <a:spLocks noGrp="1"/>
           </p:cNvSpPr>
@@ -2658,14 +2756,14 @@
                   <a:srgbClr val="ffffff"/>
                 </a:solidFill>
               </a:uFill>
-              <a:latin typeface="arial"/>
-            </a:endParaRPr>
-          </a:p>
-        </p:txBody>
-      </p:sp>
-      <p:sp>
-        <p:nvSpPr>
-          <p:cNvPr id="63" name="PlaceHolder 2"/>
+              <a:latin typeface="Arial"/>
+            </a:endParaRPr>
+          </a:p>
+        </p:txBody>
+      </p:sp>
+      <p:sp>
+        <p:nvSpPr>
+          <p:cNvPr id="65" name="PlaceHolder 2"/>
           <p:cNvSpPr>
             <a:spLocks noGrp="1"/>
           </p:cNvSpPr>
@@ -2694,14 +2792,14 @@
                   <a:srgbClr val="ffffff"/>
                 </a:solidFill>
               </a:uFill>
-              <a:latin typeface="arial"/>
-            </a:endParaRPr>
-          </a:p>
-        </p:txBody>
-      </p:sp>
-      <p:sp>
-        <p:nvSpPr>
-          <p:cNvPr id="64" name="PlaceHolder 3"/>
+              <a:latin typeface="Arial"/>
+            </a:endParaRPr>
+          </a:p>
+        </p:txBody>
+      </p:sp>
+      <p:sp>
+        <p:nvSpPr>
+          <p:cNvPr id="66" name="PlaceHolder 3"/>
           <p:cNvSpPr>
             <a:spLocks noGrp="1"/>
           </p:cNvSpPr>
@@ -2730,14 +2828,14 @@
                   <a:srgbClr val="ffffff"/>
                 </a:solidFill>
               </a:uFill>
-              <a:latin typeface="arial"/>
-            </a:endParaRPr>
-          </a:p>
-        </p:txBody>
-      </p:sp>
-      <p:sp>
-        <p:nvSpPr>
-          <p:cNvPr id="65" name="PlaceHolder 4"/>
+              <a:latin typeface="Arial"/>
+            </a:endParaRPr>
+          </a:p>
+        </p:txBody>
+      </p:sp>
+      <p:sp>
+        <p:nvSpPr>
+          <p:cNvPr id="67" name="PlaceHolder 4"/>
           <p:cNvSpPr>
             <a:spLocks noGrp="1"/>
           </p:cNvSpPr>
@@ -2766,14 +2864,14 @@
                   <a:srgbClr val="ffffff"/>
                 </a:solidFill>
               </a:uFill>
-              <a:latin typeface="arial"/>
-            </a:endParaRPr>
-          </a:p>
-        </p:txBody>
-      </p:sp>
-      <p:sp>
-        <p:nvSpPr>
-          <p:cNvPr id="66" name="PlaceHolder 5"/>
+              <a:latin typeface="Arial"/>
+            </a:endParaRPr>
+          </a:p>
+        </p:txBody>
+      </p:sp>
+      <p:sp>
+        <p:nvSpPr>
+          <p:cNvPr id="68" name="PlaceHolder 5"/>
           <p:cNvSpPr>
             <a:spLocks noGrp="1"/>
           </p:cNvSpPr>
@@ -2802,7 +2900,7 @@
                   <a:srgbClr val="ffffff"/>
                 </a:solidFill>
               </a:uFill>
-              <a:latin typeface="arial"/>
+              <a:latin typeface="Arial"/>
             </a:endParaRPr>
           </a:p>
         </p:txBody>
@@ -2831,7 +2929,7 @@
       </p:grpSpPr>
       <p:sp>
         <p:nvSpPr>
-          <p:cNvPr id="67" name="PlaceHolder 1"/>
+          <p:cNvPr id="69" name="PlaceHolder 1"/>
           <p:cNvSpPr>
             <a:spLocks noGrp="1"/>
           </p:cNvSpPr>
@@ -2861,14 +2959,14 @@
                   <a:srgbClr val="ffffff"/>
                 </a:solidFill>
               </a:uFill>
-              <a:latin typeface="arial"/>
-            </a:endParaRPr>
-          </a:p>
-        </p:txBody>
-      </p:sp>
-      <p:sp>
-        <p:nvSpPr>
-          <p:cNvPr id="68" name="PlaceHolder 2"/>
+              <a:latin typeface="Arial"/>
+            </a:endParaRPr>
+          </a:p>
+        </p:txBody>
+      </p:sp>
+      <p:sp>
+        <p:nvSpPr>
+          <p:cNvPr id="70" name="PlaceHolder 2"/>
           <p:cNvSpPr>
             <a:spLocks noGrp="1"/>
           </p:cNvSpPr>
@@ -2879,7 +2977,7 @@
         <p:spPr>
           <a:xfrm>
             <a:off x="457200" y="1604520"/>
-            <a:ext cx="8229240" cy="3977280"/>
+            <a:ext cx="2649600" cy="1896840"/>
           </a:xfrm>
           <a:prstGeom prst="rect">
             <a:avLst/>
@@ -2897,14 +2995,14 @@
                   <a:srgbClr val="ffffff"/>
                 </a:solidFill>
               </a:uFill>
-              <a:latin typeface="arial"/>
-            </a:endParaRPr>
-          </a:p>
-        </p:txBody>
-      </p:sp>
-      <p:sp>
-        <p:nvSpPr>
-          <p:cNvPr id="69" name="PlaceHolder 3"/>
+              <a:latin typeface="Arial"/>
+            </a:endParaRPr>
+          </a:p>
+        </p:txBody>
+      </p:sp>
+      <p:sp>
+        <p:nvSpPr>
+          <p:cNvPr id="71" name="PlaceHolder 3"/>
           <p:cNvSpPr>
             <a:spLocks noGrp="1"/>
           </p:cNvSpPr>
@@ -2914,8 +3012,8 @@
         </p:nvSpPr>
         <p:spPr>
           <a:xfrm>
-            <a:off x="457200" y="1604520"/>
-            <a:ext cx="8229240" cy="3977280"/>
+            <a:off x="3239640" y="1604520"/>
+            <a:ext cx="2649600" cy="1896840"/>
           </a:xfrm>
           <a:prstGeom prst="rect">
             <a:avLst/>
@@ -2933,57 +3031,155 @@
                   <a:srgbClr val="ffffff"/>
                 </a:solidFill>
               </a:uFill>
-              <a:latin typeface="arial"/>
-            </a:endParaRPr>
-          </a:p>
-        </p:txBody>
-      </p:sp>
-      <p:pic>
-        <p:nvPicPr>
-          <p:cNvPr id="70" name="" descr=""/>
-          <p:cNvPicPr/>
-          <p:nvPr/>
-        </p:nvPicPr>
-        <p:blipFill>
-          <a:blip r:embed="rId2"/>
-          <a:stretch/>
-        </p:blipFill>
-        <p:spPr>
-          <a:xfrm>
-            <a:off x="2079000" y="1604520"/>
-            <a:ext cx="4984920" cy="3977280"/>
-          </a:xfrm>
-          <a:prstGeom prst="rect">
-            <a:avLst/>
-          </a:prstGeom>
-          <a:ln>
-            <a:noFill/>
-          </a:ln>
-        </p:spPr>
-      </p:pic>
-      <p:pic>
-        <p:nvPicPr>
-          <p:cNvPr id="71" name="" descr=""/>
-          <p:cNvPicPr/>
-          <p:nvPr/>
-        </p:nvPicPr>
-        <p:blipFill>
-          <a:blip r:embed="rId3"/>
-          <a:stretch/>
-        </p:blipFill>
-        <p:spPr>
-          <a:xfrm>
-            <a:off x="2079000" y="1604520"/>
-            <a:ext cx="4984920" cy="3977280"/>
-          </a:xfrm>
-          <a:prstGeom prst="rect">
-            <a:avLst/>
-          </a:prstGeom>
-          <a:ln>
-            <a:noFill/>
-          </a:ln>
-        </p:spPr>
-      </p:pic>
+              <a:latin typeface="Arial"/>
+            </a:endParaRPr>
+          </a:p>
+        </p:txBody>
+      </p:sp>
+      <p:sp>
+        <p:nvSpPr>
+          <p:cNvPr id="72" name="PlaceHolder 4"/>
+          <p:cNvSpPr>
+            <a:spLocks noGrp="1"/>
+          </p:cNvSpPr>
+          <p:nvPr>
+            <p:ph type="body"/>
+          </p:nvPr>
+        </p:nvSpPr>
+        <p:spPr>
+          <a:xfrm>
+            <a:off x="6022080" y="1604520"/>
+            <a:ext cx="2649600" cy="1896840"/>
+          </a:xfrm>
+          <a:prstGeom prst="rect">
+            <a:avLst/>
+          </a:prstGeom>
+        </p:spPr>
+        <p:txBody>
+          <a:bodyPr lIns="0" rIns="0" tIns="0" bIns="0"/>
+          <a:p>
+            <a:endParaRPr b="0" lang="en-US" sz="3200" spc="-1" strike="noStrike">
+              <a:solidFill>
+                <a:srgbClr val="000000"/>
+              </a:solidFill>
+              <a:uFill>
+                <a:solidFill>
+                  <a:srgbClr val="ffffff"/>
+                </a:solidFill>
+              </a:uFill>
+              <a:latin typeface="Arial"/>
+            </a:endParaRPr>
+          </a:p>
+        </p:txBody>
+      </p:sp>
+      <p:sp>
+        <p:nvSpPr>
+          <p:cNvPr id="73" name="PlaceHolder 5"/>
+          <p:cNvSpPr>
+            <a:spLocks noGrp="1"/>
+          </p:cNvSpPr>
+          <p:nvPr>
+            <p:ph type="body"/>
+          </p:nvPr>
+        </p:nvSpPr>
+        <p:spPr>
+          <a:xfrm>
+            <a:off x="6022080" y="3682080"/>
+            <a:ext cx="2649600" cy="1896840"/>
+          </a:xfrm>
+          <a:prstGeom prst="rect">
+            <a:avLst/>
+          </a:prstGeom>
+        </p:spPr>
+        <p:txBody>
+          <a:bodyPr lIns="0" rIns="0" tIns="0" bIns="0"/>
+          <a:p>
+            <a:endParaRPr b="0" lang="en-US" sz="3200" spc="-1" strike="noStrike">
+              <a:solidFill>
+                <a:srgbClr val="000000"/>
+              </a:solidFill>
+              <a:uFill>
+                <a:solidFill>
+                  <a:srgbClr val="ffffff"/>
+                </a:solidFill>
+              </a:uFill>
+              <a:latin typeface="Arial"/>
+            </a:endParaRPr>
+          </a:p>
+        </p:txBody>
+      </p:sp>
+      <p:sp>
+        <p:nvSpPr>
+          <p:cNvPr id="74" name="PlaceHolder 6"/>
+          <p:cNvSpPr>
+            <a:spLocks noGrp="1"/>
+          </p:cNvSpPr>
+          <p:nvPr>
+            <p:ph type="body"/>
+          </p:nvPr>
+        </p:nvSpPr>
+        <p:spPr>
+          <a:xfrm>
+            <a:off x="3239640" y="3682080"/>
+            <a:ext cx="2649600" cy="1896840"/>
+          </a:xfrm>
+          <a:prstGeom prst="rect">
+            <a:avLst/>
+          </a:prstGeom>
+        </p:spPr>
+        <p:txBody>
+          <a:bodyPr lIns="0" rIns="0" tIns="0" bIns="0"/>
+          <a:p>
+            <a:endParaRPr b="0" lang="en-US" sz="3200" spc="-1" strike="noStrike">
+              <a:solidFill>
+                <a:srgbClr val="000000"/>
+              </a:solidFill>
+              <a:uFill>
+                <a:solidFill>
+                  <a:srgbClr val="ffffff"/>
+                </a:solidFill>
+              </a:uFill>
+              <a:latin typeface="Arial"/>
+            </a:endParaRPr>
+          </a:p>
+        </p:txBody>
+      </p:sp>
+      <p:sp>
+        <p:nvSpPr>
+          <p:cNvPr id="75" name="PlaceHolder 7"/>
+          <p:cNvSpPr>
+            <a:spLocks noGrp="1"/>
+          </p:cNvSpPr>
+          <p:nvPr>
+            <p:ph type="body"/>
+          </p:nvPr>
+        </p:nvSpPr>
+        <p:spPr>
+          <a:xfrm>
+            <a:off x="457200" y="3682080"/>
+            <a:ext cx="2649600" cy="1896840"/>
+          </a:xfrm>
+          <a:prstGeom prst="rect">
+            <a:avLst/>
+          </a:prstGeom>
+        </p:spPr>
+        <p:txBody>
+          <a:bodyPr lIns="0" rIns="0" tIns="0" bIns="0"/>
+          <a:p>
+            <a:endParaRPr b="0" lang="en-US" sz="3200" spc="-1" strike="noStrike">
+              <a:solidFill>
+                <a:srgbClr val="000000"/>
+              </a:solidFill>
+              <a:uFill>
+                <a:solidFill>
+                  <a:srgbClr val="ffffff"/>
+                </a:solidFill>
+              </a:uFill>
+              <a:latin typeface="Arial"/>
+            </a:endParaRPr>
+          </a:p>
+        </p:txBody>
+      </p:sp>
     </p:spTree>
   </p:cSld>
 </p:sldLayout>
@@ -3038,7 +3234,7 @@
                   <a:srgbClr val="ffffff"/>
                 </a:solidFill>
               </a:uFill>
-              <a:latin typeface="arial"/>
+              <a:latin typeface="Arial"/>
             </a:endParaRPr>
           </a:p>
         </p:txBody>
@@ -3074,7 +3270,7 @@
                   <a:srgbClr val="ffffff"/>
                 </a:solidFill>
               </a:uFill>
-              <a:latin typeface="arial"/>
+              <a:latin typeface="Arial"/>
             </a:endParaRPr>
           </a:p>
         </p:txBody>
@@ -3133,7 +3329,7 @@
                   <a:srgbClr val="ffffff"/>
                 </a:solidFill>
               </a:uFill>
-              <a:latin typeface="arial"/>
+              <a:latin typeface="Arial"/>
             </a:endParaRPr>
           </a:p>
         </p:txBody>
@@ -3169,7 +3365,7 @@
                   <a:srgbClr val="ffffff"/>
                 </a:solidFill>
               </a:uFill>
-              <a:latin typeface="arial"/>
+              <a:latin typeface="Arial"/>
             </a:endParaRPr>
           </a:p>
         </p:txBody>
@@ -3205,7 +3401,7 @@
                   <a:srgbClr val="ffffff"/>
                 </a:solidFill>
               </a:uFill>
-              <a:latin typeface="arial"/>
+              <a:latin typeface="Arial"/>
             </a:endParaRPr>
           </a:p>
         </p:txBody>
@@ -3264,7 +3460,7 @@
                   <a:srgbClr val="ffffff"/>
                 </a:solidFill>
               </a:uFill>
-              <a:latin typeface="arial"/>
+              <a:latin typeface="Arial"/>
             </a:endParaRPr>
           </a:p>
         </p:txBody>
@@ -3323,7 +3519,7 @@
                   <a:srgbClr val="ffffff"/>
                 </a:solidFill>
               </a:uFill>
-              <a:latin typeface="arial"/>
+              <a:latin typeface="Arial"/>
             </a:endParaRPr>
           </a:p>
         </p:txBody>
@@ -3382,7 +3578,7 @@
                   <a:srgbClr val="ffffff"/>
                 </a:solidFill>
               </a:uFill>
-              <a:latin typeface="arial"/>
+              <a:latin typeface="Arial"/>
             </a:endParaRPr>
           </a:p>
         </p:txBody>
@@ -3418,7 +3614,7 @@
                   <a:srgbClr val="ffffff"/>
                 </a:solidFill>
               </a:uFill>
-              <a:latin typeface="arial"/>
+              <a:latin typeface="Arial"/>
             </a:endParaRPr>
           </a:p>
         </p:txBody>
@@ -3454,7 +3650,7 @@
                   <a:srgbClr val="ffffff"/>
                 </a:solidFill>
               </a:uFill>
-              <a:latin typeface="arial"/>
+              <a:latin typeface="Arial"/>
             </a:endParaRPr>
           </a:p>
         </p:txBody>
@@ -3490,7 +3686,7 @@
                   <a:srgbClr val="ffffff"/>
                 </a:solidFill>
               </a:uFill>
-              <a:latin typeface="arial"/>
+              <a:latin typeface="Arial"/>
             </a:endParaRPr>
           </a:p>
         </p:txBody>
@@ -3549,7 +3745,7 @@
                   <a:srgbClr val="ffffff"/>
                 </a:solidFill>
               </a:uFill>
-              <a:latin typeface="arial"/>
+              <a:latin typeface="Arial"/>
             </a:endParaRPr>
           </a:p>
         </p:txBody>
@@ -3585,7 +3781,7 @@
                   <a:srgbClr val="ffffff"/>
                 </a:solidFill>
               </a:uFill>
-              <a:latin typeface="arial"/>
+              <a:latin typeface="Arial"/>
             </a:endParaRPr>
           </a:p>
         </p:txBody>
@@ -3621,7 +3817,7 @@
                   <a:srgbClr val="ffffff"/>
                 </a:solidFill>
               </a:uFill>
-              <a:latin typeface="arial"/>
+              <a:latin typeface="Arial"/>
             </a:endParaRPr>
           </a:p>
         </p:txBody>
@@ -3657,7 +3853,7 @@
                   <a:srgbClr val="ffffff"/>
                 </a:solidFill>
               </a:uFill>
-              <a:latin typeface="arial"/>
+              <a:latin typeface="Arial"/>
             </a:endParaRPr>
           </a:p>
         </p:txBody>
@@ -3716,7 +3912,7 @@
                   <a:srgbClr val="ffffff"/>
                 </a:solidFill>
               </a:uFill>
-              <a:latin typeface="arial"/>
+              <a:latin typeface="Arial"/>
             </a:endParaRPr>
           </a:p>
         </p:txBody>
@@ -3752,7 +3948,7 @@
                   <a:srgbClr val="ffffff"/>
                 </a:solidFill>
               </a:uFill>
-              <a:latin typeface="arial"/>
+              <a:latin typeface="Arial"/>
             </a:endParaRPr>
           </a:p>
         </p:txBody>
@@ -3788,7 +3984,7 @@
                   <a:srgbClr val="ffffff"/>
                 </a:solidFill>
               </a:uFill>
-              <a:latin typeface="arial"/>
+              <a:latin typeface="Arial"/>
             </a:endParaRPr>
           </a:p>
         </p:txBody>
@@ -3824,7 +4020,7 @@
                   <a:srgbClr val="ffffff"/>
                 </a:solidFill>
               </a:uFill>
-              <a:latin typeface="arial"/>
+              <a:latin typeface="Arial"/>
             </a:endParaRPr>
           </a:p>
         </p:txBody>
@@ -3870,8 +4066,8 @@
         </p:nvSpPr>
         <p:spPr>
           <a:xfrm>
-            <a:off x="457200" y="274680"/>
-            <a:ext cx="8228880" cy="1142280"/>
+            <a:off x="457200" y="273600"/>
+            <a:ext cx="8229240" cy="1144800"/>
           </a:xfrm>
           <a:prstGeom prst="rect">
             <a:avLst/>
@@ -3881,6 +4077,20 @@
           <a:bodyPr lIns="0" rIns="0" tIns="0" bIns="0" anchor="ctr"/>
           <a:p>
             <a:pPr algn="ctr"/>
+            <a:r>
+              <a:rPr b="0" lang="en-US" sz="4400" spc="-1" strike="noStrike">
+                <a:solidFill>
+                  <a:srgbClr val="000000"/>
+                </a:solidFill>
+                <a:uFill>
+                  <a:solidFill>
+                    <a:srgbClr val="ffffff"/>
+                  </a:solidFill>
+                </a:uFill>
+                <a:latin typeface="Arial"/>
+              </a:rPr>
+              <a:t>Click to edit the title text format</a:t>
+            </a:r>
             <a:endParaRPr b="0" lang="en-US" sz="4400" spc="-1" strike="noStrike">
               <a:solidFill>
                 <a:srgbClr val="000000"/>
@@ -3890,7 +4100,7 @@
                   <a:srgbClr val="ffffff"/>
                 </a:solidFill>
               </a:uFill>
-              <a:latin typeface="arial"/>
+              <a:latin typeface="Arial"/>
             </a:endParaRPr>
           </a:p>
         </p:txBody>
@@ -3935,7 +4145,7 @@
                     <a:srgbClr val="ffffff"/>
                   </a:solidFill>
                 </a:uFill>
-                <a:latin typeface="arial"/>
+                <a:latin typeface="Arial"/>
               </a:rPr>
               <a:t>Click to edit the outline text format</a:t>
             </a:r>
@@ -3948,7 +4158,7 @@
                   <a:srgbClr val="ffffff"/>
                 </a:solidFill>
               </a:uFill>
-              <a:latin typeface="arial"/>
+              <a:latin typeface="Arial"/>
             </a:endParaRPr>
           </a:p>
           <a:p>
@@ -3970,7 +4180,7 @@
                     <a:srgbClr val="ffffff"/>
                   </a:solidFill>
                 </a:uFill>
-                <a:latin typeface="arial"/>
+                <a:latin typeface="Arial"/>
               </a:rPr>
               <a:t>Second Outline Level</a:t>
             </a:r>
@@ -3983,7 +4193,7 @@
                   <a:srgbClr val="ffffff"/>
                 </a:solidFill>
               </a:uFill>
-              <a:latin typeface="arial"/>
+              <a:latin typeface="Arial"/>
             </a:endParaRPr>
           </a:p>
           <a:p>
@@ -4005,7 +4215,7 @@
                     <a:srgbClr val="ffffff"/>
                   </a:solidFill>
                 </a:uFill>
-                <a:latin typeface="arial"/>
+                <a:latin typeface="Arial"/>
               </a:rPr>
               <a:t>Third Outline Level</a:t>
             </a:r>
@@ -4018,7 +4228,7 @@
                   <a:srgbClr val="ffffff"/>
                 </a:solidFill>
               </a:uFill>
-              <a:latin typeface="arial"/>
+              <a:latin typeface="Arial"/>
             </a:endParaRPr>
           </a:p>
           <a:p>
@@ -4040,7 +4250,7 @@
                     <a:srgbClr val="ffffff"/>
                   </a:solidFill>
                 </a:uFill>
-                <a:latin typeface="arial"/>
+                <a:latin typeface="Arial"/>
               </a:rPr>
               <a:t>Fourth Outline Level</a:t>
             </a:r>
@@ -4053,7 +4263,7 @@
                   <a:srgbClr val="ffffff"/>
                 </a:solidFill>
               </a:uFill>
-              <a:latin typeface="arial"/>
+              <a:latin typeface="Arial"/>
             </a:endParaRPr>
           </a:p>
           <a:p>
@@ -4075,7 +4285,7 @@
                     <a:srgbClr val="ffffff"/>
                   </a:solidFill>
                 </a:uFill>
-                <a:latin typeface="arial"/>
+                <a:latin typeface="Arial"/>
               </a:rPr>
               <a:t>Fifth Outline Level</a:t>
             </a:r>
@@ -4088,7 +4298,7 @@
                   <a:srgbClr val="ffffff"/>
                 </a:solidFill>
               </a:uFill>
-              <a:latin typeface="arial"/>
+              <a:latin typeface="Arial"/>
             </a:endParaRPr>
           </a:p>
           <a:p>
@@ -4110,7 +4320,7 @@
                     <a:srgbClr val="ffffff"/>
                   </a:solidFill>
                 </a:uFill>
-                <a:latin typeface="arial"/>
+                <a:latin typeface="Arial"/>
               </a:rPr>
               <a:t>Sixth Outline Level</a:t>
             </a:r>
@@ -4123,7 +4333,7 @@
                   <a:srgbClr val="ffffff"/>
                 </a:solidFill>
               </a:uFill>
-              <a:latin typeface="arial"/>
+              <a:latin typeface="Arial"/>
             </a:endParaRPr>
           </a:p>
           <a:p>
@@ -4145,7 +4355,7 @@
                     <a:srgbClr val="ffffff"/>
                   </a:solidFill>
                 </a:uFill>
-                <a:latin typeface="arial"/>
+                <a:latin typeface="Arial"/>
               </a:rPr>
               <a:t>Seventh Outline Level</a:t>
             </a:r>
@@ -4158,7 +4368,7 @@
                   <a:srgbClr val="ffffff"/>
                 </a:solidFill>
               </a:uFill>
-              <a:latin typeface="arial"/>
+              <a:latin typeface="Arial"/>
             </a:endParaRPr>
           </a:p>
         </p:txBody>
@@ -4209,7 +4419,7 @@
       </p:grpSpPr>
       <p:sp>
         <p:nvSpPr>
-          <p:cNvPr id="36" name="PlaceHolder 1"/>
+          <p:cNvPr id="38" name="PlaceHolder 1"/>
           <p:cNvSpPr>
             <a:spLocks noGrp="1"/>
           </p:cNvSpPr>
@@ -4240,9 +4450,51 @@
                     <a:srgbClr val="ffffff"/>
                   </a:solidFill>
                 </a:uFill>
-                <a:latin typeface="arial"/>
+                <a:latin typeface="Arial"/>
               </a:rPr>
-              <a:t>Click to edit the title text format</a:t>
+              <a:t>Click to </a:t>
+            </a:r>
+            <a:r>
+              <a:rPr b="0" lang="en-US" sz="4400" spc="-1" strike="noStrike">
+                <a:solidFill>
+                  <a:srgbClr val="000000"/>
+                </a:solidFill>
+                <a:uFill>
+                  <a:solidFill>
+                    <a:srgbClr val="ffffff"/>
+                  </a:solidFill>
+                </a:uFill>
+                <a:latin typeface="Arial"/>
+              </a:rPr>
+              <a:t>edit the </a:t>
+            </a:r>
+            <a:r>
+              <a:rPr b="0" lang="en-US" sz="4400" spc="-1" strike="noStrike">
+                <a:solidFill>
+                  <a:srgbClr val="000000"/>
+                </a:solidFill>
+                <a:uFill>
+                  <a:solidFill>
+                    <a:srgbClr val="ffffff"/>
+                  </a:solidFill>
+                </a:uFill>
+                <a:latin typeface="Arial"/>
+              </a:rPr>
+              <a:t>title text </a:t>
+            </a:r>
+            <a:r>
+              <a:rPr b="0" lang="en-US" sz="4400" spc="-1" strike="noStrike">
+                <a:solidFill>
+                  <a:srgbClr val="000000"/>
+                </a:solidFill>
+                <a:uFill>
+                  <a:solidFill>
+                    <a:srgbClr val="ffffff"/>
+                  </a:solidFill>
+                </a:uFill>
+                <a:latin typeface="Arial"/>
+              </a:rPr>
+              <a:t>format</a:t>
             </a:r>
             <a:endParaRPr b="0" lang="en-US" sz="4400" spc="-1" strike="noStrike">
               <a:solidFill>
@@ -4253,14 +4505,14 @@
                   <a:srgbClr val="ffffff"/>
                 </a:solidFill>
               </a:uFill>
-              <a:latin typeface="arial"/>
-            </a:endParaRPr>
-          </a:p>
-        </p:txBody>
-      </p:sp>
-      <p:sp>
-        <p:nvSpPr>
-          <p:cNvPr id="37" name="PlaceHolder 2"/>
+              <a:latin typeface="Arial"/>
+            </a:endParaRPr>
+          </a:p>
+        </p:txBody>
+      </p:sp>
+      <p:sp>
+        <p:nvSpPr>
+          <p:cNvPr id="39" name="PlaceHolder 2"/>
           <p:cNvSpPr>
             <a:spLocks noGrp="1"/>
           </p:cNvSpPr>
@@ -4298,7 +4550,7 @@
                     <a:srgbClr val="ffffff"/>
                   </a:solidFill>
                 </a:uFill>
-                <a:latin typeface="arial"/>
+                <a:latin typeface="Arial"/>
               </a:rPr>
               <a:t>Click to edit the outline text format</a:t>
             </a:r>
@@ -4311,7 +4563,7 @@
                   <a:srgbClr val="ffffff"/>
                 </a:solidFill>
               </a:uFill>
-              <a:latin typeface="arial"/>
+              <a:latin typeface="Arial"/>
             </a:endParaRPr>
           </a:p>
           <a:p>
@@ -4333,7 +4585,7 @@
                     <a:srgbClr val="ffffff"/>
                   </a:solidFill>
                 </a:uFill>
-                <a:latin typeface="arial"/>
+                <a:latin typeface="Arial"/>
               </a:rPr>
               <a:t>Second Outline Level</a:t>
             </a:r>
@@ -4346,7 +4598,7 @@
                   <a:srgbClr val="ffffff"/>
                 </a:solidFill>
               </a:uFill>
-              <a:latin typeface="arial"/>
+              <a:latin typeface="Arial"/>
             </a:endParaRPr>
           </a:p>
           <a:p>
@@ -4368,7 +4620,7 @@
                     <a:srgbClr val="ffffff"/>
                   </a:solidFill>
                 </a:uFill>
-                <a:latin typeface="arial"/>
+                <a:latin typeface="Arial"/>
               </a:rPr>
               <a:t>Third Outline Level</a:t>
             </a:r>
@@ -4381,7 +4633,7 @@
                   <a:srgbClr val="ffffff"/>
                 </a:solidFill>
               </a:uFill>
-              <a:latin typeface="arial"/>
+              <a:latin typeface="Arial"/>
             </a:endParaRPr>
           </a:p>
           <a:p>
@@ -4403,7 +4655,7 @@
                     <a:srgbClr val="ffffff"/>
                   </a:solidFill>
                 </a:uFill>
-                <a:latin typeface="arial"/>
+                <a:latin typeface="Arial"/>
               </a:rPr>
               <a:t>Fourth Outline Level</a:t>
             </a:r>
@@ -4416,7 +4668,7 @@
                   <a:srgbClr val="ffffff"/>
                 </a:solidFill>
               </a:uFill>
-              <a:latin typeface="arial"/>
+              <a:latin typeface="Arial"/>
             </a:endParaRPr>
           </a:p>
           <a:p>
@@ -4438,7 +4690,7 @@
                     <a:srgbClr val="ffffff"/>
                   </a:solidFill>
                 </a:uFill>
-                <a:latin typeface="arial"/>
+                <a:latin typeface="Arial"/>
               </a:rPr>
               <a:t>Fifth Outline Level</a:t>
             </a:r>
@@ -4451,7 +4703,7 @@
                   <a:srgbClr val="ffffff"/>
                 </a:solidFill>
               </a:uFill>
-              <a:latin typeface="arial"/>
+              <a:latin typeface="Arial"/>
             </a:endParaRPr>
           </a:p>
           <a:p>
@@ -4473,7 +4725,7 @@
                     <a:srgbClr val="ffffff"/>
                   </a:solidFill>
                 </a:uFill>
-                <a:latin typeface="arial"/>
+                <a:latin typeface="Arial"/>
               </a:rPr>
               <a:t>Sixth Outline Level</a:t>
             </a:r>
@@ -4486,7 +4738,7 @@
                   <a:srgbClr val="ffffff"/>
                 </a:solidFill>
               </a:uFill>
-              <a:latin typeface="arial"/>
+              <a:latin typeface="Arial"/>
             </a:endParaRPr>
           </a:p>
           <a:p>
@@ -4508,7 +4760,7 @@
                     <a:srgbClr val="ffffff"/>
                   </a:solidFill>
                 </a:uFill>
-                <a:latin typeface="arial"/>
+                <a:latin typeface="Arial"/>
               </a:rPr>
               <a:t>Seventh Outline Level</a:t>
             </a:r>
@@ -4521,7 +4773,7 @@
                   <a:srgbClr val="ffffff"/>
                 </a:solidFill>
               </a:uFill>
-              <a:latin typeface="arial"/>
+              <a:latin typeface="Arial"/>
             </a:endParaRPr>
           </a:p>
         </p:txBody>
@@ -4565,14 +4817,14 @@
       </p:grpSpPr>
       <p:sp>
         <p:nvSpPr>
-          <p:cNvPr id="77" name="CustomShape 1"/>
+          <p:cNvPr id="81" name="CustomShape 1"/>
           <p:cNvSpPr/>
           <p:nvPr/>
         </p:nvSpPr>
         <p:spPr>
           <a:xfrm>
             <a:off x="685800" y="2130480"/>
-            <a:ext cx="7771680" cy="1469160"/>
+            <a:ext cx="7770960" cy="1468440"/>
           </a:xfrm>
           <a:prstGeom prst="rect">
             <a:avLst/>
@@ -4607,6 +4859,7 @@
                   </a:solidFill>
                 </a:uFill>
                 <a:latin typeface="Calibri"/>
+                <a:ea typeface="DejaVu Sans"/>
               </a:rPr>
               <a:t>Enterprise Integration Patterns</a:t>
             </a:r>
@@ -4619,21 +4872,21 @@
                   <a:srgbClr val="ffffff"/>
                 </a:solidFill>
               </a:uFill>
-              <a:latin typeface="arial"/>
-            </a:endParaRPr>
-          </a:p>
-        </p:txBody>
-      </p:sp>
-      <p:sp>
-        <p:nvSpPr>
-          <p:cNvPr id="78" name="CustomShape 2"/>
+              <a:latin typeface="Arial"/>
+            </a:endParaRPr>
+          </a:p>
+        </p:txBody>
+      </p:sp>
+      <p:sp>
+        <p:nvSpPr>
+          <p:cNvPr id="82" name="CustomShape 2"/>
           <p:cNvSpPr/>
           <p:nvPr/>
         </p:nvSpPr>
         <p:spPr>
           <a:xfrm>
             <a:off x="1371600" y="3886200"/>
-            <a:ext cx="6400080" cy="1751760"/>
+            <a:ext cx="6399360" cy="1751040"/>
           </a:xfrm>
           <a:prstGeom prst="rect">
             <a:avLst/>
@@ -4668,6 +4921,7 @@
                   </a:solidFill>
                 </a:uFill>
                 <a:latin typeface="Calibri"/>
+                <a:ea typeface="DejaVu Sans"/>
               </a:rPr>
               <a:t>Spring-integration</a:t>
             </a:r>
@@ -4680,7 +4934,7 @@
                   <a:srgbClr val="ffffff"/>
                 </a:solidFill>
               </a:uFill>
-              <a:latin typeface="arial"/>
+              <a:latin typeface="Arial"/>
             </a:endParaRPr>
           </a:p>
         </p:txBody>
@@ -4736,14 +4990,14 @@
       </p:grpSpPr>
       <p:sp>
         <p:nvSpPr>
-          <p:cNvPr id="151" name="CustomShape 1"/>
+          <p:cNvPr id="155" name="CustomShape 1"/>
           <p:cNvSpPr/>
           <p:nvPr/>
         </p:nvSpPr>
         <p:spPr>
           <a:xfrm>
             <a:off x="457200" y="274680"/>
-            <a:ext cx="8228880" cy="1142280"/>
+            <a:ext cx="8228160" cy="1141560"/>
           </a:xfrm>
           <a:prstGeom prst="rect">
             <a:avLst/>
@@ -4778,6 +5032,7 @@
                   </a:solidFill>
                 </a:uFill>
                 <a:latin typeface="Calibri"/>
+                <a:ea typeface="DejaVu Sans"/>
               </a:rPr>
               <a:t>Filter</a:t>
             </a:r>
@@ -4790,21 +5045,21 @@
                   <a:srgbClr val="ffffff"/>
                 </a:solidFill>
               </a:uFill>
-              <a:latin typeface="arial"/>
-            </a:endParaRPr>
-          </a:p>
-        </p:txBody>
-      </p:sp>
-      <p:sp>
-        <p:nvSpPr>
-          <p:cNvPr id="152" name="CustomShape 2"/>
+              <a:latin typeface="Arial"/>
+            </a:endParaRPr>
+          </a:p>
+        </p:txBody>
+      </p:sp>
+      <p:sp>
+        <p:nvSpPr>
+          <p:cNvPr id="156" name="CustomShape 2"/>
           <p:cNvSpPr/>
           <p:nvPr/>
         </p:nvSpPr>
         <p:spPr>
           <a:xfrm>
             <a:off x="395640" y="3976560"/>
-            <a:ext cx="8228880" cy="2260080"/>
+            <a:ext cx="8228160" cy="2259360"/>
           </a:xfrm>
           <a:prstGeom prst="rect">
             <a:avLst/>
@@ -4823,7 +5078,7 @@
         <p:txBody>
           <a:bodyPr lIns="90000" rIns="90000" tIns="45000" bIns="45000"/>
           <a:p>
-            <a:pPr marL="343080" indent="-342360">
+            <a:pPr marL="343080" indent="-341640">
               <a:lnSpc>
                 <a:spcPct val="100000"/>
               </a:lnSpc>
@@ -4844,8 +5099,9 @@
                   </a:solidFill>
                 </a:uFill>
                 <a:latin typeface="Calibri"/>
+                <a:ea typeface="DejaVu Sans"/>
               </a:rPr>
-              <a:t>Tipo especial de Router que remove mensagens indesejáveis de um canal através de um critério definido</a:t>
+              <a:t>Type of router that removes unwanted messages from a channel based on some criteria</a:t>
             </a:r>
             <a:endParaRPr b="0" lang="en-US" sz="1800" spc="-1" strike="noStrike">
               <a:solidFill>
@@ -4856,14 +5112,14 @@
                   <a:srgbClr val="ffffff"/>
                 </a:solidFill>
               </a:uFill>
-              <a:latin typeface="arial"/>
+              <a:latin typeface="Arial"/>
             </a:endParaRPr>
           </a:p>
         </p:txBody>
       </p:sp>
       <p:pic>
         <p:nvPicPr>
-          <p:cNvPr id="153" name="Picture 10" descr=""/>
+          <p:cNvPr id="157" name="Picture 10" descr=""/>
           <p:cNvPicPr/>
           <p:nvPr/>
         </p:nvPicPr>
@@ -4874,7 +5130,7 @@
         <p:spPr>
           <a:xfrm>
             <a:off x="3420000" y="1412640"/>
-            <a:ext cx="2406240" cy="1871640"/>
+            <a:ext cx="2405520" cy="1870920"/>
           </a:xfrm>
           <a:prstGeom prst="rect">
             <a:avLst/>
@@ -4886,7 +5142,7 @@
       </p:pic>
       <p:pic>
         <p:nvPicPr>
-          <p:cNvPr id="154" name="Picture 3" descr=""/>
+          <p:cNvPr id="158" name="Picture 3" descr=""/>
           <p:cNvPicPr/>
           <p:nvPr/>
         </p:nvPicPr>
@@ -4897,7 +5153,7 @@
         <p:spPr>
           <a:xfrm>
             <a:off x="1917000" y="2012400"/>
-            <a:ext cx="1142280" cy="672480"/>
+            <a:ext cx="1141560" cy="671760"/>
           </a:xfrm>
           <a:prstGeom prst="rect">
             <a:avLst/>
@@ -4909,7 +5165,7 @@
       </p:pic>
       <p:pic>
         <p:nvPicPr>
-          <p:cNvPr id="155" name="Picture 3" descr=""/>
+          <p:cNvPr id="159" name="Picture 3" descr=""/>
           <p:cNvPicPr/>
           <p:nvPr/>
         </p:nvPicPr>
@@ -4920,7 +5176,7 @@
         <p:spPr>
           <a:xfrm>
             <a:off x="6156000" y="2012400"/>
-            <a:ext cx="1142280" cy="672480"/>
+            <a:ext cx="1141560" cy="671760"/>
           </a:xfrm>
           <a:prstGeom prst="rect">
             <a:avLst/>
@@ -4932,14 +5188,14 @@
       </p:pic>
       <p:sp>
         <p:nvSpPr>
-          <p:cNvPr id="156" name="CustomShape 3"/>
+          <p:cNvPr id="160" name="CustomShape 3"/>
           <p:cNvSpPr/>
           <p:nvPr/>
         </p:nvSpPr>
         <p:spPr>
           <a:xfrm>
             <a:off x="5826960" y="2349000"/>
-            <a:ext cx="328320" cy="360"/>
+            <a:ext cx="327600" cy="360"/>
           </a:xfrm>
           <a:custGeom>
             <a:avLst/>
@@ -4981,14 +5237,14 @@
       </p:sp>
       <p:sp>
         <p:nvSpPr>
-          <p:cNvPr id="157" name="CustomShape 4"/>
+          <p:cNvPr id="161" name="CustomShape 4"/>
           <p:cNvSpPr/>
           <p:nvPr/>
         </p:nvSpPr>
         <p:spPr>
           <a:xfrm>
             <a:off x="3060000" y="2349000"/>
-            <a:ext cx="359280" cy="360"/>
+            <a:ext cx="358560" cy="360"/>
           </a:xfrm>
           <a:custGeom>
             <a:avLst/>
@@ -5030,14 +5286,14 @@
       </p:sp>
       <p:sp>
         <p:nvSpPr>
-          <p:cNvPr id="158" name="CustomShape 5"/>
+          <p:cNvPr id="162" name="CustomShape 5"/>
           <p:cNvSpPr/>
           <p:nvPr/>
         </p:nvSpPr>
         <p:spPr>
           <a:xfrm>
             <a:off x="611640" y="1886040"/>
-            <a:ext cx="935280" cy="925200"/>
+            <a:ext cx="934560" cy="924480"/>
           </a:xfrm>
           <a:prstGeom prst="ellipse">
             <a:avLst/>
@@ -5092,21 +5348,21 @@
                   <a:srgbClr val="ffffff"/>
                 </a:solidFill>
               </a:uFill>
-              <a:latin typeface="arial"/>
-            </a:endParaRPr>
-          </a:p>
-        </p:txBody>
-      </p:sp>
-      <p:sp>
-        <p:nvSpPr>
-          <p:cNvPr id="159" name="CustomShape 6"/>
+              <a:latin typeface="Arial"/>
+            </a:endParaRPr>
+          </a:p>
+        </p:txBody>
+      </p:sp>
+      <p:sp>
+        <p:nvSpPr>
+          <p:cNvPr id="163" name="CustomShape 6"/>
           <p:cNvSpPr/>
           <p:nvPr/>
         </p:nvSpPr>
         <p:spPr>
           <a:xfrm flipV="1">
-            <a:off x="1547640" y="2347560"/>
-            <a:ext cx="368280" cy="360"/>
+            <a:off x="1547640" y="2346120"/>
+            <a:ext cx="367560" cy="360"/>
           </a:xfrm>
           <a:custGeom>
             <a:avLst/>
@@ -5148,14 +5404,14 @@
       </p:sp>
       <p:sp>
         <p:nvSpPr>
-          <p:cNvPr id="160" name="CustomShape 7"/>
+          <p:cNvPr id="164" name="CustomShape 7"/>
           <p:cNvSpPr/>
           <p:nvPr/>
         </p:nvSpPr>
         <p:spPr>
           <a:xfrm>
             <a:off x="4716000" y="2863080"/>
-            <a:ext cx="935280" cy="925200"/>
+            <a:ext cx="934560" cy="924480"/>
           </a:xfrm>
           <a:prstGeom prst="ellipse">
             <a:avLst/>
@@ -5210,21 +5466,21 @@
                   <a:srgbClr val="ffffff"/>
                 </a:solidFill>
               </a:uFill>
-              <a:latin typeface="arial"/>
-            </a:endParaRPr>
-          </a:p>
-        </p:txBody>
-      </p:sp>
-      <p:sp>
-        <p:nvSpPr>
-          <p:cNvPr id="161" name="CustomShape 8"/>
+              <a:latin typeface="Arial"/>
+            </a:endParaRPr>
+          </a:p>
+        </p:txBody>
+      </p:sp>
+      <p:sp>
+        <p:nvSpPr>
+          <p:cNvPr id="165" name="CustomShape 8"/>
           <p:cNvSpPr/>
           <p:nvPr/>
         </p:nvSpPr>
         <p:spPr>
           <a:xfrm>
             <a:off x="4644000" y="2853000"/>
-            <a:ext cx="1110240" cy="1007280"/>
+            <a:ext cx="1109520" cy="1006560"/>
           </a:xfrm>
           <a:prstGeom prst="mathMultiply">
             <a:avLst>
@@ -5306,14 +5562,14 @@
       </p:grpSpPr>
       <p:sp>
         <p:nvSpPr>
-          <p:cNvPr id="162" name="CustomShape 1"/>
+          <p:cNvPr id="166" name="CustomShape 1"/>
           <p:cNvSpPr/>
           <p:nvPr/>
         </p:nvSpPr>
         <p:spPr>
           <a:xfrm>
             <a:off x="5220000" y="3295440"/>
-            <a:ext cx="935280" cy="925200"/>
+            <a:ext cx="934560" cy="924480"/>
           </a:xfrm>
           <a:prstGeom prst="ellipse">
             <a:avLst/>
@@ -5368,21 +5624,21 @@
                   <a:srgbClr val="ffffff"/>
                 </a:solidFill>
               </a:uFill>
-              <a:latin typeface="arial"/>
-            </a:endParaRPr>
-          </a:p>
-        </p:txBody>
-      </p:sp>
-      <p:sp>
-        <p:nvSpPr>
-          <p:cNvPr id="163" name="CustomShape 2"/>
+              <a:latin typeface="Arial"/>
+            </a:endParaRPr>
+          </a:p>
+        </p:txBody>
+      </p:sp>
+      <p:sp>
+        <p:nvSpPr>
+          <p:cNvPr id="167" name="CustomShape 2"/>
           <p:cNvSpPr/>
           <p:nvPr/>
         </p:nvSpPr>
         <p:spPr>
           <a:xfrm>
             <a:off x="457200" y="274680"/>
-            <a:ext cx="8228880" cy="1142280"/>
+            <a:ext cx="8228160" cy="1141560"/>
           </a:xfrm>
           <a:prstGeom prst="rect">
             <a:avLst/>
@@ -5417,6 +5673,7 @@
                   </a:solidFill>
                 </a:uFill>
                 <a:latin typeface="Calibri"/>
+                <a:ea typeface="DejaVu Sans"/>
               </a:rPr>
               <a:t>Wire-Tap</a:t>
             </a:r>
@@ -5429,21 +5686,21 @@
                   <a:srgbClr val="ffffff"/>
                 </a:solidFill>
               </a:uFill>
-              <a:latin typeface="arial"/>
-            </a:endParaRPr>
-          </a:p>
-        </p:txBody>
-      </p:sp>
-      <p:sp>
-        <p:nvSpPr>
-          <p:cNvPr id="164" name="CustomShape 3"/>
+              <a:latin typeface="Arial"/>
+            </a:endParaRPr>
+          </a:p>
+        </p:txBody>
+      </p:sp>
+      <p:sp>
+        <p:nvSpPr>
+          <p:cNvPr id="168" name="CustomShape 3"/>
           <p:cNvSpPr/>
           <p:nvPr/>
         </p:nvSpPr>
         <p:spPr>
           <a:xfrm>
             <a:off x="395640" y="4293000"/>
-            <a:ext cx="8228880" cy="1727640"/>
+            <a:ext cx="8228160" cy="1726920"/>
           </a:xfrm>
           <a:prstGeom prst="rect">
             <a:avLst/>
@@ -5462,7 +5719,7 @@
         <p:txBody>
           <a:bodyPr lIns="90000" rIns="90000" tIns="45000" bIns="45000"/>
           <a:p>
-            <a:pPr marL="343080" indent="-342360">
+            <a:pPr marL="343080" indent="-341640">
               <a:lnSpc>
                 <a:spcPct val="100000"/>
               </a:lnSpc>
@@ -5483,8 +5740,9 @@
                   </a:solidFill>
                 </a:uFill>
                 <a:latin typeface="Calibri"/>
+                <a:ea typeface="DejaVu Sans"/>
               </a:rPr>
-              <a:t>Intercepta um channel e envia cópias das mensagens que lá passam para um segundo channel</a:t>
+              <a:t>Intercepts one channel and sends copies of the passing messages to another channel</a:t>
             </a:r>
             <a:endParaRPr b="0" lang="en-US" sz="1800" spc="-1" strike="noStrike">
               <a:solidFill>
@@ -5495,14 +5753,14 @@
                   <a:srgbClr val="ffffff"/>
                 </a:solidFill>
               </a:uFill>
-              <a:latin typeface="arial"/>
+              <a:latin typeface="Arial"/>
             </a:endParaRPr>
           </a:p>
         </p:txBody>
       </p:sp>
       <p:pic>
         <p:nvPicPr>
-          <p:cNvPr id="165" name="Picture 3" descr=""/>
+          <p:cNvPr id="169" name="Picture 3" descr=""/>
           <p:cNvPicPr/>
           <p:nvPr/>
         </p:nvPicPr>
@@ -5513,7 +5771,7 @@
         <p:spPr>
           <a:xfrm>
             <a:off x="2277000" y="2012400"/>
-            <a:ext cx="1142280" cy="672480"/>
+            <a:ext cx="1141560" cy="671760"/>
           </a:xfrm>
           <a:prstGeom prst="rect">
             <a:avLst/>
@@ -5525,7 +5783,7 @@
       </p:pic>
       <p:pic>
         <p:nvPicPr>
-          <p:cNvPr id="166" name="Picture 3" descr=""/>
+          <p:cNvPr id="170" name="Picture 3" descr=""/>
           <p:cNvPicPr/>
           <p:nvPr/>
         </p:nvPicPr>
@@ -5536,7 +5794,7 @@
         <p:spPr>
           <a:xfrm>
             <a:off x="5796000" y="2012400"/>
-            <a:ext cx="1142280" cy="672480"/>
+            <a:ext cx="1141560" cy="671760"/>
           </a:xfrm>
           <a:prstGeom prst="rect">
             <a:avLst/>
@@ -5548,14 +5806,14 @@
       </p:pic>
       <p:sp>
         <p:nvSpPr>
-          <p:cNvPr id="167" name="CustomShape 4"/>
+          <p:cNvPr id="171" name="CustomShape 4"/>
           <p:cNvSpPr/>
           <p:nvPr/>
         </p:nvSpPr>
         <p:spPr>
           <a:xfrm>
             <a:off x="971640" y="1886040"/>
-            <a:ext cx="935280" cy="925200"/>
+            <a:ext cx="934560" cy="924480"/>
           </a:xfrm>
           <a:prstGeom prst="ellipse">
             <a:avLst/>
@@ -5610,21 +5868,21 @@
                   <a:srgbClr val="ffffff"/>
                 </a:solidFill>
               </a:uFill>
-              <a:latin typeface="arial"/>
-            </a:endParaRPr>
-          </a:p>
-        </p:txBody>
-      </p:sp>
-      <p:sp>
-        <p:nvSpPr>
-          <p:cNvPr id="168" name="CustomShape 5"/>
+              <a:latin typeface="Arial"/>
+            </a:endParaRPr>
+          </a:p>
+        </p:txBody>
+      </p:sp>
+      <p:sp>
+        <p:nvSpPr>
+          <p:cNvPr id="172" name="CustomShape 5"/>
           <p:cNvSpPr/>
           <p:nvPr/>
         </p:nvSpPr>
         <p:spPr>
           <a:xfrm flipV="1">
-            <a:off x="1907640" y="2347560"/>
-            <a:ext cx="368280" cy="360"/>
+            <a:off x="1907640" y="2346120"/>
+            <a:ext cx="367560" cy="360"/>
           </a:xfrm>
           <a:custGeom>
             <a:avLst/>
@@ -5666,14 +5924,14 @@
       </p:sp>
       <p:sp>
         <p:nvSpPr>
-          <p:cNvPr id="169" name="CustomShape 6"/>
+          <p:cNvPr id="173" name="CustomShape 6"/>
           <p:cNvSpPr/>
           <p:nvPr/>
         </p:nvSpPr>
         <p:spPr>
           <a:xfrm>
             <a:off x="7308360" y="1886040"/>
-            <a:ext cx="935280" cy="925200"/>
+            <a:ext cx="934560" cy="924480"/>
           </a:xfrm>
           <a:prstGeom prst="ellipse">
             <a:avLst/>
@@ -5728,21 +5986,21 @@
                   <a:srgbClr val="ffffff"/>
                 </a:solidFill>
               </a:uFill>
-              <a:latin typeface="arial"/>
-            </a:endParaRPr>
-          </a:p>
-        </p:txBody>
-      </p:sp>
-      <p:sp>
-        <p:nvSpPr>
-          <p:cNvPr id="170" name="CustomShape 7"/>
+              <a:latin typeface="Arial"/>
+            </a:endParaRPr>
+          </a:p>
+        </p:txBody>
+      </p:sp>
+      <p:sp>
+        <p:nvSpPr>
+          <p:cNvPr id="174" name="CustomShape 7"/>
           <p:cNvSpPr/>
           <p:nvPr/>
         </p:nvSpPr>
         <p:spPr>
           <a:xfrm>
             <a:off x="6939000" y="2349000"/>
-            <a:ext cx="368280" cy="360"/>
+            <a:ext cx="367560" cy="360"/>
           </a:xfrm>
           <a:custGeom>
             <a:avLst/>
@@ -5784,7 +6042,7 @@
       </p:sp>
       <p:pic>
         <p:nvPicPr>
-          <p:cNvPr id="171" name="Picture 3" descr=""/>
+          <p:cNvPr id="175" name="Picture 3" descr=""/>
           <p:cNvPicPr/>
           <p:nvPr/>
         </p:nvPicPr>
@@ -5795,7 +6053,7 @@
         <p:spPr>
           <a:xfrm>
             <a:off x="4048920" y="3421800"/>
-            <a:ext cx="1142280" cy="672480"/>
+            <a:ext cx="1141560" cy="671760"/>
           </a:xfrm>
           <a:prstGeom prst="rect">
             <a:avLst/>
@@ -5807,7 +6065,7 @@
       </p:pic>
       <p:pic>
         <p:nvPicPr>
-          <p:cNvPr id="172" name="Picture 2" descr=""/>
+          <p:cNvPr id="176" name="Picture 2" descr=""/>
           <p:cNvPicPr/>
           <p:nvPr/>
         </p:nvPicPr>
@@ -5818,7 +6076,7 @@
         <p:spPr>
           <a:xfrm>
             <a:off x="3420000" y="1385280"/>
-            <a:ext cx="2406240" cy="1871640"/>
+            <a:ext cx="2405520" cy="1870920"/>
           </a:xfrm>
           <a:prstGeom prst="rect">
             <a:avLst/>
@@ -5830,14 +6088,14 @@
       </p:pic>
       <p:sp>
         <p:nvSpPr>
-          <p:cNvPr id="173" name="CustomShape 8"/>
+          <p:cNvPr id="177" name="CustomShape 8"/>
           <p:cNvSpPr/>
           <p:nvPr/>
         </p:nvSpPr>
         <p:spPr>
           <a:xfrm flipH="1">
-            <a:off x="4619880" y="3257280"/>
-            <a:ext cx="2160" cy="163440"/>
+            <a:off x="4619160" y="3257280"/>
+            <a:ext cx="1440" cy="162720"/>
           </a:xfrm>
           <a:custGeom>
             <a:avLst/>
@@ -5928,14 +6186,14 @@
       </p:grpSpPr>
       <p:sp>
         <p:nvSpPr>
-          <p:cNvPr id="174" name="CustomShape 1"/>
+          <p:cNvPr id="178" name="CustomShape 1"/>
           <p:cNvSpPr/>
           <p:nvPr/>
         </p:nvSpPr>
         <p:spPr>
           <a:xfrm>
             <a:off x="457200" y="274680"/>
-            <a:ext cx="8228880" cy="1142280"/>
+            <a:ext cx="8228160" cy="1141560"/>
           </a:xfrm>
           <a:prstGeom prst="rect">
             <a:avLst/>
@@ -5970,6 +6228,7 @@
                   </a:solidFill>
                 </a:uFill>
                 <a:latin typeface="Calibri"/>
+                <a:ea typeface="DejaVu Sans"/>
               </a:rPr>
               <a:t>Service Activator</a:t>
             </a:r>
@@ -5982,21 +6241,21 @@
                   <a:srgbClr val="ffffff"/>
                 </a:solidFill>
               </a:uFill>
-              <a:latin typeface="arial"/>
-            </a:endParaRPr>
-          </a:p>
-        </p:txBody>
-      </p:sp>
-      <p:sp>
-        <p:nvSpPr>
-          <p:cNvPr id="175" name="CustomShape 2"/>
+              <a:latin typeface="Arial"/>
+            </a:endParaRPr>
+          </a:p>
+        </p:txBody>
+      </p:sp>
+      <p:sp>
+        <p:nvSpPr>
+          <p:cNvPr id="179" name="CustomShape 2"/>
           <p:cNvSpPr/>
           <p:nvPr/>
         </p:nvSpPr>
         <p:spPr>
           <a:xfrm>
             <a:off x="590760" y="3717000"/>
-            <a:ext cx="8228880" cy="2591640"/>
+            <a:ext cx="8228160" cy="2590920"/>
           </a:xfrm>
           <a:prstGeom prst="rect">
             <a:avLst/>
@@ -6015,7 +6274,7 @@
         <p:txBody>
           <a:bodyPr lIns="90000" rIns="90000" tIns="45000" bIns="45000"/>
           <a:p>
-            <a:pPr marL="343080" indent="-342360">
+            <a:pPr marL="343080" indent="-341640">
               <a:lnSpc>
                 <a:spcPct val="100000"/>
               </a:lnSpc>
@@ -6036,6 +6295,7 @@
                   </a:solidFill>
                 </a:uFill>
                 <a:latin typeface="Calibri"/>
+                <a:ea typeface="DejaVu Sans"/>
               </a:rPr>
               <a:t>Endpoint que chama um serviço</a:t>
             </a:r>
@@ -6048,11 +6308,11 @@
                   <a:srgbClr val="ffffff"/>
                 </a:solidFill>
               </a:uFill>
-              <a:latin typeface="arial"/>
-            </a:endParaRPr>
-          </a:p>
-          <a:p>
-            <a:pPr marL="343080" indent="-342360">
+              <a:latin typeface="Arial"/>
+            </a:endParaRPr>
+          </a:p>
+          <a:p>
+            <a:pPr marL="343080" indent="-341640">
               <a:lnSpc>
                 <a:spcPct val="100000"/>
               </a:lnSpc>
@@ -6073,6 +6333,7 @@
                   </a:solidFill>
                 </a:uFill>
                 <a:latin typeface="Calibri"/>
+                <a:ea typeface="DejaVu Sans"/>
               </a:rPr>
               <a:t>Suporta varios estilos de comunicação</a:t>
             </a:r>
@@ -6085,11 +6346,11 @@
                   <a:srgbClr val="ffffff"/>
                 </a:solidFill>
               </a:uFill>
-              <a:latin typeface="arial"/>
-            </a:endParaRPr>
-          </a:p>
-          <a:p>
-            <a:pPr marL="343080" indent="-342360">
+              <a:latin typeface="Arial"/>
+            </a:endParaRPr>
+          </a:p>
+          <a:p>
+            <a:pPr marL="343080" indent="-341640">
               <a:lnSpc>
                 <a:spcPct val="100000"/>
               </a:lnSpc>
@@ -6110,6 +6371,7 @@
                   </a:solidFill>
                 </a:uFill>
                 <a:latin typeface="Calibri"/>
+                <a:ea typeface="DejaVu Sans"/>
               </a:rPr>
               <a:t>- one way / request-reply</a:t>
             </a:r>
@@ -6122,11 +6384,11 @@
                   <a:srgbClr val="ffffff"/>
                 </a:solidFill>
               </a:uFill>
-              <a:latin typeface="arial"/>
-            </a:endParaRPr>
-          </a:p>
-          <a:p>
-            <a:pPr marL="343080" indent="-342360">
+              <a:latin typeface="Arial"/>
+            </a:endParaRPr>
+          </a:p>
+          <a:p>
+            <a:pPr marL="343080" indent="-341640">
               <a:lnSpc>
                 <a:spcPct val="100000"/>
               </a:lnSpc>
@@ -6147,6 +6409,7 @@
                   </a:solidFill>
                 </a:uFill>
                 <a:latin typeface="Calibri"/>
+                <a:ea typeface="DejaVu Sans"/>
               </a:rPr>
               <a:t>- síncrono ou asíncrono</a:t>
             </a:r>
@@ -6159,11 +6422,11 @@
                   <a:srgbClr val="ffffff"/>
                 </a:solidFill>
               </a:uFill>
-              <a:latin typeface="arial"/>
-            </a:endParaRPr>
-          </a:p>
-          <a:p>
-            <a:pPr marL="343080" indent="-342360">
+              <a:latin typeface="Arial"/>
+            </a:endParaRPr>
+          </a:p>
+          <a:p>
+            <a:pPr marL="343080" indent="-341640">
               <a:lnSpc>
                 <a:spcPct val="100000"/>
               </a:lnSpc>
@@ -6184,6 +6447,7 @@
                   </a:solidFill>
                 </a:uFill>
                 <a:latin typeface="Calibri"/>
+                <a:ea typeface="DejaVu Sans"/>
               </a:rPr>
               <a:t>O serviço não sabe da existência do sistema de messaging</a:t>
             </a:r>
@@ -6196,14 +6460,14 @@
                   <a:srgbClr val="ffffff"/>
                 </a:solidFill>
               </a:uFill>
-              <a:latin typeface="arial"/>
+              <a:latin typeface="Arial"/>
             </a:endParaRPr>
           </a:p>
         </p:txBody>
       </p:sp>
       <p:pic>
         <p:nvPicPr>
-          <p:cNvPr id="176" name="Picture 2" descr=""/>
+          <p:cNvPr id="180" name="Picture 2" descr=""/>
           <p:cNvPicPr/>
           <p:nvPr/>
         </p:nvPicPr>
@@ -6214,7 +6478,7 @@
         <p:spPr>
           <a:xfrm>
             <a:off x="3348000" y="1556640"/>
-            <a:ext cx="2359080" cy="1834920"/>
+            <a:ext cx="2358360" cy="1834200"/>
           </a:xfrm>
           <a:prstGeom prst="rect">
             <a:avLst/>
@@ -6226,7 +6490,7 @@
       </p:pic>
       <p:pic>
         <p:nvPicPr>
-          <p:cNvPr id="177" name="Picture 3" descr=""/>
+          <p:cNvPr id="181" name="Picture 3" descr=""/>
           <p:cNvPicPr/>
           <p:nvPr/>
         </p:nvPicPr>
@@ -6237,7 +6501,7 @@
         <p:spPr>
           <a:xfrm>
             <a:off x="1115640" y="1628640"/>
-            <a:ext cx="1142280" cy="672480"/>
+            <a:ext cx="1141560" cy="671760"/>
           </a:xfrm>
           <a:prstGeom prst="rect">
             <a:avLst/>
@@ -6249,7 +6513,7 @@
       </p:pic>
       <p:pic>
         <p:nvPicPr>
-          <p:cNvPr id="178" name="Picture 3" descr=""/>
+          <p:cNvPr id="182" name="Picture 3" descr=""/>
           <p:cNvPicPr/>
           <p:nvPr/>
         </p:nvPicPr>
@@ -6260,7 +6524,7 @@
         <p:spPr>
           <a:xfrm>
             <a:off x="1115640" y="2649600"/>
-            <a:ext cx="1142280" cy="672480"/>
+            <a:ext cx="1141560" cy="671760"/>
           </a:xfrm>
           <a:prstGeom prst="rect">
             <a:avLst/>
@@ -6272,14 +6536,14 @@
       </p:pic>
       <p:sp>
         <p:nvSpPr>
-          <p:cNvPr id="179" name="CustomShape 3"/>
+          <p:cNvPr id="183" name="CustomShape 3"/>
           <p:cNvSpPr/>
           <p:nvPr/>
         </p:nvSpPr>
         <p:spPr>
           <a:xfrm>
             <a:off x="6516360" y="1891440"/>
-            <a:ext cx="1876320" cy="1165320"/>
+            <a:ext cx="1875600" cy="1164600"/>
           </a:xfrm>
           <a:prstGeom prst="rect">
             <a:avLst/>
@@ -6334,21 +6598,21 @@
                   <a:srgbClr val="ffffff"/>
                 </a:solidFill>
               </a:uFill>
-              <a:latin typeface="arial"/>
-            </a:endParaRPr>
-          </a:p>
-        </p:txBody>
-      </p:sp>
-      <p:sp>
-        <p:nvSpPr>
-          <p:cNvPr id="180" name="CustomShape 4"/>
+              <a:latin typeface="Arial"/>
+            </a:endParaRPr>
+          </a:p>
+        </p:txBody>
+      </p:sp>
+      <p:sp>
+        <p:nvSpPr>
+          <p:cNvPr id="184" name="CustomShape 4"/>
           <p:cNvSpPr/>
           <p:nvPr/>
         </p:nvSpPr>
         <p:spPr>
           <a:xfrm>
             <a:off x="2258640" y="1965240"/>
-            <a:ext cx="1088640" cy="360"/>
+            <a:ext cx="1087920" cy="360"/>
           </a:xfrm>
           <a:custGeom>
             <a:avLst/>
@@ -6390,14 +6654,14 @@
       </p:sp>
       <p:sp>
         <p:nvSpPr>
-          <p:cNvPr id="181" name="CustomShape 5"/>
+          <p:cNvPr id="185" name="CustomShape 5"/>
           <p:cNvSpPr/>
           <p:nvPr/>
         </p:nvSpPr>
         <p:spPr>
           <a:xfrm flipH="1">
-            <a:off x="2257920" y="2985840"/>
-            <a:ext cx="1088640" cy="360"/>
+            <a:off x="2257200" y="2985840"/>
+            <a:ext cx="1087920" cy="360"/>
           </a:xfrm>
           <a:custGeom>
             <a:avLst/>
@@ -6439,14 +6703,14 @@
       </p:sp>
       <p:sp>
         <p:nvSpPr>
-          <p:cNvPr id="182" name="CustomShape 6"/>
+          <p:cNvPr id="186" name="CustomShape 6"/>
           <p:cNvSpPr/>
           <p:nvPr/>
         </p:nvSpPr>
         <p:spPr>
           <a:xfrm>
             <a:off x="2229840" y="1917000"/>
-            <a:ext cx="1046520" cy="364320"/>
+            <a:ext cx="1045800" cy="363600"/>
           </a:xfrm>
           <a:prstGeom prst="rect">
             <a:avLst/>
@@ -6494,21 +6758,21 @@
                   <a:srgbClr val="ffffff"/>
                 </a:solidFill>
               </a:uFill>
-              <a:latin typeface="arial"/>
-            </a:endParaRPr>
-          </a:p>
-        </p:txBody>
-      </p:sp>
-      <p:sp>
-        <p:nvSpPr>
-          <p:cNvPr id="183" name="CustomShape 7"/>
+              <a:latin typeface="Arial"/>
+            </a:endParaRPr>
+          </a:p>
+        </p:txBody>
+      </p:sp>
+      <p:sp>
+        <p:nvSpPr>
+          <p:cNvPr id="187" name="CustomShape 7"/>
           <p:cNvSpPr/>
           <p:nvPr/>
         </p:nvSpPr>
         <p:spPr>
           <a:xfrm>
             <a:off x="2435400" y="2925000"/>
-            <a:ext cx="752400" cy="364320"/>
+            <a:ext cx="751680" cy="363600"/>
           </a:xfrm>
           <a:prstGeom prst="rect">
             <a:avLst/>
@@ -6556,21 +6820,21 @@
                   <a:srgbClr val="ffffff"/>
                 </a:solidFill>
               </a:uFill>
-              <a:latin typeface="arial"/>
-            </a:endParaRPr>
-          </a:p>
-        </p:txBody>
-      </p:sp>
-      <p:sp>
-        <p:nvSpPr>
-          <p:cNvPr id="184" name="CustomShape 8"/>
+              <a:latin typeface="Arial"/>
+            </a:endParaRPr>
+          </a:p>
+        </p:txBody>
+      </p:sp>
+      <p:sp>
+        <p:nvSpPr>
+          <p:cNvPr id="188" name="CustomShape 8"/>
           <p:cNvSpPr/>
           <p:nvPr/>
         </p:nvSpPr>
         <p:spPr>
           <a:xfrm>
             <a:off x="5707800" y="2101320"/>
-            <a:ext cx="807840" cy="360"/>
+            <a:ext cx="807120" cy="360"/>
           </a:xfrm>
           <a:custGeom>
             <a:avLst/>
@@ -6612,14 +6876,14 @@
       </p:sp>
       <p:sp>
         <p:nvSpPr>
-          <p:cNvPr id="185" name="CustomShape 9"/>
+          <p:cNvPr id="189" name="CustomShape 9"/>
           <p:cNvSpPr/>
           <p:nvPr/>
         </p:nvSpPr>
         <p:spPr>
           <a:xfrm flipH="1">
-            <a:off x="5707080" y="2853000"/>
-            <a:ext cx="807840" cy="360"/>
+            <a:off x="5706360" y="2853000"/>
+            <a:ext cx="807120" cy="360"/>
           </a:xfrm>
           <a:custGeom>
             <a:avLst/>
@@ -6710,14 +6974,14 @@
       </p:grpSpPr>
       <p:sp>
         <p:nvSpPr>
-          <p:cNvPr id="186" name="CustomShape 1"/>
+          <p:cNvPr id="190" name="CustomShape 1"/>
           <p:cNvSpPr/>
           <p:nvPr/>
         </p:nvSpPr>
         <p:spPr>
           <a:xfrm>
             <a:off x="457200" y="274680"/>
-            <a:ext cx="8228880" cy="1142280"/>
+            <a:ext cx="8228160" cy="1141560"/>
           </a:xfrm>
           <a:prstGeom prst="rect">
             <a:avLst/>
@@ -6752,6 +7016,7 @@
                   </a:solidFill>
                 </a:uFill>
                 <a:latin typeface="Calibri"/>
+                <a:ea typeface="DejaVu Sans"/>
               </a:rPr>
               <a:t>Service Activator</a:t>
             </a:r>
@@ -6764,14 +7029,14 @@
                   <a:srgbClr val="ffffff"/>
                 </a:solidFill>
               </a:uFill>
-              <a:latin typeface="arial"/>
+              <a:latin typeface="Arial"/>
             </a:endParaRPr>
           </a:p>
         </p:txBody>
       </p:sp>
       <p:pic>
         <p:nvPicPr>
-          <p:cNvPr id="187" name="Picture 2" descr=""/>
+          <p:cNvPr id="191" name="Picture 2" descr=""/>
           <p:cNvPicPr/>
           <p:nvPr/>
         </p:nvPicPr>
@@ -6782,7 +7047,7 @@
         <p:spPr>
           <a:xfrm>
             <a:off x="685800" y="1772640"/>
-            <a:ext cx="7771680" cy="3542760"/>
+            <a:ext cx="7770960" cy="3542040"/>
           </a:xfrm>
           <a:prstGeom prst="rect">
             <a:avLst/>
@@ -6843,14 +7108,14 @@
       </p:grpSpPr>
       <p:sp>
         <p:nvSpPr>
-          <p:cNvPr id="188" name="CustomShape 1"/>
+          <p:cNvPr id="192" name="CustomShape 1"/>
           <p:cNvSpPr/>
           <p:nvPr/>
         </p:nvSpPr>
         <p:spPr>
           <a:xfrm>
             <a:off x="457200" y="274680"/>
-            <a:ext cx="8228880" cy="1142280"/>
+            <a:ext cx="8228160" cy="1141560"/>
           </a:xfrm>
           <a:prstGeom prst="rect">
             <a:avLst/>
@@ -6885,6 +7150,7 @@
                   </a:solidFill>
                 </a:uFill>
                 <a:latin typeface="Calibri"/>
+                <a:ea typeface="DejaVu Sans"/>
               </a:rPr>
               <a:t>Adapters / Gateways</a:t>
             </a:r>
@@ -6897,21 +7163,21 @@
                   <a:srgbClr val="ffffff"/>
                 </a:solidFill>
               </a:uFill>
-              <a:latin typeface="arial"/>
-            </a:endParaRPr>
-          </a:p>
-        </p:txBody>
-      </p:sp>
-      <p:sp>
-        <p:nvSpPr>
-          <p:cNvPr id="189" name="CustomShape 2"/>
+              <a:latin typeface="Arial"/>
+            </a:endParaRPr>
+          </a:p>
+        </p:txBody>
+      </p:sp>
+      <p:sp>
+        <p:nvSpPr>
+          <p:cNvPr id="193" name="CustomShape 2"/>
           <p:cNvSpPr/>
           <p:nvPr/>
         </p:nvSpPr>
         <p:spPr>
           <a:xfrm>
             <a:off x="518760" y="4653000"/>
-            <a:ext cx="8228880" cy="1871640"/>
+            <a:ext cx="8228160" cy="1870920"/>
           </a:xfrm>
           <a:prstGeom prst="rect">
             <a:avLst/>
@@ -6930,7 +7196,7 @@
         <p:txBody>
           <a:bodyPr lIns="90000" rIns="90000" tIns="45000" bIns="45000"/>
           <a:p>
-            <a:pPr marL="343080" indent="-342360">
+            <a:pPr marL="343080" indent="-341640">
               <a:lnSpc>
                 <a:spcPct val="100000"/>
               </a:lnSpc>
@@ -6941,7 +7207,7 @@
               <a:buChar char="•"/>
             </a:pPr>
             <a:r>
-              <a:rPr b="0" lang="en-US" sz="3200" spc="-1" strike="noStrike">
+              <a:rPr b="0" lang="en-US" sz="2800" spc="-1" strike="noStrike">
                 <a:solidFill>
                   <a:srgbClr val="000000"/>
                 </a:solidFill>
@@ -6951,8 +7217,9 @@
                   </a:solidFill>
                 </a:uFill>
                 <a:latin typeface="Calibri"/>
+                <a:ea typeface="DejaVu Sans"/>
               </a:rPr>
-              <a:t>Ligam um sistema de messaging com o “exterior”</a:t>
+              <a:t>Connect messaging systems to external systems</a:t>
             </a:r>
             <a:endParaRPr b="0" lang="en-US" sz="1800" spc="-1" strike="noStrike">
               <a:solidFill>
@@ -6963,11 +7230,11 @@
                   <a:srgbClr val="ffffff"/>
                 </a:solidFill>
               </a:uFill>
-              <a:latin typeface="arial"/>
-            </a:endParaRPr>
-          </a:p>
-          <a:p>
-            <a:pPr marL="343080" indent="-342360">
+              <a:latin typeface="Arial"/>
+            </a:endParaRPr>
+          </a:p>
+          <a:p>
+            <a:pPr marL="343080" indent="-341640">
               <a:lnSpc>
                 <a:spcPct val="100000"/>
               </a:lnSpc>
@@ -6978,7 +7245,7 @@
               <a:buChar char="•"/>
             </a:pPr>
             <a:r>
-              <a:rPr b="0" lang="en-US" sz="3200" spc="-1" strike="noStrike">
+              <a:rPr b="0" lang="en-US" sz="2800" spc="-1" strike="noStrike">
                 <a:solidFill>
                   <a:srgbClr val="000000"/>
                 </a:solidFill>
@@ -6988,8 +7255,9 @@
                   </a:solidFill>
                 </a:uFill>
                 <a:latin typeface="Calibri"/>
+                <a:ea typeface="DejaVu Sans"/>
               </a:rPr>
-              <a:t>Podem ser inbound ou outbound</a:t>
+              <a:t>Can be inbound or outbound</a:t>
             </a:r>
             <a:endParaRPr b="0" lang="en-US" sz="1800" spc="-1" strike="noStrike">
               <a:solidFill>
@@ -7000,11 +7268,11 @@
                   <a:srgbClr val="ffffff"/>
                 </a:solidFill>
               </a:uFill>
-              <a:latin typeface="arial"/>
-            </a:endParaRPr>
-          </a:p>
-          <a:p>
-            <a:pPr marL="343080" indent="-342360">
+              <a:latin typeface="Arial"/>
+            </a:endParaRPr>
+          </a:p>
+          <a:p>
+            <a:pPr marL="343080" indent="-341640">
               <a:lnSpc>
                 <a:spcPct val="100000"/>
               </a:lnSpc>
@@ -7015,7 +7283,7 @@
               <a:buChar char="•"/>
             </a:pPr>
             <a:r>
-              <a:rPr b="0" lang="en-US" sz="3200" spc="-1" strike="noStrike">
+              <a:rPr b="0" lang="en-US" sz="2800" spc="-1" strike="noStrike">
                 <a:solidFill>
                   <a:srgbClr val="000000"/>
                 </a:solidFill>
@@ -7025,8 +7293,9 @@
                   </a:solidFill>
                 </a:uFill>
                 <a:latin typeface="Calibri"/>
+                <a:ea typeface="DejaVu Sans"/>
               </a:rPr>
-              <a:t>Adapters são one-way</a:t>
+              <a:t>Adapters are one-way</a:t>
             </a:r>
             <a:endParaRPr b="0" lang="en-US" sz="1800" spc="-1" strike="noStrike">
               <a:solidFill>
@@ -7037,11 +7306,11 @@
                   <a:srgbClr val="ffffff"/>
                 </a:solidFill>
               </a:uFill>
-              <a:latin typeface="arial"/>
-            </a:endParaRPr>
-          </a:p>
-          <a:p>
-            <a:pPr marL="343080" indent="-342360">
+              <a:latin typeface="Arial"/>
+            </a:endParaRPr>
+          </a:p>
+          <a:p>
+            <a:pPr marL="343080" indent="-341640">
               <a:lnSpc>
                 <a:spcPct val="100000"/>
               </a:lnSpc>
@@ -7052,7 +7321,7 @@
               <a:buChar char="•"/>
             </a:pPr>
             <a:r>
-              <a:rPr b="0" lang="en-US" sz="3200" spc="-1" strike="noStrike">
+              <a:rPr b="0" lang="en-US" sz="2800" spc="-1" strike="noStrike">
                 <a:solidFill>
                   <a:srgbClr val="000000"/>
                 </a:solidFill>
@@ -7062,8 +7331,9 @@
                   </a:solidFill>
                 </a:uFill>
                 <a:latin typeface="Calibri"/>
+                <a:ea typeface="DejaVu Sans"/>
               </a:rPr>
-              <a:t>Gateways são request - response</a:t>
+              <a:t>Gateways are request - reply</a:t>
             </a:r>
             <a:endParaRPr b="0" lang="en-US" sz="1800" spc="-1" strike="noStrike">
               <a:solidFill>
@@ -7074,14 +7344,14 @@
                   <a:srgbClr val="ffffff"/>
                 </a:solidFill>
               </a:uFill>
-              <a:latin typeface="arial"/>
+              <a:latin typeface="Arial"/>
             </a:endParaRPr>
           </a:p>
         </p:txBody>
       </p:sp>
       <p:pic>
         <p:nvPicPr>
-          <p:cNvPr id="190" name="Picture 3" descr=""/>
+          <p:cNvPr id="194" name="Picture 3" descr=""/>
           <p:cNvPicPr/>
           <p:nvPr/>
         </p:nvPicPr>
@@ -7092,7 +7362,7 @@
         <p:spPr>
           <a:xfrm>
             <a:off x="5940000" y="1412640"/>
-            <a:ext cx="856440" cy="666000"/>
+            <a:ext cx="855720" cy="665280"/>
           </a:xfrm>
           <a:prstGeom prst="rect">
             <a:avLst/>
@@ -7104,7 +7374,7 @@
       </p:pic>
       <p:pic>
         <p:nvPicPr>
-          <p:cNvPr id="191" name="Picture 4" descr=""/>
+          <p:cNvPr id="195" name="Picture 4" descr=""/>
           <p:cNvPicPr/>
           <p:nvPr/>
         </p:nvPicPr>
@@ -7115,7 +7385,7 @@
         <p:spPr>
           <a:xfrm>
             <a:off x="1979640" y="3688920"/>
-            <a:ext cx="856440" cy="666000"/>
+            <a:ext cx="855720" cy="665280"/>
           </a:xfrm>
           <a:prstGeom prst="rect">
             <a:avLst/>
@@ -7127,7 +7397,7 @@
       </p:pic>
       <p:pic>
         <p:nvPicPr>
-          <p:cNvPr id="192" name="Picture 5" descr=""/>
+          <p:cNvPr id="196" name="Picture 5" descr=""/>
           <p:cNvPicPr/>
           <p:nvPr/>
         </p:nvPicPr>
@@ -7138,7 +7408,7 @@
         <p:spPr>
           <a:xfrm>
             <a:off x="1979640" y="1412640"/>
-            <a:ext cx="856440" cy="666000"/>
+            <a:ext cx="855720" cy="665280"/>
           </a:xfrm>
           <a:prstGeom prst="rect">
             <a:avLst/>
@@ -7150,7 +7420,7 @@
       </p:pic>
       <p:pic>
         <p:nvPicPr>
-          <p:cNvPr id="193" name="Picture 6" descr=""/>
+          <p:cNvPr id="197" name="Picture 6" descr=""/>
           <p:cNvPicPr/>
           <p:nvPr/>
         </p:nvPicPr>
@@ -7161,7 +7431,7 @@
         <p:spPr>
           <a:xfrm>
             <a:off x="5940000" y="3688920"/>
-            <a:ext cx="856440" cy="666000"/>
+            <a:ext cx="855720" cy="665280"/>
           </a:xfrm>
           <a:prstGeom prst="rect">
             <a:avLst/>
@@ -7173,14 +7443,14 @@
       </p:pic>
       <p:sp>
         <p:nvSpPr>
-          <p:cNvPr id="194" name="CustomShape 3"/>
+          <p:cNvPr id="198" name="CustomShape 3"/>
           <p:cNvSpPr/>
           <p:nvPr/>
         </p:nvSpPr>
         <p:spPr>
           <a:xfrm>
-            <a:off x="5276520" y="2037600"/>
-            <a:ext cx="2078280" cy="364320"/>
+            <a:off x="5456520" y="2037600"/>
+            <a:ext cx="2077560" cy="363600"/>
           </a:xfrm>
           <a:prstGeom prst="rect">
             <a:avLst/>
@@ -7228,21 +7498,21 @@
                   <a:srgbClr val="ffffff"/>
                 </a:solidFill>
               </a:uFill>
-              <a:latin typeface="arial"/>
-            </a:endParaRPr>
-          </a:p>
-        </p:txBody>
-      </p:sp>
-      <p:sp>
-        <p:nvSpPr>
-          <p:cNvPr id="195" name="CustomShape 4"/>
+              <a:latin typeface="Arial"/>
+            </a:endParaRPr>
+          </a:p>
+        </p:txBody>
+      </p:sp>
+      <p:sp>
+        <p:nvSpPr>
+          <p:cNvPr id="199" name="CustomShape 4"/>
           <p:cNvSpPr/>
           <p:nvPr/>
         </p:nvSpPr>
         <p:spPr>
           <a:xfrm>
             <a:off x="1437840" y="3295800"/>
-            <a:ext cx="2162160" cy="364320"/>
+            <a:ext cx="2161440" cy="363600"/>
           </a:xfrm>
           <a:prstGeom prst="rect">
             <a:avLst/>
@@ -7290,21 +7560,21 @@
                   <a:srgbClr val="ffffff"/>
                 </a:solidFill>
               </a:uFill>
-              <a:latin typeface="arial"/>
-            </a:endParaRPr>
-          </a:p>
-        </p:txBody>
-      </p:sp>
-      <p:sp>
-        <p:nvSpPr>
-          <p:cNvPr id="196" name="CustomShape 5"/>
+              <a:latin typeface="Arial"/>
+            </a:endParaRPr>
+          </a:p>
+        </p:txBody>
+      </p:sp>
+      <p:sp>
+        <p:nvSpPr>
+          <p:cNvPr id="200" name="CustomShape 5"/>
           <p:cNvSpPr/>
           <p:nvPr/>
         </p:nvSpPr>
         <p:spPr>
           <a:xfrm>
-            <a:off x="1241280" y="1999440"/>
-            <a:ext cx="2280960" cy="364320"/>
+            <a:off x="1385280" y="2035440"/>
+            <a:ext cx="2280240" cy="363600"/>
           </a:xfrm>
           <a:prstGeom prst="rect">
             <a:avLst/>
@@ -7352,21 +7622,21 @@
                   <a:srgbClr val="ffffff"/>
                 </a:solidFill>
               </a:uFill>
-              <a:latin typeface="arial"/>
-            </a:endParaRPr>
-          </a:p>
-        </p:txBody>
-      </p:sp>
-      <p:sp>
-        <p:nvSpPr>
-          <p:cNvPr id="197" name="CustomShape 6"/>
+              <a:latin typeface="Arial"/>
+            </a:endParaRPr>
+          </a:p>
+        </p:txBody>
+      </p:sp>
+      <p:sp>
+        <p:nvSpPr>
+          <p:cNvPr id="201" name="CustomShape 6"/>
           <p:cNvSpPr/>
           <p:nvPr/>
         </p:nvSpPr>
         <p:spPr>
           <a:xfrm>
-            <a:off x="5186160" y="3347640"/>
-            <a:ext cx="2364840" cy="364320"/>
+            <a:off x="5402160" y="3347640"/>
+            <a:ext cx="2364120" cy="363600"/>
           </a:xfrm>
           <a:prstGeom prst="rect">
             <a:avLst/>
@@ -7414,32 +7684,32 @@
                   <a:srgbClr val="ffffff"/>
                 </a:solidFill>
               </a:uFill>
-              <a:latin typeface="arial"/>
-            </a:endParaRPr>
-          </a:p>
-        </p:txBody>
-      </p:sp>
-      <p:sp>
-        <p:nvSpPr>
-          <p:cNvPr id="198" name="CustomShape 7"/>
+              <a:latin typeface="Arial"/>
+            </a:endParaRPr>
+          </a:p>
+        </p:txBody>
+      </p:sp>
+      <p:sp>
+        <p:nvSpPr>
+          <p:cNvPr id="202" name="CustomShape 7"/>
           <p:cNvSpPr/>
           <p:nvPr/>
         </p:nvSpPr>
         <p:spPr>
           <a:xfrm>
             <a:off x="3204000" y="1845000"/>
-            <a:ext cx="2375640" cy="1943640"/>
+            <a:ext cx="2374920" cy="1942920"/>
           </a:xfrm>
           <a:prstGeom prst="ellipse">
             <a:avLst/>
           </a:prstGeom>
           <a:solidFill>
-            <a:schemeClr val="tx1">
-              <a:lumMod val="75000"/>
-              <a:lumOff val="25000"/>
-            </a:schemeClr>
+            <a:srgbClr val="4f81bd"/>
           </a:solidFill>
           <a:ln>
+            <a:solidFill>
+              <a:srgbClr val="ff7f00"/>
+            </a:solidFill>
             <a:round/>
           </a:ln>
         </p:spPr>
@@ -7478,7 +7748,7 @@
                 <a:latin typeface="Calibri"/>
                 <a:ea typeface="DejaVu Sans"/>
               </a:rPr>
-              <a:t>SI</a:t>
+              <a:t>MS</a:t>
             </a:r>
             <a:endParaRPr b="0" lang="en-US" sz="1800" spc="-1" strike="noStrike">
               <a:solidFill>
@@ -7489,32 +7759,32 @@
                   <a:srgbClr val="ffffff"/>
                 </a:solidFill>
               </a:uFill>
-              <a:latin typeface="arial"/>
-            </a:endParaRPr>
-          </a:p>
-        </p:txBody>
-      </p:sp>
-      <p:sp>
-        <p:nvSpPr>
-          <p:cNvPr id="199" name="CustomShape 8"/>
+              <a:latin typeface="Arial"/>
+            </a:endParaRPr>
+          </a:p>
+        </p:txBody>
+      </p:sp>
+      <p:sp>
+        <p:nvSpPr>
+          <p:cNvPr id="203" name="CustomShape 8"/>
           <p:cNvSpPr/>
           <p:nvPr/>
         </p:nvSpPr>
         <p:spPr>
           <a:xfrm>
-            <a:off x="7164360" y="2187000"/>
-            <a:ext cx="1727640" cy="1259280"/>
+            <a:off x="7236360" y="2187000"/>
+            <a:ext cx="1726920" cy="1258560"/>
           </a:xfrm>
           <a:prstGeom prst="rect">
             <a:avLst/>
           </a:prstGeom>
           <a:solidFill>
-            <a:schemeClr val="tx1">
-              <a:lumMod val="85000"/>
-              <a:lumOff val="15000"/>
-            </a:schemeClr>
+            <a:srgbClr val="4f81bd"/>
           </a:solidFill>
           <a:ln>
+            <a:solidFill>
+              <a:srgbClr val="ff7f00"/>
+            </a:solidFill>
             <a:round/>
           </a:ln>
         </p:spPr>
@@ -7553,7 +7823,7 @@
                 <a:latin typeface="Calibri"/>
                 <a:ea typeface="DejaVu Sans"/>
               </a:rPr>
-              <a:t>norma</a:t>
+              <a:t>Internal App</a:t>
             </a:r>
             <a:endParaRPr b="0" lang="en-US" sz="1800" spc="-1" strike="noStrike">
               <a:solidFill>
@@ -7564,32 +7834,32 @@
                   <a:srgbClr val="ffffff"/>
                 </a:solidFill>
               </a:uFill>
-              <a:latin typeface="arial"/>
-            </a:endParaRPr>
-          </a:p>
-        </p:txBody>
-      </p:sp>
-      <p:sp>
-        <p:nvSpPr>
-          <p:cNvPr id="200" name="CustomShape 9"/>
+              <a:latin typeface="Arial"/>
+            </a:endParaRPr>
+          </a:p>
+        </p:txBody>
+      </p:sp>
+      <p:sp>
+        <p:nvSpPr>
+          <p:cNvPr id="204" name="CustomShape 9"/>
           <p:cNvSpPr/>
           <p:nvPr/>
         </p:nvSpPr>
         <p:spPr>
           <a:xfrm rot="16200000">
-            <a:off x="-612000" y="2277360"/>
-            <a:ext cx="2951640" cy="1079280"/>
+            <a:off x="-719280" y="2278080"/>
+            <a:ext cx="2950920" cy="1078560"/>
           </a:xfrm>
           <a:prstGeom prst="rect">
             <a:avLst/>
           </a:prstGeom>
           <a:solidFill>
-            <a:schemeClr val="tx1">
-              <a:lumMod val="85000"/>
-              <a:lumOff val="15000"/>
-            </a:schemeClr>
+            <a:srgbClr val="4f81bd"/>
           </a:solidFill>
           <a:ln>
+            <a:solidFill>
+              <a:srgbClr val="ff7f00"/>
+            </a:solidFill>
             <a:round/>
           </a:ln>
         </p:spPr>
@@ -7628,7 +7898,7 @@
                 <a:latin typeface="Calibri"/>
                 <a:ea typeface="DejaVu Sans"/>
               </a:rPr>
-              <a:t>APLICAÇÃO EXTERNA</a:t>
+              <a:t>External System</a:t>
             </a:r>
             <a:endParaRPr b="0" lang="en-US" sz="1800" spc="-1" strike="noStrike">
               <a:solidFill>
@@ -7639,21 +7909,21 @@
                   <a:srgbClr val="ffffff"/>
                 </a:solidFill>
               </a:uFill>
-              <a:latin typeface="arial"/>
-            </a:endParaRPr>
-          </a:p>
-        </p:txBody>
-      </p:sp>
-      <p:sp>
-        <p:nvSpPr>
-          <p:cNvPr id="201" name="CustomShape 10"/>
+              <a:latin typeface="Arial"/>
+            </a:endParaRPr>
+          </a:p>
+        </p:txBody>
+      </p:sp>
+      <p:sp>
+        <p:nvSpPr>
+          <p:cNvPr id="205" name="CustomShape 10"/>
           <p:cNvSpPr/>
           <p:nvPr/>
         </p:nvSpPr>
         <p:spPr>
           <a:xfrm flipH="1" flipV="1">
-            <a:off x="6796800" y="1745280"/>
-            <a:ext cx="1230120" cy="439920"/>
+            <a:off x="6796080" y="1744560"/>
+            <a:ext cx="1229400" cy="439200"/>
           </a:xfrm>
           <a:custGeom>
             <a:avLst/>
@@ -7695,14 +7965,14 @@
       </p:sp>
       <p:sp>
         <p:nvSpPr>
-          <p:cNvPr id="202" name="CustomShape 11"/>
+          <p:cNvPr id="206" name="CustomShape 11"/>
           <p:cNvSpPr/>
           <p:nvPr/>
         </p:nvSpPr>
         <p:spPr>
           <a:xfrm flipH="1">
-            <a:off x="5231520" y="1746000"/>
-            <a:ext cx="707400" cy="382680"/>
+            <a:off x="5230800" y="1746000"/>
+            <a:ext cx="706680" cy="381960"/>
           </a:xfrm>
           <a:custGeom>
             <a:avLst/>
@@ -7744,14 +8014,14 @@
       </p:sp>
       <p:sp>
         <p:nvSpPr>
-          <p:cNvPr id="203" name="CustomShape 12"/>
+          <p:cNvPr id="207" name="CustomShape 12"/>
           <p:cNvSpPr/>
           <p:nvPr/>
         </p:nvSpPr>
         <p:spPr>
           <a:xfrm flipH="1" flipV="1">
-            <a:off x="2836080" y="1745280"/>
-            <a:ext cx="714240" cy="382680"/>
+            <a:off x="2835360" y="1744560"/>
+            <a:ext cx="713520" cy="381960"/>
           </a:xfrm>
           <a:custGeom>
             <a:avLst/>
@@ -7793,14 +8063,14 @@
       </p:sp>
       <p:sp>
         <p:nvSpPr>
-          <p:cNvPr id="204" name="CustomShape 13"/>
+          <p:cNvPr id="208" name="CustomShape 13"/>
           <p:cNvSpPr/>
           <p:nvPr/>
         </p:nvSpPr>
         <p:spPr>
           <a:xfrm flipH="1">
-            <a:off x="1415520" y="1746000"/>
-            <a:ext cx="562680" cy="360"/>
+            <a:off x="1295280" y="1746000"/>
+            <a:ext cx="681840" cy="360"/>
           </a:xfrm>
           <a:custGeom>
             <a:avLst/>
@@ -7842,14 +8112,14 @@
       </p:sp>
       <p:sp>
         <p:nvSpPr>
-          <p:cNvPr id="205" name="CustomShape 14"/>
+          <p:cNvPr id="209" name="CustomShape 14"/>
           <p:cNvSpPr/>
           <p:nvPr/>
         </p:nvSpPr>
         <p:spPr>
           <a:xfrm>
-            <a:off x="1416240" y="4022280"/>
-            <a:ext cx="562680" cy="360"/>
+            <a:off x="1295280" y="4022280"/>
+            <a:ext cx="682920" cy="1080"/>
           </a:xfrm>
           <a:custGeom>
             <a:avLst/>
@@ -7892,14 +8162,14 @@
       </p:sp>
       <p:sp>
         <p:nvSpPr>
-          <p:cNvPr id="206" name="CustomShape 15"/>
+          <p:cNvPr id="210" name="CustomShape 15"/>
           <p:cNvSpPr/>
           <p:nvPr/>
         </p:nvSpPr>
         <p:spPr>
           <a:xfrm flipV="1">
-            <a:off x="2836800" y="3503520"/>
-            <a:ext cx="714240" cy="517320"/>
+            <a:off x="2836800" y="3502800"/>
+            <a:ext cx="713520" cy="516600"/>
           </a:xfrm>
           <a:custGeom>
             <a:avLst/>
@@ -7942,14 +8212,14 @@
       </p:sp>
       <p:sp>
         <p:nvSpPr>
-          <p:cNvPr id="207" name="CustomShape 16"/>
+          <p:cNvPr id="211" name="CustomShape 16"/>
           <p:cNvSpPr/>
           <p:nvPr/>
         </p:nvSpPr>
         <p:spPr>
           <a:xfrm>
             <a:off x="5232240" y="3504240"/>
-            <a:ext cx="707400" cy="517320"/>
+            <a:ext cx="706680" cy="516600"/>
           </a:xfrm>
           <a:custGeom>
             <a:avLst/>
@@ -7992,14 +8262,14 @@
       </p:sp>
       <p:sp>
         <p:nvSpPr>
-          <p:cNvPr id="208" name="CustomShape 17"/>
+          <p:cNvPr id="212" name="CustomShape 17"/>
           <p:cNvSpPr/>
           <p:nvPr/>
         </p:nvSpPr>
         <p:spPr>
           <a:xfrm flipV="1">
-            <a:off x="6797520" y="3446280"/>
-            <a:ext cx="1230120" cy="574560"/>
+            <a:off x="6797520" y="3445560"/>
+            <a:ext cx="1229400" cy="573840"/>
           </a:xfrm>
           <a:custGeom>
             <a:avLst/>
@@ -8091,14 +8361,14 @@
       </p:grpSpPr>
       <p:sp>
         <p:nvSpPr>
-          <p:cNvPr id="209" name="CustomShape 1"/>
+          <p:cNvPr id="213" name="CustomShape 1"/>
           <p:cNvSpPr/>
           <p:nvPr/>
         </p:nvSpPr>
         <p:spPr>
           <a:xfrm>
             <a:off x="457200" y="274680"/>
-            <a:ext cx="8228880" cy="1142280"/>
+            <a:ext cx="8228160" cy="1141560"/>
           </a:xfrm>
           <a:prstGeom prst="rect">
             <a:avLst/>
@@ -8133,6 +8403,7 @@
                   </a:solidFill>
                 </a:uFill>
                 <a:latin typeface="Calibri"/>
+                <a:ea typeface="DejaVu Sans"/>
               </a:rPr>
               <a:t>Spring Integration Adapters</a:t>
             </a:r>
@@ -8145,21 +8416,21 @@
                   <a:srgbClr val="ffffff"/>
                 </a:solidFill>
               </a:uFill>
-              <a:latin typeface="arial"/>
-            </a:endParaRPr>
-          </a:p>
-        </p:txBody>
-      </p:sp>
-      <p:sp>
-        <p:nvSpPr>
-          <p:cNvPr id="210" name="CustomShape 2"/>
+              <a:latin typeface="Arial"/>
+            </a:endParaRPr>
+          </a:p>
+        </p:txBody>
+      </p:sp>
+      <p:sp>
+        <p:nvSpPr>
+          <p:cNvPr id="214" name="CustomShape 2"/>
           <p:cNvSpPr/>
           <p:nvPr/>
         </p:nvSpPr>
         <p:spPr>
           <a:xfrm>
             <a:off x="457200" y="1600200"/>
-            <a:ext cx="8228880" cy="4525200"/>
+            <a:ext cx="8228160" cy="4524480"/>
           </a:xfrm>
           <a:prstGeom prst="rect">
             <a:avLst/>
@@ -8178,7 +8449,7 @@
         <p:txBody>
           <a:bodyPr lIns="90000" rIns="90000" tIns="45000" bIns="45000"/>
           <a:p>
-            <a:pPr marL="343080" indent="-342360">
+            <a:pPr marL="343080" indent="-341640">
               <a:lnSpc>
                 <a:spcPct val="100000"/>
               </a:lnSpc>
@@ -8189,7 +8460,7 @@
               <a:buChar char="•"/>
             </a:pPr>
             <a:r>
-              <a:rPr b="0" lang="en-US" sz="3200" spc="-1" strike="noStrike">
+              <a:rPr b="0" lang="en-US" sz="2600" spc="-1" strike="noStrike">
                 <a:solidFill>
                   <a:srgbClr val="000000"/>
                 </a:solidFill>
@@ -8199,8 +8470,9 @@
                   </a:solidFill>
                 </a:uFill>
                 <a:latin typeface="Calibri"/>
+                <a:ea typeface="DejaVu Sans"/>
               </a:rPr>
-              <a:t>Spring Integration dispõe de Adapters e Gateways para vários sistemas entre os quais:</a:t>
+              <a:t>Spring Integration offers de Adapters and Gateways for several systems entre os quais:</a:t>
             </a:r>
             <a:endParaRPr b="0" lang="en-US" sz="1800" spc="-1" strike="noStrike">
               <a:solidFill>
@@ -8211,11 +8483,11 @@
                   <a:srgbClr val="ffffff"/>
                 </a:solidFill>
               </a:uFill>
-              <a:latin typeface="arial"/>
-            </a:endParaRPr>
-          </a:p>
-          <a:p>
-            <a:pPr lvl="1" marL="743040" indent="-285120">
+              <a:latin typeface="Arial"/>
+            </a:endParaRPr>
+          </a:p>
+          <a:p>
+            <a:pPr lvl="1" marL="743040" indent="-284400">
               <a:lnSpc>
                 <a:spcPct val="100000"/>
               </a:lnSpc>
@@ -8226,7 +8498,7 @@
               <a:buChar char="–"/>
             </a:pPr>
             <a:r>
-              <a:rPr b="0" lang="en-US" sz="2800" spc="-1" strike="noStrike">
+              <a:rPr b="0" lang="en-US" sz="2600" spc="-1" strike="noStrike">
                 <a:solidFill>
                   <a:srgbClr val="000000"/>
                 </a:solidFill>
@@ -8236,6 +8508,7 @@
                   </a:solidFill>
                 </a:uFill>
                 <a:latin typeface="Calibri"/>
+                <a:ea typeface="DejaVu Sans"/>
               </a:rPr>
               <a:t>AMQP</a:t>
             </a:r>
@@ -8248,11 +8521,11 @@
                   <a:srgbClr val="ffffff"/>
                 </a:solidFill>
               </a:uFill>
-              <a:latin typeface="arial"/>
-            </a:endParaRPr>
-          </a:p>
-          <a:p>
-            <a:pPr lvl="1" marL="743040" indent="-285120">
+              <a:latin typeface="Arial"/>
+            </a:endParaRPr>
+          </a:p>
+          <a:p>
+            <a:pPr lvl="1" marL="743040" indent="-284400">
               <a:lnSpc>
                 <a:spcPct val="100000"/>
               </a:lnSpc>
@@ -8263,7 +8536,7 @@
               <a:buChar char="–"/>
             </a:pPr>
             <a:r>
-              <a:rPr b="0" lang="en-US" sz="2800" spc="-1" strike="noStrike">
+              <a:rPr b="0" lang="en-US" sz="2600" spc="-1" strike="noStrike">
                 <a:solidFill>
                   <a:srgbClr val="000000"/>
                 </a:solidFill>
@@ -8273,6 +8546,7 @@
                   </a:solidFill>
                 </a:uFill>
                 <a:latin typeface="Calibri"/>
+                <a:ea typeface="DejaVu Sans"/>
               </a:rPr>
               <a:t>JMS</a:t>
             </a:r>
@@ -8285,11 +8559,11 @@
                   <a:srgbClr val="ffffff"/>
                 </a:solidFill>
               </a:uFill>
-              <a:latin typeface="arial"/>
-            </a:endParaRPr>
-          </a:p>
-          <a:p>
-            <a:pPr lvl="1" marL="743040" indent="-285120">
+              <a:latin typeface="Arial"/>
+            </a:endParaRPr>
+          </a:p>
+          <a:p>
+            <a:pPr lvl="1" marL="743040" indent="-284400">
               <a:lnSpc>
                 <a:spcPct val="100000"/>
               </a:lnSpc>
@@ -8300,7 +8574,7 @@
               <a:buChar char="–"/>
             </a:pPr>
             <a:r>
-              <a:rPr b="0" lang="en-US" sz="2800" spc="-1" strike="noStrike">
+              <a:rPr b="0" lang="en-US" sz="2600" spc="-1" strike="noStrike">
                 <a:solidFill>
                   <a:srgbClr val="000000"/>
                 </a:solidFill>
@@ -8310,6 +8584,7 @@
                   </a:solidFill>
                 </a:uFill>
                 <a:latin typeface="Calibri"/>
+                <a:ea typeface="DejaVu Sans"/>
               </a:rPr>
               <a:t>RMI</a:t>
             </a:r>
@@ -8322,11 +8597,11 @@
                   <a:srgbClr val="ffffff"/>
                 </a:solidFill>
               </a:uFill>
-              <a:latin typeface="arial"/>
-            </a:endParaRPr>
-          </a:p>
-          <a:p>
-            <a:pPr lvl="1" marL="743040" indent="-285120">
+              <a:latin typeface="Arial"/>
+            </a:endParaRPr>
+          </a:p>
+          <a:p>
+            <a:pPr lvl="1" marL="743040" indent="-284400">
               <a:lnSpc>
                 <a:spcPct val="100000"/>
               </a:lnSpc>
@@ -8337,7 +8612,7 @@
               <a:buChar char="–"/>
             </a:pPr>
             <a:r>
-              <a:rPr b="0" lang="en-US" sz="2800" spc="-1" strike="noStrike">
+              <a:rPr b="0" lang="en-US" sz="2600" spc="-1" strike="noStrike">
                 <a:solidFill>
                   <a:srgbClr val="000000"/>
                 </a:solidFill>
@@ -8347,6 +8622,7 @@
                   </a:solidFill>
                 </a:uFill>
                 <a:latin typeface="Calibri"/>
+                <a:ea typeface="DejaVu Sans"/>
               </a:rPr>
               <a:t>Spring Application (events)</a:t>
             </a:r>
@@ -8359,11 +8635,11 @@
                   <a:srgbClr val="ffffff"/>
                 </a:solidFill>
               </a:uFill>
-              <a:latin typeface="arial"/>
-            </a:endParaRPr>
-          </a:p>
-          <a:p>
-            <a:pPr lvl="1" marL="743040" indent="-285120">
+              <a:latin typeface="Arial"/>
+            </a:endParaRPr>
+          </a:p>
+          <a:p>
+            <a:pPr lvl="1" marL="743040" indent="-284400">
               <a:lnSpc>
                 <a:spcPct val="100000"/>
               </a:lnSpc>
@@ -8374,7 +8650,7 @@
               <a:buChar char="–"/>
             </a:pPr>
             <a:r>
-              <a:rPr b="0" lang="en-US" sz="2800" spc="-1" strike="noStrike">
+              <a:rPr b="0" lang="en-US" sz="2600" spc="-1" strike="noStrike">
                 <a:solidFill>
                   <a:srgbClr val="000000"/>
                 </a:solidFill>
@@ -8384,6 +8660,7 @@
                   </a:solidFill>
                 </a:uFill>
                 <a:latin typeface="Calibri"/>
+                <a:ea typeface="DejaVu Sans"/>
               </a:rPr>
               <a:t>JDBC / JPA</a:t>
             </a:r>
@@ -8396,11 +8673,11 @@
                   <a:srgbClr val="ffffff"/>
                 </a:solidFill>
               </a:uFill>
-              <a:latin typeface="arial"/>
-            </a:endParaRPr>
-          </a:p>
-          <a:p>
-            <a:pPr lvl="1" marL="743040" indent="-285120">
+              <a:latin typeface="Arial"/>
+            </a:endParaRPr>
+          </a:p>
+          <a:p>
+            <a:pPr lvl="1" marL="743040" indent="-284400">
               <a:lnSpc>
                 <a:spcPct val="100000"/>
               </a:lnSpc>
@@ -8411,7 +8688,7 @@
               <a:buChar char="–"/>
             </a:pPr>
             <a:r>
-              <a:rPr b="0" lang="en-US" sz="2800" spc="-1" strike="noStrike">
+              <a:rPr b="0" lang="en-US" sz="2600" spc="-1" strike="noStrike">
                 <a:solidFill>
                   <a:srgbClr val="000000"/>
                 </a:solidFill>
@@ -8421,6 +8698,7 @@
                   </a:solidFill>
                 </a:uFill>
                 <a:latin typeface="Calibri"/>
+                <a:ea typeface="DejaVu Sans"/>
               </a:rPr>
               <a:t>HTTP</a:t>
             </a:r>
@@ -8433,11 +8711,11 @@
                   <a:srgbClr val="ffffff"/>
                 </a:solidFill>
               </a:uFill>
-              <a:latin typeface="arial"/>
-            </a:endParaRPr>
-          </a:p>
-          <a:p>
-            <a:pPr lvl="1" marL="743040" indent="-285120">
+              <a:latin typeface="Arial"/>
+            </a:endParaRPr>
+          </a:p>
+          <a:p>
+            <a:pPr lvl="1" marL="743040" indent="-284400">
               <a:lnSpc>
                 <a:spcPct val="100000"/>
               </a:lnSpc>
@@ -8448,7 +8726,7 @@
               <a:buChar char="–"/>
             </a:pPr>
             <a:r>
-              <a:rPr b="0" lang="en-US" sz="2800" spc="-1" strike="noStrike">
+              <a:rPr b="0" lang="en-US" sz="2600" spc="-1" strike="noStrike">
                 <a:solidFill>
                   <a:srgbClr val="000000"/>
                 </a:solidFill>
@@ -8458,8 +8736,9 @@
                   </a:solidFill>
                 </a:uFill>
                 <a:latin typeface="Calibri"/>
+                <a:ea typeface="DejaVu Sans"/>
               </a:rPr>
-              <a:t>FTP</a:t>
+              <a:t>File, FTP</a:t>
             </a:r>
             <a:endParaRPr b="0" lang="en-US" sz="1800" spc="-1" strike="noStrike">
               <a:solidFill>
@@ -8470,11 +8749,11 @@
                   <a:srgbClr val="ffffff"/>
                 </a:solidFill>
               </a:uFill>
-              <a:latin typeface="arial"/>
-            </a:endParaRPr>
-          </a:p>
-          <a:p>
-            <a:pPr lvl="1" marL="743040" indent="-285120">
+              <a:latin typeface="Arial"/>
+            </a:endParaRPr>
+          </a:p>
+          <a:p>
+            <a:pPr lvl="1" marL="743040" indent="-284400">
               <a:lnSpc>
                 <a:spcPct val="100000"/>
               </a:lnSpc>
@@ -8485,7 +8764,7 @@
               <a:buChar char="–"/>
             </a:pPr>
             <a:r>
-              <a:rPr b="0" lang="en-US" sz="2800" spc="-1" strike="noStrike">
+              <a:rPr b="0" lang="en-US" sz="2600" spc="-1" strike="noStrike">
                 <a:solidFill>
                   <a:srgbClr val="000000"/>
                 </a:solidFill>
@@ -8495,8 +8774,9 @@
                   </a:solidFill>
                 </a:uFill>
                 <a:latin typeface="Calibri"/>
+                <a:ea typeface="DejaVu Sans"/>
               </a:rPr>
-              <a:t>File</a:t>
+              <a:t>Mail, Twitter</a:t>
             </a:r>
             <a:endParaRPr b="0" lang="en-US" sz="1800" spc="-1" strike="noStrike">
               <a:solidFill>
@@ -8507,11 +8787,11 @@
                   <a:srgbClr val="ffffff"/>
                 </a:solidFill>
               </a:uFill>
-              <a:latin typeface="arial"/>
-            </a:endParaRPr>
-          </a:p>
-          <a:p>
-            <a:pPr lvl="1" marL="743040" indent="-285120">
+              <a:latin typeface="Arial"/>
+            </a:endParaRPr>
+          </a:p>
+          <a:p>
+            <a:pPr lvl="1" marL="743040" indent="-284400">
               <a:lnSpc>
                 <a:spcPct val="100000"/>
               </a:lnSpc>
@@ -8522,7 +8802,7 @@
               <a:buChar char="–"/>
             </a:pPr>
             <a:r>
-              <a:rPr b="0" lang="en-US" sz="2800" spc="-1" strike="noStrike">
+              <a:rPr b="0" lang="en-US" sz="2600" spc="-1" strike="noStrike">
                 <a:solidFill>
                   <a:srgbClr val="000000"/>
                 </a:solidFill>
@@ -8532,8 +8812,9 @@
                   </a:solidFill>
                 </a:uFill>
                 <a:latin typeface="Calibri"/>
+                <a:ea typeface="DejaVu Sans"/>
               </a:rPr>
-              <a:t>Twitter</a:t>
+              <a:t>Tibco</a:t>
             </a:r>
             <a:endParaRPr b="0" lang="en-US" sz="1800" spc="-1" strike="noStrike">
               <a:solidFill>
@@ -8544,11 +8825,11 @@
                   <a:srgbClr val="ffffff"/>
                 </a:solidFill>
               </a:uFill>
-              <a:latin typeface="arial"/>
-            </a:endParaRPr>
-          </a:p>
-          <a:p>
-            <a:pPr lvl="1" marL="743040" indent="-285120">
+              <a:latin typeface="Arial"/>
+            </a:endParaRPr>
+          </a:p>
+          <a:p>
+            <a:pPr lvl="1" marL="743040" indent="-284400">
               <a:lnSpc>
                 <a:spcPct val="100000"/>
               </a:lnSpc>
@@ -8559,7 +8840,7 @@
               <a:buChar char="–"/>
             </a:pPr>
             <a:r>
-              <a:rPr b="0" lang="en-US" sz="2800" spc="-1" strike="noStrike">
+              <a:rPr b="0" lang="en-US" sz="2600" spc="-1" strike="noStrike">
                 <a:solidFill>
                   <a:srgbClr val="000000"/>
                 </a:solidFill>
@@ -8569,43 +8850,7 @@
                   </a:solidFill>
                 </a:uFill>
                 <a:latin typeface="Calibri"/>
-              </a:rPr>
-              <a:t>Mail</a:t>
-            </a:r>
-            <a:endParaRPr b="0" lang="en-US" sz="1800" spc="-1" strike="noStrike">
-              <a:solidFill>
-                <a:srgbClr val="000000"/>
-              </a:solidFill>
-              <a:uFill>
-                <a:solidFill>
-                  <a:srgbClr val="ffffff"/>
-                </a:solidFill>
-              </a:uFill>
-              <a:latin typeface="arial"/>
-            </a:endParaRPr>
-          </a:p>
-          <a:p>
-            <a:pPr lvl="1" marL="743040" indent="-285120">
-              <a:lnSpc>
-                <a:spcPct val="100000"/>
-              </a:lnSpc>
-              <a:buClr>
-                <a:srgbClr val="000000"/>
-              </a:buClr>
-              <a:buFont typeface="Arial"/>
-              <a:buChar char="–"/>
-            </a:pPr>
-            <a:r>
-              <a:rPr b="0" lang="en-US" sz="2800" spc="-1" strike="noStrike">
-                <a:solidFill>
-                  <a:srgbClr val="000000"/>
-                </a:solidFill>
-                <a:uFill>
-                  <a:solidFill>
-                    <a:srgbClr val="ffffff"/>
-                  </a:solidFill>
-                </a:uFill>
-                <a:latin typeface="Calibri"/>
+                <a:ea typeface="DejaVu Sans"/>
               </a:rPr>
               <a:t>Web Services</a:t>
             </a:r>
@@ -8618,14 +8863,14 @@
                   <a:srgbClr val="ffffff"/>
                 </a:solidFill>
               </a:uFill>
-              <a:latin typeface="arial"/>
+              <a:latin typeface="Arial"/>
             </a:endParaRPr>
           </a:p>
         </p:txBody>
       </p:sp>
       <p:pic>
         <p:nvPicPr>
-          <p:cNvPr id="211" name="Picture 3" descr=""/>
+          <p:cNvPr id="215" name="Picture 3" descr=""/>
           <p:cNvPicPr/>
           <p:nvPr/>
         </p:nvPicPr>
@@ -8635,8 +8880,8 @@
         </p:blipFill>
         <p:spPr>
           <a:xfrm rot="20511000">
-            <a:off x="5864040" y="3417840"/>
-            <a:ext cx="856440" cy="666000"/>
+            <a:off x="5863320" y="3417480"/>
+            <a:ext cx="855720" cy="665280"/>
           </a:xfrm>
           <a:prstGeom prst="rect">
             <a:avLst/>
@@ -8648,7 +8893,7 @@
       </p:pic>
       <p:pic>
         <p:nvPicPr>
-          <p:cNvPr id="212" name="Picture 4" descr=""/>
+          <p:cNvPr id="216" name="Picture 4" descr=""/>
           <p:cNvPicPr/>
           <p:nvPr/>
         </p:nvPicPr>
@@ -8658,8 +8903,8 @@
         </p:blipFill>
         <p:spPr>
           <a:xfrm rot="20511000">
-            <a:off x="5857200" y="4733640"/>
-            <a:ext cx="856440" cy="666000"/>
+            <a:off x="5856480" y="4733280"/>
+            <a:ext cx="855720" cy="665280"/>
           </a:xfrm>
           <a:prstGeom prst="rect">
             <a:avLst/>
@@ -8671,7 +8916,7 @@
       </p:pic>
       <p:pic>
         <p:nvPicPr>
-          <p:cNvPr id="213" name="Picture 5" descr=""/>
+          <p:cNvPr id="217" name="Picture 5" descr=""/>
           <p:cNvPicPr/>
           <p:nvPr/>
         </p:nvPicPr>
@@ -8681,8 +8926,8 @@
         </p:blipFill>
         <p:spPr>
           <a:xfrm rot="20511000">
-            <a:off x="7124760" y="3174480"/>
-            <a:ext cx="856440" cy="666000"/>
+            <a:off x="7124040" y="3174120"/>
+            <a:ext cx="855720" cy="665280"/>
           </a:xfrm>
           <a:prstGeom prst="rect">
             <a:avLst/>
@@ -8694,7 +8939,7 @@
       </p:pic>
       <p:pic>
         <p:nvPicPr>
-          <p:cNvPr id="214" name="Picture 6" descr=""/>
+          <p:cNvPr id="218" name="Picture 6" descr=""/>
           <p:cNvPicPr/>
           <p:nvPr/>
         </p:nvPicPr>
@@ -8704,8 +8949,8 @@
         </p:blipFill>
         <p:spPr>
           <a:xfrm rot="20511000">
-            <a:off x="7078680" y="4489920"/>
-            <a:ext cx="856440" cy="666000"/>
+            <a:off x="7077960" y="4489560"/>
+            <a:ext cx="855720" cy="665280"/>
           </a:xfrm>
           <a:prstGeom prst="rect">
             <a:avLst/>
@@ -8766,14 +9011,14 @@
       </p:grpSpPr>
       <p:sp>
         <p:nvSpPr>
-          <p:cNvPr id="215" name="CustomShape 1"/>
+          <p:cNvPr id="219" name="CustomShape 1"/>
           <p:cNvSpPr/>
           <p:nvPr/>
         </p:nvSpPr>
         <p:spPr>
           <a:xfrm>
             <a:off x="457200" y="274680"/>
-            <a:ext cx="8228880" cy="1142280"/>
+            <a:ext cx="8228160" cy="1141560"/>
           </a:xfrm>
           <a:prstGeom prst="rect">
             <a:avLst/>
@@ -8808,6 +9053,7 @@
                   </a:solidFill>
                 </a:uFill>
                 <a:latin typeface="Calibri"/>
+                <a:ea typeface="DejaVu Sans"/>
               </a:rPr>
               <a:t>DEMO TIME</a:t>
             </a:r>
@@ -8820,21 +9066,21 @@
                   <a:srgbClr val="ffffff"/>
                 </a:solidFill>
               </a:uFill>
-              <a:latin typeface="arial"/>
-            </a:endParaRPr>
-          </a:p>
-        </p:txBody>
-      </p:sp>
-      <p:sp>
-        <p:nvSpPr>
-          <p:cNvPr id="216" name="CustomShape 2"/>
+              <a:latin typeface="Arial"/>
+            </a:endParaRPr>
+          </a:p>
+        </p:txBody>
+      </p:sp>
+      <p:sp>
+        <p:nvSpPr>
+          <p:cNvPr id="220" name="CustomShape 2"/>
           <p:cNvSpPr/>
           <p:nvPr/>
         </p:nvSpPr>
         <p:spPr>
           <a:xfrm>
             <a:off x="457200" y="1960200"/>
-            <a:ext cx="8228880" cy="2044080"/>
+            <a:ext cx="8228160" cy="2043360"/>
           </a:xfrm>
           <a:prstGeom prst="rect">
             <a:avLst/>
@@ -8853,7 +9099,7 @@
         <p:txBody>
           <a:bodyPr lIns="90000" rIns="90000" tIns="45000" bIns="45000"/>
           <a:p>
-            <a:pPr marL="343080" indent="-342360">
+            <a:pPr marL="343080" indent="-341640">
               <a:lnSpc>
                 <a:spcPct val="100000"/>
               </a:lnSpc>
@@ -8874,8 +9120,9 @@
                   </a:solidFill>
                 </a:uFill>
                 <a:latin typeface="Calibri"/>
+                <a:ea typeface="DejaVu Sans"/>
               </a:rPr>
-              <a:t>Aplicação exemplo - Barista</a:t>
+              <a:t>Example application - Barista</a:t>
             </a:r>
             <a:endParaRPr b="0" lang="en-US" sz="1800" spc="-1" strike="noStrike">
               <a:solidFill>
@@ -8886,14 +9133,14 @@
                   <a:srgbClr val="ffffff"/>
                 </a:solidFill>
               </a:uFill>
-              <a:latin typeface="arial"/>
+              <a:latin typeface="Arial"/>
             </a:endParaRPr>
           </a:p>
         </p:txBody>
       </p:sp>
       <p:pic>
         <p:nvPicPr>
-          <p:cNvPr id="217" name="" descr=""/>
+          <p:cNvPr id="221" name="" descr=""/>
           <p:cNvPicPr/>
           <p:nvPr/>
         </p:nvPicPr>
@@ -8904,7 +9151,7 @@
         <p:spPr>
           <a:xfrm>
             <a:off x="1188720" y="2743200"/>
-            <a:ext cx="7040520" cy="3525120"/>
+            <a:ext cx="7039800" cy="3524400"/>
           </a:xfrm>
           <a:prstGeom prst="rect">
             <a:avLst/>
@@ -8965,14 +9212,14 @@
       </p:grpSpPr>
       <p:sp>
         <p:nvSpPr>
-          <p:cNvPr id="218" name="CustomShape 1"/>
+          <p:cNvPr id="222" name="CustomShape 1"/>
           <p:cNvSpPr/>
           <p:nvPr/>
         </p:nvSpPr>
         <p:spPr>
           <a:xfrm>
             <a:off x="457200" y="274680"/>
-            <a:ext cx="8228880" cy="1142280"/>
+            <a:ext cx="8228160" cy="1141560"/>
           </a:xfrm>
           <a:prstGeom prst="rect">
             <a:avLst/>
@@ -9007,6 +9254,7 @@
                   </a:solidFill>
                 </a:uFill>
                 <a:latin typeface="Calibri"/>
+                <a:ea typeface="DejaVu Sans"/>
               </a:rPr>
               <a:t>si-client</a:t>
             </a:r>
@@ -9019,14 +9267,14 @@
                   <a:srgbClr val="ffffff"/>
                 </a:solidFill>
               </a:uFill>
-              <a:latin typeface="arial"/>
+              <a:latin typeface="Arial"/>
             </a:endParaRPr>
           </a:p>
         </p:txBody>
       </p:sp>
       <p:pic>
         <p:nvPicPr>
-          <p:cNvPr id="219" name="Picture 3" descr=""/>
+          <p:cNvPr id="223" name="Picture 3" descr=""/>
           <p:cNvPicPr/>
           <p:nvPr/>
         </p:nvPicPr>
@@ -9037,7 +9285,7 @@
         <p:spPr>
           <a:xfrm>
             <a:off x="935640" y="1268640"/>
-            <a:ext cx="7272000" cy="4968000"/>
+            <a:ext cx="7271280" cy="4967280"/>
           </a:xfrm>
           <a:prstGeom prst="rect">
             <a:avLst/>
@@ -9098,14 +9346,14 @@
       </p:grpSpPr>
       <p:sp>
         <p:nvSpPr>
-          <p:cNvPr id="220" name="CustomShape 1"/>
+          <p:cNvPr id="224" name="CustomShape 1"/>
           <p:cNvSpPr/>
           <p:nvPr/>
         </p:nvSpPr>
         <p:spPr>
           <a:xfrm>
             <a:off x="457200" y="274680"/>
-            <a:ext cx="8228880" cy="1142280"/>
+            <a:ext cx="8228160" cy="1141560"/>
           </a:xfrm>
           <a:prstGeom prst="rect">
             <a:avLst/>
@@ -9140,6 +9388,7 @@
                   </a:solidFill>
                 </a:uFill>
                 <a:latin typeface="Calibri"/>
+                <a:ea typeface="DejaVu Sans"/>
               </a:rPr>
               <a:t>si-client</a:t>
             </a:r>
@@ -9152,14 +9401,14 @@
                   <a:srgbClr val="ffffff"/>
                 </a:solidFill>
               </a:uFill>
-              <a:latin typeface="arial"/>
+              <a:latin typeface="Arial"/>
             </a:endParaRPr>
           </a:p>
         </p:txBody>
       </p:sp>
       <p:pic>
         <p:nvPicPr>
-          <p:cNvPr id="221" name="Picture 2" descr=""/>
+          <p:cNvPr id="225" name="Picture 2" descr=""/>
           <p:cNvPicPr/>
           <p:nvPr/>
         </p:nvPicPr>
@@ -9170,7 +9419,7 @@
         <p:spPr>
           <a:xfrm>
             <a:off x="1500840" y="1268640"/>
-            <a:ext cx="6141240" cy="5289840"/>
+            <a:ext cx="6140520" cy="5289120"/>
           </a:xfrm>
           <a:prstGeom prst="rect">
             <a:avLst/>
@@ -9231,14 +9480,14 @@
       </p:grpSpPr>
       <p:sp>
         <p:nvSpPr>
-          <p:cNvPr id="222" name="CustomShape 1"/>
+          <p:cNvPr id="226" name="CustomShape 1"/>
           <p:cNvSpPr/>
           <p:nvPr/>
         </p:nvSpPr>
         <p:spPr>
           <a:xfrm>
             <a:off x="457200" y="274680"/>
-            <a:ext cx="8228880" cy="1142280"/>
+            <a:ext cx="8228160" cy="1141560"/>
           </a:xfrm>
           <a:prstGeom prst="rect">
             <a:avLst/>
@@ -9273,6 +9522,7 @@
                   </a:solidFill>
                 </a:uFill>
                 <a:latin typeface="Calibri"/>
+                <a:ea typeface="DejaVu Sans"/>
               </a:rPr>
               <a:t>si-client</a:t>
             </a:r>
@@ -9285,14 +9535,14 @@
                   <a:srgbClr val="ffffff"/>
                 </a:solidFill>
               </a:uFill>
-              <a:latin typeface="arial"/>
+              <a:latin typeface="Arial"/>
             </a:endParaRPr>
           </a:p>
         </p:txBody>
       </p:sp>
       <p:pic>
         <p:nvPicPr>
-          <p:cNvPr id="223" name="Picture 2" descr=""/>
+          <p:cNvPr id="227" name="Picture 2" descr=""/>
           <p:cNvPicPr/>
           <p:nvPr/>
         </p:nvPicPr>
@@ -9303,7 +9553,7 @@
         <p:spPr>
           <a:xfrm>
             <a:off x="1893240" y="1266120"/>
-            <a:ext cx="5357160" cy="5132880"/>
+            <a:ext cx="5356440" cy="5132160"/>
           </a:xfrm>
           <a:prstGeom prst="rect">
             <a:avLst/>
@@ -9364,7 +9614,7 @@
       </p:grpSpPr>
       <p:pic>
         <p:nvPicPr>
-          <p:cNvPr id="79" name="Picture 4" descr=""/>
+          <p:cNvPr id="83" name="Picture 4" descr=""/>
           <p:cNvPicPr/>
           <p:nvPr/>
         </p:nvPicPr>
@@ -9375,7 +9625,7 @@
         <p:spPr>
           <a:xfrm>
             <a:off x="323640" y="332640"/>
-            <a:ext cx="8656560" cy="3815640"/>
+            <a:ext cx="8655840" cy="3814920"/>
           </a:xfrm>
           <a:prstGeom prst="rect">
             <a:avLst/>
@@ -9387,7 +9637,7 @@
       </p:pic>
       <p:pic>
         <p:nvPicPr>
-          <p:cNvPr id="80" name="Picture 3" descr=""/>
+          <p:cNvPr id="84" name="Picture 3" descr=""/>
           <p:cNvPicPr/>
           <p:nvPr/>
         </p:nvPicPr>
@@ -9398,7 +9648,7 @@
         <p:spPr>
           <a:xfrm>
             <a:off x="907200" y="2319840"/>
-            <a:ext cx="3232080" cy="4285080"/>
+            <a:ext cx="3231360" cy="4284360"/>
           </a:xfrm>
           <a:prstGeom prst="rect">
             <a:avLst/>
@@ -9459,14 +9709,14 @@
       </p:grpSpPr>
       <p:sp>
         <p:nvSpPr>
-          <p:cNvPr id="224" name="CustomShape 1"/>
+          <p:cNvPr id="228" name="CustomShape 1"/>
           <p:cNvSpPr/>
           <p:nvPr/>
         </p:nvSpPr>
         <p:spPr>
           <a:xfrm>
             <a:off x="457200" y="274680"/>
-            <a:ext cx="8228880" cy="1142280"/>
+            <a:ext cx="8228160" cy="1141560"/>
           </a:xfrm>
           <a:prstGeom prst="rect">
             <a:avLst/>
@@ -9501,6 +9751,7 @@
                   </a:solidFill>
                 </a:uFill>
                 <a:latin typeface="Calibri"/>
+                <a:ea typeface="DejaVu Sans"/>
               </a:rPr>
               <a:t>FIM</a:t>
             </a:r>
@@ -9513,7 +9764,7 @@
                   <a:srgbClr val="ffffff"/>
                 </a:solidFill>
               </a:uFill>
-              <a:latin typeface="arial"/>
+              <a:latin typeface="Arial"/>
             </a:endParaRPr>
           </a:p>
         </p:txBody>
@@ -9569,14 +9820,14 @@
       </p:grpSpPr>
       <p:sp>
         <p:nvSpPr>
-          <p:cNvPr id="81" name="CustomShape 1"/>
+          <p:cNvPr id="85" name="CustomShape 1"/>
           <p:cNvSpPr/>
           <p:nvPr/>
         </p:nvSpPr>
         <p:spPr>
           <a:xfrm>
             <a:off x="457200" y="274680"/>
-            <a:ext cx="8228880" cy="1142280"/>
+            <a:ext cx="8228160" cy="1141560"/>
           </a:xfrm>
           <a:prstGeom prst="rect">
             <a:avLst/>
@@ -9611,8 +9862,9 @@
                   </a:solidFill>
                 </a:uFill>
                 <a:latin typeface="Calibri"/>
+                <a:ea typeface="DejaVu Sans"/>
               </a:rPr>
-              <a:t>Essência do Messaging</a:t>
+              <a:t>Core Messaging</a:t>
             </a:r>
             <a:endParaRPr b="0" lang="en-US" sz="1800" spc="-1" strike="noStrike">
               <a:solidFill>
@@ -9623,21 +9875,21 @@
                   <a:srgbClr val="ffffff"/>
                 </a:solidFill>
               </a:uFill>
-              <a:latin typeface="arial"/>
-            </a:endParaRPr>
-          </a:p>
-        </p:txBody>
-      </p:sp>
-      <p:sp>
-        <p:nvSpPr>
-          <p:cNvPr id="82" name="CustomShape 2"/>
+              <a:latin typeface="Arial"/>
+            </a:endParaRPr>
+          </a:p>
+        </p:txBody>
+      </p:sp>
+      <p:sp>
+        <p:nvSpPr>
+          <p:cNvPr id="86" name="CustomShape 2"/>
           <p:cNvSpPr/>
           <p:nvPr/>
         </p:nvSpPr>
         <p:spPr>
           <a:xfrm>
             <a:off x="457200" y="1600200"/>
-            <a:ext cx="8228880" cy="2764080"/>
+            <a:ext cx="8228160" cy="2763360"/>
           </a:xfrm>
           <a:prstGeom prst="rect">
             <a:avLst/>
@@ -9656,7 +9908,7 @@
         <p:txBody>
           <a:bodyPr lIns="90000" rIns="90000" tIns="45000" bIns="45000"/>
           <a:p>
-            <a:pPr marL="343080" indent="-342360">
+            <a:pPr marL="343080" indent="-341640">
               <a:lnSpc>
                 <a:spcPct val="100000"/>
               </a:lnSpc>
@@ -9677,9 +9929,33 @@
                   </a:solidFill>
                 </a:uFill>
                 <a:latin typeface="Calibri"/>
+                <a:ea typeface="DejaVu Sans"/>
               </a:rPr>
-              <a:t>“</a:t>
+              <a:t>Works by decoupling diverse systems</a:t>
             </a:r>
+            <a:endParaRPr b="0" lang="en-US" sz="1800" spc="-1" strike="noStrike">
+              <a:solidFill>
+                <a:srgbClr val="000000"/>
+              </a:solidFill>
+              <a:uFill>
+                <a:solidFill>
+                  <a:srgbClr val="ffffff"/>
+                </a:solidFill>
+              </a:uFill>
+              <a:latin typeface="Arial"/>
+            </a:endParaRPr>
+          </a:p>
+          <a:p>
+            <a:pPr marL="343080" indent="-341640">
+              <a:lnSpc>
+                <a:spcPct val="100000"/>
+              </a:lnSpc>
+              <a:buClr>
+                <a:srgbClr val="000000"/>
+              </a:buClr>
+              <a:buFont typeface="Arial"/>
+              <a:buChar char="•"/>
+            </a:pPr>
             <a:r>
               <a:rPr b="0" lang="en-US" sz="2800" spc="-1" strike="noStrike">
                 <a:solidFill>
@@ -9691,8 +9967,9 @@
                   </a:solidFill>
                 </a:uFill>
                 <a:latin typeface="Calibri"/>
+                <a:ea typeface="DejaVu Sans"/>
               </a:rPr>
-              <a:t>Messaging works by decoupling systems”</a:t>
+              <a:t>Different application need to share data</a:t>
             </a:r>
             <a:endParaRPr b="0" lang="en-US" sz="1800" spc="-1" strike="noStrike">
               <a:solidFill>
@@ -9703,11 +9980,11 @@
                   <a:srgbClr val="ffffff"/>
                 </a:solidFill>
               </a:uFill>
-              <a:latin typeface="arial"/>
-            </a:endParaRPr>
-          </a:p>
-          <a:p>
-            <a:pPr marL="343080" indent="-342360">
+              <a:latin typeface="Arial"/>
+            </a:endParaRPr>
+          </a:p>
+          <a:p>
+            <a:pPr marL="343080" indent="-341640">
               <a:lnSpc>
                 <a:spcPct val="100000"/>
               </a:lnSpc>
@@ -9728,8 +10005,9 @@
                   </a:solidFill>
                 </a:uFill>
                 <a:latin typeface="Calibri"/>
+                <a:ea typeface="DejaVu Sans"/>
               </a:rPr>
-              <a:t>Integração de sistemas distintos</a:t>
+              <a:t>Fault tolerance – messages are queued and delivered when possible</a:t>
             </a:r>
             <a:endParaRPr b="0" lang="en-US" sz="1800" spc="-1" strike="noStrike">
               <a:solidFill>
@@ -9740,11 +10018,11 @@
                   <a:srgbClr val="ffffff"/>
                 </a:solidFill>
               </a:uFill>
-              <a:latin typeface="arial"/>
-            </a:endParaRPr>
-          </a:p>
-          <a:p>
-            <a:pPr marL="343080" indent="-342360">
+              <a:latin typeface="Arial"/>
+            </a:endParaRPr>
+          </a:p>
+          <a:p>
+            <a:pPr marL="343080" indent="-341640">
               <a:lnSpc>
                 <a:spcPct val="100000"/>
               </a:lnSpc>
@@ -9765,8 +10043,9 @@
                   </a:solidFill>
                 </a:uFill>
                 <a:latin typeface="Calibri"/>
+                <a:ea typeface="DejaVu Sans"/>
               </a:rPr>
-              <a:t>Necessitam de partilhar dados</a:t>
+              <a:t>JMS e AMQP offer powerful and robust solutions</a:t>
             </a:r>
             <a:endParaRPr b="0" lang="en-US" sz="1800" spc="-1" strike="noStrike">
               <a:solidFill>
@@ -9777,88 +10056,14 @@
                   <a:srgbClr val="ffffff"/>
                 </a:solidFill>
               </a:uFill>
-              <a:latin typeface="arial"/>
-            </a:endParaRPr>
-          </a:p>
-          <a:p>
-            <a:pPr marL="343080" indent="-342360">
-              <a:lnSpc>
-                <a:spcPct val="100000"/>
-              </a:lnSpc>
-              <a:buClr>
-                <a:srgbClr val="000000"/>
-              </a:buClr>
-              <a:buFont typeface="Arial"/>
-              <a:buChar char="•"/>
-            </a:pPr>
-            <a:r>
-              <a:rPr b="0" lang="en-US" sz="2800" spc="-1" strike="noStrike">
-                <a:solidFill>
-                  <a:srgbClr val="000000"/>
-                </a:solidFill>
-                <a:uFill>
-                  <a:solidFill>
-                    <a:srgbClr val="ffffff"/>
-                  </a:solidFill>
-                </a:uFill>
-                <a:latin typeface="Calibri"/>
-              </a:rPr>
-              <a:t>Tolerancia a falhas – os pedidos são colocados numa queue e submetidos quando possível</a:t>
-            </a:r>
-            <a:endParaRPr b="0" lang="en-US" sz="1800" spc="-1" strike="noStrike">
-              <a:solidFill>
-                <a:srgbClr val="000000"/>
-              </a:solidFill>
-              <a:uFill>
-                <a:solidFill>
-                  <a:srgbClr val="ffffff"/>
-                </a:solidFill>
-              </a:uFill>
-              <a:latin typeface="arial"/>
-            </a:endParaRPr>
-          </a:p>
-          <a:p>
-            <a:pPr marL="343080" indent="-342360">
-              <a:lnSpc>
-                <a:spcPct val="100000"/>
-              </a:lnSpc>
-              <a:buClr>
-                <a:srgbClr val="000000"/>
-              </a:buClr>
-              <a:buFont typeface="Arial"/>
-              <a:buChar char="•"/>
-            </a:pPr>
-            <a:r>
-              <a:rPr b="0" lang="en-US" sz="2800" spc="-1" strike="noStrike">
-                <a:solidFill>
-                  <a:srgbClr val="000000"/>
-                </a:solidFill>
-                <a:uFill>
-                  <a:solidFill>
-                    <a:srgbClr val="ffffff"/>
-                  </a:solidFill>
-                </a:uFill>
-                <a:latin typeface="Calibri"/>
-              </a:rPr>
-              <a:t>JMS e AMQP oferecem opções robustas e poderosas</a:t>
-            </a:r>
-            <a:endParaRPr b="0" lang="en-US" sz="1800" spc="-1" strike="noStrike">
-              <a:solidFill>
-                <a:srgbClr val="000000"/>
-              </a:solidFill>
-              <a:uFill>
-                <a:solidFill>
-                  <a:srgbClr val="ffffff"/>
-                </a:solidFill>
-              </a:uFill>
-              <a:latin typeface="arial"/>
+              <a:latin typeface="Arial"/>
             </a:endParaRPr>
           </a:p>
         </p:txBody>
       </p:sp>
       <p:pic>
         <p:nvPicPr>
-          <p:cNvPr id="83" name="Picture 2" descr=""/>
+          <p:cNvPr id="87" name="Picture 2" descr=""/>
           <p:cNvPicPr/>
           <p:nvPr/>
         </p:nvPicPr>
@@ -9869,7 +10074,7 @@
         <p:spPr>
           <a:xfrm>
             <a:off x="2483640" y="4251600"/>
-            <a:ext cx="4281480" cy="1913040"/>
+            <a:ext cx="4280760" cy="1912320"/>
           </a:xfrm>
           <a:prstGeom prst="rect">
             <a:avLst/>
@@ -9930,14 +10135,14 @@
       </p:grpSpPr>
       <p:sp>
         <p:nvSpPr>
-          <p:cNvPr id="84" name="CustomShape 1"/>
+          <p:cNvPr id="88" name="CustomShape 1"/>
           <p:cNvSpPr/>
           <p:nvPr/>
         </p:nvSpPr>
         <p:spPr>
           <a:xfrm>
             <a:off x="5148000" y="3933000"/>
-            <a:ext cx="2751120" cy="2375640"/>
+            <a:ext cx="2750400" cy="2374920"/>
           </a:xfrm>
           <a:prstGeom prst="ellipse">
             <a:avLst/>
@@ -9963,14 +10168,14 @@
       </p:sp>
       <p:sp>
         <p:nvSpPr>
-          <p:cNvPr id="85" name="CustomShape 2"/>
+          <p:cNvPr id="89" name="CustomShape 2"/>
           <p:cNvSpPr/>
           <p:nvPr/>
         </p:nvSpPr>
         <p:spPr>
           <a:xfrm>
             <a:off x="827640" y="1268640"/>
-            <a:ext cx="7560000" cy="5635080"/>
+            <a:ext cx="7559280" cy="5634360"/>
           </a:xfrm>
           <a:prstGeom prst="rect">
             <a:avLst/>
@@ -10022,7 +10227,7 @@
                 <a:latin typeface="Calibri"/>
                 <a:ea typeface="DejaVu Sans"/>
               </a:rPr>
-              <a:t>Um pacote genérico para qualquer tipo de carga (payload) que pode ser transportado através de canais (channels)</a:t>
+              <a:t>A generic package for any kind of data (payload) which can be transported across channels (channels)</a:t>
             </a:r>
             <a:endParaRPr b="0" lang="en-US" sz="1800" spc="-1" strike="noStrike">
               <a:solidFill>
@@ -10033,7 +10238,7 @@
                   <a:srgbClr val="ffffff"/>
                 </a:solidFill>
               </a:uFill>
-              <a:latin typeface="arial"/>
+              <a:latin typeface="Arial"/>
             </a:endParaRPr>
           </a:p>
           <a:p>
@@ -10070,7 +10275,7 @@
                 <a:latin typeface="Calibri"/>
                 <a:ea typeface="DejaVu Sans"/>
               </a:rPr>
-              <a:t>Contém Headers que fornecem informação a componentes do percurso da mensagem tal como:</a:t>
+              <a:t>Contains Headers which provide information to routing components. Example headers are:</a:t>
             </a:r>
             <a:endParaRPr b="0" lang="en-US" sz="1800" spc="-1" strike="noStrike">
               <a:solidFill>
@@ -10081,7 +10286,7 @@
                   <a:srgbClr val="ffffff"/>
                 </a:solidFill>
               </a:uFill>
-              <a:latin typeface="arial"/>
+              <a:latin typeface="Arial"/>
             </a:endParaRPr>
           </a:p>
           <a:p>
@@ -10129,7 +10334,7 @@
                   <a:srgbClr val="ffffff"/>
                 </a:solidFill>
               </a:uFill>
-              <a:latin typeface="arial"/>
+              <a:latin typeface="Arial"/>
             </a:endParaRPr>
           </a:p>
           <a:p>
@@ -10222,7 +10427,7 @@
                   <a:srgbClr val="ffffff"/>
                 </a:solidFill>
               </a:uFill>
-              <a:latin typeface="arial"/>
+              <a:latin typeface="Arial"/>
             </a:endParaRPr>
           </a:p>
           <a:p>
@@ -10270,7 +10475,7 @@
                   <a:srgbClr val="ffffff"/>
                 </a:solidFill>
               </a:uFill>
-              <a:latin typeface="arial"/>
+              <a:latin typeface="Arial"/>
             </a:endParaRPr>
           </a:p>
           <a:p>
@@ -10318,7 +10523,7 @@
                   <a:srgbClr val="ffffff"/>
                 </a:solidFill>
               </a:uFill>
-              <a:latin typeface="arial"/>
+              <a:latin typeface="Arial"/>
             </a:endParaRPr>
           </a:p>
           <a:p>
@@ -10366,7 +10571,7 @@
                   <a:srgbClr val="ffffff"/>
                 </a:solidFill>
               </a:uFill>
-              <a:latin typeface="arial"/>
+              <a:latin typeface="Arial"/>
             </a:endParaRPr>
           </a:p>
           <a:p>
@@ -10414,21 +10619,21 @@
                   <a:srgbClr val="ffffff"/>
                 </a:solidFill>
               </a:uFill>
-              <a:latin typeface="arial"/>
-            </a:endParaRPr>
-          </a:p>
-        </p:txBody>
-      </p:sp>
-      <p:sp>
-        <p:nvSpPr>
-          <p:cNvPr id="86" name="CustomShape 3"/>
+              <a:latin typeface="Arial"/>
+            </a:endParaRPr>
+          </a:p>
+        </p:txBody>
+      </p:sp>
+      <p:sp>
+        <p:nvSpPr>
+          <p:cNvPr id="90" name="CustomShape 3"/>
           <p:cNvSpPr/>
           <p:nvPr/>
         </p:nvSpPr>
         <p:spPr>
           <a:xfrm>
             <a:off x="457200" y="274680"/>
-            <a:ext cx="8228880" cy="1142280"/>
+            <a:ext cx="8228160" cy="1141560"/>
           </a:xfrm>
           <a:prstGeom prst="rect">
             <a:avLst/>
@@ -10463,6 +10668,7 @@
                   </a:solidFill>
                 </a:uFill>
                 <a:latin typeface="Calibri"/>
+                <a:ea typeface="DejaVu Sans"/>
               </a:rPr>
               <a:t>Message</a:t>
             </a:r>
@@ -10475,21 +10681,21 @@
                   <a:srgbClr val="ffffff"/>
                 </a:solidFill>
               </a:uFill>
-              <a:latin typeface="arial"/>
-            </a:endParaRPr>
-          </a:p>
-        </p:txBody>
-      </p:sp>
-      <p:sp>
-        <p:nvSpPr>
-          <p:cNvPr id="87" name="CustomShape 4"/>
+              <a:latin typeface="Arial"/>
+            </a:endParaRPr>
+          </a:p>
+        </p:txBody>
+      </p:sp>
+      <p:sp>
+        <p:nvSpPr>
+          <p:cNvPr id="91" name="CustomShape 4"/>
           <p:cNvSpPr/>
           <p:nvPr/>
         </p:nvSpPr>
         <p:spPr>
           <a:xfrm>
             <a:off x="6592320" y="5261040"/>
-            <a:ext cx="1303920" cy="394920"/>
+            <a:ext cx="1303200" cy="394200"/>
           </a:xfrm>
           <a:prstGeom prst="rect">
             <a:avLst/>
@@ -10537,21 +10743,21 @@
                   <a:srgbClr val="ffffff"/>
                 </a:solidFill>
               </a:uFill>
-              <a:latin typeface="arial"/>
-            </a:endParaRPr>
-          </a:p>
-        </p:txBody>
-      </p:sp>
-      <p:sp>
-        <p:nvSpPr>
-          <p:cNvPr id="88" name="CustomShape 5"/>
+              <a:latin typeface="Arial"/>
+            </a:endParaRPr>
+          </a:p>
+        </p:txBody>
+      </p:sp>
+      <p:sp>
+        <p:nvSpPr>
+          <p:cNvPr id="92" name="CustomShape 5"/>
           <p:cNvSpPr/>
           <p:nvPr/>
         </p:nvSpPr>
         <p:spPr>
           <a:xfrm>
             <a:off x="6074280" y="4365000"/>
-            <a:ext cx="1217160" cy="394920"/>
+            <a:ext cx="1216440" cy="394200"/>
           </a:xfrm>
           <a:prstGeom prst="rect">
             <a:avLst/>
@@ -10599,14 +10805,14 @@
                   <a:srgbClr val="ffffff"/>
                 </a:solidFill>
               </a:uFill>
-              <a:latin typeface="arial"/>
+              <a:latin typeface="Arial"/>
             </a:endParaRPr>
           </a:p>
         </p:txBody>
       </p:sp>
       <p:pic>
         <p:nvPicPr>
-          <p:cNvPr id="89" name="Picture 2" descr=""/>
+          <p:cNvPr id="93" name="Picture 2" descr=""/>
           <p:cNvPicPr/>
           <p:nvPr/>
         </p:nvPicPr>
@@ -10617,7 +10823,7 @@
         <p:spPr>
           <a:xfrm>
             <a:off x="5508000" y="4365000"/>
-            <a:ext cx="1203120" cy="1478160"/>
+            <a:ext cx="1202400" cy="1477440"/>
           </a:xfrm>
           <a:prstGeom prst="rect">
             <a:avLst/>
@@ -10678,14 +10884,14 @@
       </p:grpSpPr>
       <p:sp>
         <p:nvSpPr>
-          <p:cNvPr id="90" name="CustomShape 1"/>
+          <p:cNvPr id="94" name="CustomShape 1"/>
           <p:cNvSpPr/>
           <p:nvPr/>
         </p:nvSpPr>
         <p:spPr>
           <a:xfrm>
             <a:off x="457200" y="274680"/>
-            <a:ext cx="8228880" cy="1142280"/>
+            <a:ext cx="8228160" cy="1141560"/>
           </a:xfrm>
           <a:prstGeom prst="rect">
             <a:avLst/>
@@ -10720,6 +10926,7 @@
                   </a:solidFill>
                 </a:uFill>
                 <a:latin typeface="Calibri"/>
+                <a:ea typeface="DejaVu Sans"/>
               </a:rPr>
               <a:t>Channel</a:t>
             </a:r>
@@ -10732,21 +10939,21 @@
                   <a:srgbClr val="ffffff"/>
                 </a:solidFill>
               </a:uFill>
-              <a:latin typeface="arial"/>
-            </a:endParaRPr>
-          </a:p>
-        </p:txBody>
-      </p:sp>
-      <p:sp>
-        <p:nvSpPr>
-          <p:cNvPr id="91" name="CustomShape 2"/>
+              <a:latin typeface="Arial"/>
+            </a:endParaRPr>
+          </a:p>
+        </p:txBody>
+      </p:sp>
+      <p:sp>
+        <p:nvSpPr>
+          <p:cNvPr id="95" name="CustomShape 2"/>
           <p:cNvSpPr/>
           <p:nvPr/>
         </p:nvSpPr>
         <p:spPr>
           <a:xfrm>
             <a:off x="518760" y="3429000"/>
-            <a:ext cx="8228880" cy="2735640"/>
+            <a:ext cx="8228160" cy="2734920"/>
           </a:xfrm>
           <a:prstGeom prst="rect">
             <a:avLst/>
@@ -10765,7 +10972,7 @@
         <p:txBody>
           <a:bodyPr lIns="90000" rIns="90000" tIns="45000" bIns="45000"/>
           <a:p>
-            <a:pPr marL="343080" indent="-342360">
+            <a:pPr marL="343080" indent="-341640">
               <a:lnSpc>
                 <a:spcPct val="100000"/>
               </a:lnSpc>
@@ -10786,8 +10993,9 @@
                   </a:solidFill>
                 </a:uFill>
                 <a:latin typeface="Calibri"/>
+                <a:ea typeface="DejaVu Sans"/>
               </a:rPr>
-              <a:t>Desacopola produtores de consumidores</a:t>
+              <a:t>Decouples producers and consumers</a:t>
             </a:r>
             <a:endParaRPr b="0" lang="en-US" sz="1800" spc="-1" strike="noStrike">
               <a:solidFill>
@@ -10798,11 +11006,11 @@
                   <a:srgbClr val="ffffff"/>
                 </a:solidFill>
               </a:uFill>
-              <a:latin typeface="arial"/>
-            </a:endParaRPr>
-          </a:p>
-          <a:p>
-            <a:pPr marL="343080" indent="-342360">
+              <a:latin typeface="Arial"/>
+            </a:endParaRPr>
+          </a:p>
+          <a:p>
+            <a:pPr marL="343080" indent="-341640">
               <a:lnSpc>
                 <a:spcPct val="100000"/>
               </a:lnSpc>
@@ -10823,8 +11031,9 @@
                   </a:solidFill>
                 </a:uFill>
                 <a:latin typeface="Calibri"/>
+                <a:ea typeface="DejaVu Sans"/>
               </a:rPr>
-              <a:t>Pode ser: </a:t>
+              <a:t>Cannels can be: </a:t>
             </a:r>
             <a:endParaRPr b="0" lang="en-US" sz="1800" spc="-1" strike="noStrike">
               <a:solidFill>
@@ -10835,11 +11044,11 @@
                   <a:srgbClr val="ffffff"/>
                 </a:solidFill>
               </a:uFill>
-              <a:latin typeface="arial"/>
-            </a:endParaRPr>
-          </a:p>
-          <a:p>
-            <a:pPr marL="343080" indent="-342360">
+              <a:latin typeface="Arial"/>
+            </a:endParaRPr>
+          </a:p>
+          <a:p>
+            <a:pPr marL="343080" indent="-341640">
               <a:lnSpc>
                 <a:spcPct val="100000"/>
               </a:lnSpc>
@@ -10860,6 +11069,7 @@
                   </a:solidFill>
                 </a:uFill>
                 <a:latin typeface="Calibri"/>
+                <a:ea typeface="DejaVu Sans"/>
               </a:rPr>
               <a:t>- point-to-apoint</a:t>
             </a:r>
@@ -10872,11 +11082,11 @@
                   <a:srgbClr val="ffffff"/>
                 </a:solidFill>
               </a:uFill>
-              <a:latin typeface="arial"/>
-            </a:endParaRPr>
-          </a:p>
-          <a:p>
-            <a:pPr marL="343080" indent="-342360">
+              <a:latin typeface="Arial"/>
+            </a:endParaRPr>
+          </a:p>
+          <a:p>
+            <a:pPr marL="343080" indent="-341640">
               <a:lnSpc>
                 <a:spcPct val="100000"/>
               </a:lnSpc>
@@ -10897,6 +11107,7 @@
                   </a:solidFill>
                 </a:uFill>
                 <a:latin typeface="Calibri"/>
+                <a:ea typeface="DejaVu Sans"/>
               </a:rPr>
               <a:t>- publish-subscribe</a:t>
             </a:r>
@@ -10909,14 +11120,14 @@
                   <a:srgbClr val="ffffff"/>
                 </a:solidFill>
               </a:uFill>
-              <a:latin typeface="arial"/>
+              <a:latin typeface="Arial"/>
             </a:endParaRPr>
           </a:p>
         </p:txBody>
       </p:sp>
       <p:pic>
         <p:nvPicPr>
-          <p:cNvPr id="92" name="Picture 3" descr=""/>
+          <p:cNvPr id="96" name="Picture 3" descr=""/>
           <p:cNvPicPr/>
           <p:nvPr/>
         </p:nvPicPr>
@@ -10927,7 +11138,7 @@
         <p:spPr>
           <a:xfrm>
             <a:off x="4428000" y="5138640"/>
-            <a:ext cx="856440" cy="666000"/>
+            <a:ext cx="855720" cy="665280"/>
           </a:xfrm>
           <a:prstGeom prst="rect">
             <a:avLst/>
@@ -10939,7 +11150,7 @@
       </p:pic>
       <p:pic>
         <p:nvPicPr>
-          <p:cNvPr id="93" name="Picture 4" descr=""/>
+          <p:cNvPr id="97" name="Picture 4" descr=""/>
           <p:cNvPicPr/>
           <p:nvPr/>
         </p:nvPicPr>
@@ -10950,7 +11161,7 @@
         <p:spPr>
           <a:xfrm>
             <a:off x="4428000" y="4358880"/>
-            <a:ext cx="856440" cy="666000"/>
+            <a:ext cx="855720" cy="665280"/>
           </a:xfrm>
           <a:prstGeom prst="rect">
             <a:avLst/>
@@ -10962,14 +11173,14 @@
       </p:pic>
       <p:sp>
         <p:nvSpPr>
-          <p:cNvPr id="94" name="CustomShape 3"/>
+          <p:cNvPr id="98" name="CustomShape 3"/>
           <p:cNvSpPr/>
           <p:nvPr/>
         </p:nvSpPr>
         <p:spPr>
           <a:xfrm>
             <a:off x="5154840" y="4572000"/>
-            <a:ext cx="2721240" cy="364320"/>
+            <a:ext cx="2720520" cy="363600"/>
           </a:xfrm>
           <a:prstGeom prst="rect">
             <a:avLst/>
@@ -11017,21 +11228,21 @@
                   <a:srgbClr val="ffffff"/>
                 </a:solidFill>
               </a:uFill>
-              <a:latin typeface="arial"/>
-            </a:endParaRPr>
-          </a:p>
-        </p:txBody>
-      </p:sp>
-      <p:sp>
-        <p:nvSpPr>
-          <p:cNvPr id="95" name="CustomShape 4"/>
+              <a:latin typeface="Arial"/>
+            </a:endParaRPr>
+          </a:p>
+        </p:txBody>
+      </p:sp>
+      <p:sp>
+        <p:nvSpPr>
+          <p:cNvPr id="99" name="CustomShape 4"/>
           <p:cNvSpPr/>
           <p:nvPr/>
         </p:nvSpPr>
         <p:spPr>
           <a:xfrm>
             <a:off x="5095440" y="5229360"/>
-            <a:ext cx="3160080" cy="364320"/>
+            <a:ext cx="3159360" cy="363600"/>
           </a:xfrm>
           <a:prstGeom prst="rect">
             <a:avLst/>
@@ -11079,14 +11290,14 @@
                   <a:srgbClr val="ffffff"/>
                 </a:solidFill>
               </a:uFill>
-              <a:latin typeface="arial"/>
+              <a:latin typeface="Arial"/>
             </a:endParaRPr>
           </a:p>
         </p:txBody>
       </p:sp>
       <p:pic>
         <p:nvPicPr>
-          <p:cNvPr id="96" name="Picture 4" descr=""/>
+          <p:cNvPr id="100" name="Picture 4" descr=""/>
           <p:cNvPicPr/>
           <p:nvPr/>
         </p:nvPicPr>
@@ -11097,7 +11308,7 @@
         <p:spPr>
           <a:xfrm>
             <a:off x="3060000" y="1426320"/>
-            <a:ext cx="3023640" cy="1648440"/>
+            <a:ext cx="3022920" cy="1647720"/>
           </a:xfrm>
           <a:prstGeom prst="rect">
             <a:avLst/>
@@ -11109,14 +11320,14 @@
       </p:pic>
       <p:sp>
         <p:nvSpPr>
-          <p:cNvPr id="97" name="CustomShape 5"/>
+          <p:cNvPr id="101" name="CustomShape 5"/>
           <p:cNvSpPr/>
           <p:nvPr/>
         </p:nvSpPr>
         <p:spPr>
           <a:xfrm>
             <a:off x="567000" y="1982520"/>
-            <a:ext cx="1079280" cy="536400"/>
+            <a:ext cx="1078560" cy="535680"/>
           </a:xfrm>
           <a:prstGeom prst="rect">
             <a:avLst/>
@@ -11171,21 +11382,21 @@
                   <a:srgbClr val="ffffff"/>
                 </a:solidFill>
               </a:uFill>
-              <a:latin typeface="arial"/>
-            </a:endParaRPr>
-          </a:p>
-        </p:txBody>
-      </p:sp>
-      <p:sp>
-        <p:nvSpPr>
-          <p:cNvPr id="98" name="CustomShape 6"/>
+              <a:latin typeface="Arial"/>
+            </a:endParaRPr>
+          </a:p>
+        </p:txBody>
+      </p:sp>
+      <p:sp>
+        <p:nvSpPr>
+          <p:cNvPr id="102" name="CustomShape 6"/>
           <p:cNvSpPr/>
           <p:nvPr/>
         </p:nvSpPr>
         <p:spPr>
           <a:xfrm>
             <a:off x="7164360" y="1982520"/>
-            <a:ext cx="1372320" cy="536400"/>
+            <a:ext cx="1371600" cy="535680"/>
           </a:xfrm>
           <a:prstGeom prst="rect">
             <a:avLst/>
@@ -11240,21 +11451,21 @@
                   <a:srgbClr val="ffffff"/>
                 </a:solidFill>
               </a:uFill>
-              <a:latin typeface="arial"/>
-            </a:endParaRPr>
-          </a:p>
-        </p:txBody>
-      </p:sp>
-      <p:sp>
-        <p:nvSpPr>
-          <p:cNvPr id="99" name="CustomShape 7"/>
+              <a:latin typeface="Arial"/>
+            </a:endParaRPr>
+          </a:p>
+        </p:txBody>
+      </p:sp>
+      <p:sp>
+        <p:nvSpPr>
+          <p:cNvPr id="103" name="CustomShape 7"/>
           <p:cNvSpPr/>
           <p:nvPr/>
         </p:nvSpPr>
         <p:spPr>
           <a:xfrm>
             <a:off x="2051640" y="1815480"/>
-            <a:ext cx="1007280" cy="869760"/>
+            <a:ext cx="1006560" cy="869040"/>
           </a:xfrm>
           <a:prstGeom prst="ellipse">
             <a:avLst/>
@@ -11309,21 +11520,21 @@
                   <a:srgbClr val="ffffff"/>
                 </a:solidFill>
               </a:uFill>
-              <a:latin typeface="arial"/>
-            </a:endParaRPr>
-          </a:p>
-        </p:txBody>
-      </p:sp>
-      <p:sp>
-        <p:nvSpPr>
-          <p:cNvPr id="100" name="CustomShape 8"/>
+              <a:latin typeface="Arial"/>
+            </a:endParaRPr>
+          </a:p>
+        </p:txBody>
+      </p:sp>
+      <p:sp>
+        <p:nvSpPr>
+          <p:cNvPr id="104" name="CustomShape 8"/>
           <p:cNvSpPr/>
           <p:nvPr/>
         </p:nvSpPr>
         <p:spPr>
           <a:xfrm>
             <a:off x="5906520" y="1815480"/>
-            <a:ext cx="1007280" cy="869760"/>
+            <a:ext cx="1006560" cy="869040"/>
           </a:xfrm>
           <a:prstGeom prst="ellipse">
             <a:avLst/>
@@ -11378,21 +11589,21 @@
                   <a:srgbClr val="ffffff"/>
                 </a:solidFill>
               </a:uFill>
-              <a:latin typeface="arial"/>
-            </a:endParaRPr>
-          </a:p>
-        </p:txBody>
-      </p:sp>
-      <p:sp>
-        <p:nvSpPr>
-          <p:cNvPr id="101" name="CustomShape 9"/>
+              <a:latin typeface="Arial"/>
+            </a:endParaRPr>
+          </a:p>
+        </p:txBody>
+      </p:sp>
+      <p:sp>
+        <p:nvSpPr>
+          <p:cNvPr id="105" name="CustomShape 9"/>
           <p:cNvSpPr/>
           <p:nvPr/>
         </p:nvSpPr>
         <p:spPr>
           <a:xfrm>
             <a:off x="1647000" y="2251080"/>
-            <a:ext cx="403920" cy="360"/>
+            <a:ext cx="403200" cy="360"/>
           </a:xfrm>
           <a:custGeom>
             <a:avLst/>
@@ -11434,14 +11645,14 @@
       </p:sp>
       <p:sp>
         <p:nvSpPr>
-          <p:cNvPr id="102" name="CustomShape 10"/>
+          <p:cNvPr id="106" name="CustomShape 10"/>
           <p:cNvSpPr/>
           <p:nvPr/>
         </p:nvSpPr>
         <p:spPr>
           <a:xfrm>
             <a:off x="6914880" y="2251080"/>
-            <a:ext cx="248760" cy="360"/>
+            <a:ext cx="248040" cy="360"/>
           </a:xfrm>
           <a:custGeom>
             <a:avLst/>
@@ -11532,14 +11743,14 @@
       </p:grpSpPr>
       <p:sp>
         <p:nvSpPr>
-          <p:cNvPr id="103" name="CustomShape 1"/>
+          <p:cNvPr id="107" name="CustomShape 1"/>
           <p:cNvSpPr/>
           <p:nvPr/>
         </p:nvSpPr>
         <p:spPr>
           <a:xfrm>
             <a:off x="457200" y="274680"/>
-            <a:ext cx="8228880" cy="1142280"/>
+            <a:ext cx="8228160" cy="1141560"/>
           </a:xfrm>
           <a:prstGeom prst="rect">
             <a:avLst/>
@@ -11574,6 +11785,7 @@
                   </a:solidFill>
                 </a:uFill>
                 <a:latin typeface="Calibri"/>
+                <a:ea typeface="DejaVu Sans"/>
               </a:rPr>
               <a:t>Translator/ Transformer</a:t>
             </a:r>
@@ -11586,21 +11798,21 @@
                   <a:srgbClr val="ffffff"/>
                 </a:solidFill>
               </a:uFill>
-              <a:latin typeface="arial"/>
-            </a:endParaRPr>
-          </a:p>
-        </p:txBody>
-      </p:sp>
-      <p:sp>
-        <p:nvSpPr>
-          <p:cNvPr id="104" name="CustomShape 2"/>
+              <a:latin typeface="Arial"/>
+            </a:endParaRPr>
+          </a:p>
+        </p:txBody>
+      </p:sp>
+      <p:sp>
+        <p:nvSpPr>
+          <p:cNvPr id="108" name="CustomShape 2"/>
           <p:cNvSpPr/>
           <p:nvPr/>
         </p:nvSpPr>
         <p:spPr>
           <a:xfrm>
             <a:off x="539640" y="4005000"/>
-            <a:ext cx="8228880" cy="2548080"/>
+            <a:ext cx="8228160" cy="2547360"/>
           </a:xfrm>
           <a:prstGeom prst="rect">
             <a:avLst/>
@@ -11619,7 +11831,7 @@
         <p:txBody>
           <a:bodyPr lIns="90000" rIns="90000" tIns="45000" bIns="45000"/>
           <a:p>
-            <a:pPr marL="343080" indent="-342360">
+            <a:pPr marL="343080" indent="-341640">
               <a:lnSpc>
                 <a:spcPct val="100000"/>
               </a:lnSpc>
@@ -11640,8 +11852,9 @@
                   </a:solidFill>
                 </a:uFill>
                 <a:latin typeface="Calibri"/>
+                <a:ea typeface="DejaVu Sans"/>
               </a:rPr>
-              <a:t>Transformador de Payload – converte o tipo ou formato de uma mensagem</a:t>
+              <a:t>Payload Transformer – converts the message type or its format</a:t>
             </a:r>
             <a:endParaRPr b="0" lang="en-US" sz="1800" spc="-1" strike="noStrike">
               <a:solidFill>
@@ -11652,11 +11865,11 @@
                   <a:srgbClr val="ffffff"/>
                 </a:solidFill>
               </a:uFill>
-              <a:latin typeface="arial"/>
-            </a:endParaRPr>
-          </a:p>
-          <a:p>
-            <a:pPr marL="343080" indent="-342360">
+              <a:latin typeface="Arial"/>
+            </a:endParaRPr>
+          </a:p>
+          <a:p>
+            <a:pPr marL="343080" indent="-341640">
               <a:lnSpc>
                 <a:spcPct val="100000"/>
               </a:lnSpc>
@@ -11677,8 +11890,9 @@
                   </a:solidFill>
                 </a:uFill>
                 <a:latin typeface="Calibri"/>
+                <a:ea typeface="DejaVu Sans"/>
               </a:rPr>
-              <a:t>Transformador de Header – Adiciona ou remove headers</a:t>
+              <a:t>Header Transformer – Add or remove headers</a:t>
             </a:r>
             <a:endParaRPr b="0" lang="en-US" sz="1800" spc="-1" strike="noStrike">
               <a:solidFill>
@@ -11689,14 +11903,14 @@
                   <a:srgbClr val="ffffff"/>
                 </a:solidFill>
               </a:uFill>
-              <a:latin typeface="arial"/>
+              <a:latin typeface="Arial"/>
             </a:endParaRPr>
           </a:p>
         </p:txBody>
       </p:sp>
       <p:pic>
         <p:nvPicPr>
-          <p:cNvPr id="105" name="Picture 2" descr=""/>
+          <p:cNvPr id="109" name="Picture 2" descr=""/>
           <p:cNvPicPr/>
           <p:nvPr/>
         </p:nvPicPr>
@@ -11707,7 +11921,7 @@
         <p:spPr>
           <a:xfrm>
             <a:off x="2843640" y="1700640"/>
-            <a:ext cx="3311640" cy="1999440"/>
+            <a:ext cx="3310920" cy="1998720"/>
           </a:xfrm>
           <a:prstGeom prst="rect">
             <a:avLst/>
@@ -11719,14 +11933,14 @@
       </p:pic>
       <p:sp>
         <p:nvSpPr>
-          <p:cNvPr id="106" name="CustomShape 3"/>
+          <p:cNvPr id="110" name="CustomShape 3"/>
           <p:cNvSpPr/>
           <p:nvPr/>
         </p:nvSpPr>
         <p:spPr>
           <a:xfrm>
             <a:off x="1259640" y="2265840"/>
-            <a:ext cx="1007280" cy="869760"/>
+            <a:ext cx="1006560" cy="869040"/>
           </a:xfrm>
           <a:prstGeom prst="ellipse">
             <a:avLst/>
@@ -11781,21 +11995,21 @@
                   <a:srgbClr val="ffffff"/>
                 </a:solidFill>
               </a:uFill>
-              <a:latin typeface="arial"/>
-            </a:endParaRPr>
-          </a:p>
-        </p:txBody>
-      </p:sp>
-      <p:sp>
-        <p:nvSpPr>
-          <p:cNvPr id="107" name="CustomShape 4"/>
+              <a:latin typeface="Arial"/>
+            </a:endParaRPr>
+          </a:p>
+        </p:txBody>
+      </p:sp>
+      <p:sp>
+        <p:nvSpPr>
+          <p:cNvPr id="111" name="CustomShape 4"/>
           <p:cNvSpPr/>
           <p:nvPr/>
         </p:nvSpPr>
         <p:spPr>
           <a:xfrm>
             <a:off x="6804360" y="2265840"/>
-            <a:ext cx="1007280" cy="869760"/>
+            <a:ext cx="1006560" cy="869040"/>
           </a:xfrm>
           <a:prstGeom prst="ellipse">
             <a:avLst/>
@@ -11865,21 +12079,21 @@
                   <a:srgbClr val="ffffff"/>
                 </a:solidFill>
               </a:uFill>
-              <a:latin typeface="arial"/>
-            </a:endParaRPr>
-          </a:p>
-        </p:txBody>
-      </p:sp>
-      <p:sp>
-        <p:nvSpPr>
-          <p:cNvPr id="108" name="CustomShape 5"/>
+              <a:latin typeface="Arial"/>
+            </a:endParaRPr>
+          </a:p>
+        </p:txBody>
+      </p:sp>
+      <p:sp>
+        <p:nvSpPr>
+          <p:cNvPr id="112" name="CustomShape 5"/>
           <p:cNvSpPr/>
           <p:nvPr/>
         </p:nvSpPr>
         <p:spPr>
           <a:xfrm>
             <a:off x="2267640" y="2701080"/>
-            <a:ext cx="575280" cy="360"/>
+            <a:ext cx="574560" cy="360"/>
           </a:xfrm>
           <a:custGeom>
             <a:avLst/>
@@ -11921,14 +12135,14 @@
       </p:sp>
       <p:sp>
         <p:nvSpPr>
-          <p:cNvPr id="109" name="CustomShape 6"/>
+          <p:cNvPr id="113" name="CustomShape 6"/>
           <p:cNvSpPr/>
           <p:nvPr/>
         </p:nvSpPr>
         <p:spPr>
           <a:xfrm>
             <a:off x="6156000" y="2701080"/>
-            <a:ext cx="647280" cy="360"/>
+            <a:ext cx="646560" cy="360"/>
           </a:xfrm>
           <a:custGeom>
             <a:avLst/>
@@ -12019,14 +12233,14 @@
       </p:grpSpPr>
       <p:sp>
         <p:nvSpPr>
-          <p:cNvPr id="110" name="CustomShape 1"/>
+          <p:cNvPr id="114" name="CustomShape 1"/>
           <p:cNvSpPr/>
           <p:nvPr/>
         </p:nvSpPr>
         <p:spPr>
           <a:xfrm>
             <a:off x="1619640" y="1917000"/>
-            <a:ext cx="1166760" cy="1007280"/>
+            <a:ext cx="1166040" cy="1006560"/>
           </a:xfrm>
           <a:prstGeom prst="ellipse">
             <a:avLst/>
@@ -12052,14 +12266,14 @@
       </p:sp>
       <p:sp>
         <p:nvSpPr>
-          <p:cNvPr id="111" name="CustomShape 2"/>
+          <p:cNvPr id="115" name="CustomShape 2"/>
           <p:cNvSpPr/>
           <p:nvPr/>
         </p:nvSpPr>
         <p:spPr>
           <a:xfrm>
             <a:off x="6140880" y="1917000"/>
-            <a:ext cx="1166760" cy="1007280"/>
+            <a:ext cx="1166040" cy="1006560"/>
           </a:xfrm>
           <a:prstGeom prst="ellipse">
             <a:avLst/>
@@ -12085,14 +12299,14 @@
       </p:sp>
       <p:sp>
         <p:nvSpPr>
-          <p:cNvPr id="112" name="CustomShape 3"/>
+          <p:cNvPr id="116" name="CustomShape 3"/>
           <p:cNvSpPr/>
           <p:nvPr/>
         </p:nvSpPr>
         <p:spPr>
           <a:xfrm>
             <a:off x="457200" y="274680"/>
-            <a:ext cx="8228880" cy="1142280"/>
+            <a:ext cx="8228160" cy="1141560"/>
           </a:xfrm>
           <a:prstGeom prst="rect">
             <a:avLst/>
@@ -12127,6 +12341,7 @@
                   </a:solidFill>
                 </a:uFill>
                 <a:latin typeface="Calibri"/>
+                <a:ea typeface="DejaVu Sans"/>
               </a:rPr>
               <a:t>Header Enricher</a:t>
             </a:r>
@@ -12139,21 +12354,21 @@
                   <a:srgbClr val="ffffff"/>
                 </a:solidFill>
               </a:uFill>
-              <a:latin typeface="arial"/>
-            </a:endParaRPr>
-          </a:p>
-        </p:txBody>
-      </p:sp>
-      <p:sp>
-        <p:nvSpPr>
-          <p:cNvPr id="113" name="CustomShape 4"/>
+              <a:latin typeface="Arial"/>
+            </a:endParaRPr>
+          </a:p>
+        </p:txBody>
+      </p:sp>
+      <p:sp>
+        <p:nvSpPr>
+          <p:cNvPr id="117" name="CustomShape 4"/>
           <p:cNvSpPr/>
           <p:nvPr/>
         </p:nvSpPr>
         <p:spPr>
           <a:xfrm>
             <a:off x="395640" y="3861000"/>
-            <a:ext cx="8228880" cy="2260080"/>
+            <a:ext cx="8228160" cy="2259360"/>
           </a:xfrm>
           <a:prstGeom prst="rect">
             <a:avLst/>
@@ -12172,7 +12387,7 @@
         <p:txBody>
           <a:bodyPr lIns="90000" rIns="90000" tIns="45000" bIns="45000"/>
           <a:p>
-            <a:pPr marL="343080" indent="-342360">
+            <a:pPr marL="343080" indent="-341640">
               <a:lnSpc>
                 <a:spcPct val="100000"/>
               </a:lnSpc>
@@ -12193,8 +12408,9 @@
                   </a:solidFill>
                 </a:uFill>
                 <a:latin typeface="Calibri"/>
+                <a:ea typeface="DejaVu Sans"/>
               </a:rPr>
-              <a:t>Um transformer especializado para acrescentar à mensagem informação em falta</a:t>
+              <a:t>A specialized transformer to add missing data to a message</a:t>
             </a:r>
             <a:endParaRPr b="0" lang="en-US" sz="1800" spc="-1" strike="noStrike">
               <a:solidFill>
@@ -12205,14 +12421,14 @@
                   <a:srgbClr val="ffffff"/>
                 </a:solidFill>
               </a:uFill>
-              <a:latin typeface="arial"/>
+              <a:latin typeface="Arial"/>
             </a:endParaRPr>
           </a:p>
         </p:txBody>
       </p:sp>
       <p:pic>
         <p:nvPicPr>
-          <p:cNvPr id="114" name="Picture 2" descr=""/>
+          <p:cNvPr id="118" name="Picture 2" descr=""/>
           <p:cNvPicPr/>
           <p:nvPr/>
         </p:nvPicPr>
@@ -12223,7 +12439,7 @@
         <p:spPr>
           <a:xfrm>
             <a:off x="3276000" y="1484640"/>
-            <a:ext cx="2406240" cy="1871640"/>
+            <a:ext cx="2405520" cy="1870920"/>
           </a:xfrm>
           <a:prstGeom prst="rect">
             <a:avLst/>
@@ -12235,7 +12451,7 @@
       </p:pic>
       <p:pic>
         <p:nvPicPr>
-          <p:cNvPr id="115" name="Picture 3" descr=""/>
+          <p:cNvPr id="119" name="Picture 3" descr=""/>
           <p:cNvPicPr/>
           <p:nvPr/>
         </p:nvPicPr>
@@ -12246,7 +12462,7 @@
         <p:spPr>
           <a:xfrm>
             <a:off x="2030760" y="2106000"/>
-            <a:ext cx="443880" cy="545400"/>
+            <a:ext cx="443160" cy="544680"/>
           </a:xfrm>
           <a:prstGeom prst="rect">
             <a:avLst/>
@@ -12258,7 +12474,7 @@
       </p:pic>
       <p:pic>
         <p:nvPicPr>
-          <p:cNvPr id="116" name="Picture 4" descr=""/>
+          <p:cNvPr id="120" name="Picture 4" descr=""/>
           <p:cNvPicPr/>
           <p:nvPr/>
         </p:nvPicPr>
@@ -12269,7 +12485,7 @@
         <p:spPr>
           <a:xfrm>
             <a:off x="6503760" y="1947240"/>
-            <a:ext cx="456480" cy="862920"/>
+            <a:ext cx="455760" cy="862200"/>
           </a:xfrm>
           <a:prstGeom prst="rect">
             <a:avLst/>
@@ -12281,14 +12497,14 @@
       </p:pic>
       <p:sp>
         <p:nvSpPr>
-          <p:cNvPr id="117" name="CustomShape 5"/>
+          <p:cNvPr id="121" name="CustomShape 5"/>
           <p:cNvSpPr/>
           <p:nvPr/>
         </p:nvSpPr>
         <p:spPr>
           <a:xfrm>
             <a:off x="2787120" y="2421000"/>
-            <a:ext cx="488160" cy="360"/>
+            <a:ext cx="487440" cy="360"/>
           </a:xfrm>
           <a:custGeom>
             <a:avLst/>
@@ -12334,14 +12550,14 @@
       </p:sp>
       <p:sp>
         <p:nvSpPr>
-          <p:cNvPr id="118" name="CustomShape 6"/>
+          <p:cNvPr id="122" name="CustomShape 6"/>
           <p:cNvSpPr/>
           <p:nvPr/>
         </p:nvSpPr>
         <p:spPr>
           <a:xfrm>
             <a:off x="5682960" y="2421000"/>
-            <a:ext cx="457200" cy="360"/>
+            <a:ext cx="456480" cy="360"/>
           </a:xfrm>
           <a:custGeom>
             <a:avLst/>
@@ -12436,14 +12652,14 @@
       </p:grpSpPr>
       <p:sp>
         <p:nvSpPr>
-          <p:cNvPr id="119" name="CustomShape 1"/>
+          <p:cNvPr id="123" name="CustomShape 1"/>
           <p:cNvSpPr/>
           <p:nvPr/>
         </p:nvSpPr>
         <p:spPr>
           <a:xfrm>
             <a:off x="457200" y="274680"/>
-            <a:ext cx="8228880" cy="1142280"/>
+            <a:ext cx="8228160" cy="1141560"/>
           </a:xfrm>
           <a:prstGeom prst="rect">
             <a:avLst/>
@@ -12478,6 +12694,7 @@
                   </a:solidFill>
                 </a:uFill>
                 <a:latin typeface="Calibri"/>
+                <a:ea typeface="DejaVu Sans"/>
               </a:rPr>
               <a:t>Splitter &amp; Aggregator</a:t>
             </a:r>
@@ -12490,21 +12707,21 @@
                   <a:srgbClr val="ffffff"/>
                 </a:solidFill>
               </a:uFill>
-              <a:latin typeface="arial"/>
-            </a:endParaRPr>
-          </a:p>
-        </p:txBody>
-      </p:sp>
-      <p:sp>
-        <p:nvSpPr>
-          <p:cNvPr id="120" name="CustomShape 2"/>
+              <a:latin typeface="Arial"/>
+            </a:endParaRPr>
+          </a:p>
+        </p:txBody>
+      </p:sp>
+      <p:sp>
+        <p:nvSpPr>
+          <p:cNvPr id="124" name="CustomShape 2"/>
           <p:cNvSpPr/>
           <p:nvPr/>
         </p:nvSpPr>
         <p:spPr>
           <a:xfrm>
             <a:off x="457200" y="3972240"/>
-            <a:ext cx="8228880" cy="2336400"/>
+            <a:ext cx="8228160" cy="2335680"/>
           </a:xfrm>
           <a:prstGeom prst="rect">
             <a:avLst/>
@@ -12523,7 +12740,7 @@
         <p:txBody>
           <a:bodyPr lIns="90000" rIns="90000" tIns="45000" bIns="45000"/>
           <a:p>
-            <a:pPr marL="343080" indent="-342360">
+            <a:pPr marL="343080" indent="-341640">
               <a:lnSpc>
                 <a:spcPct val="100000"/>
               </a:lnSpc>
@@ -12544,8 +12761,9 @@
                   </a:solidFill>
                 </a:uFill>
                 <a:latin typeface="Calibri"/>
+                <a:ea typeface="DejaVu Sans"/>
               </a:rPr>
-              <a:t>Divide mensagens grandes em sub-mensagens</a:t>
+              <a:t>Splits large messages into sub-messages</a:t>
             </a:r>
             <a:endParaRPr b="0" lang="en-US" sz="1800" spc="-1" strike="noStrike">
               <a:solidFill>
@@ -12556,11 +12774,11 @@
                   <a:srgbClr val="ffffff"/>
                 </a:solidFill>
               </a:uFill>
-              <a:latin typeface="arial"/>
-            </a:endParaRPr>
-          </a:p>
-          <a:p>
-            <a:pPr marL="343080" indent="-342360">
+              <a:latin typeface="Arial"/>
+            </a:endParaRPr>
+          </a:p>
+          <a:p>
+            <a:pPr marL="343080" indent="-341640">
               <a:lnSpc>
                 <a:spcPct val="100000"/>
               </a:lnSpc>
@@ -12581,8 +12799,9 @@
                   </a:solidFill>
                 </a:uFill>
                 <a:latin typeface="Calibri"/>
+                <a:ea typeface="DejaVu Sans"/>
               </a:rPr>
-              <a:t>Delega em varios endpoints como necessário</a:t>
+              <a:t>Delegates to several endpoints as needed</a:t>
             </a:r>
             <a:endParaRPr b="0" lang="en-US" sz="1800" spc="-1" strike="noStrike">
               <a:solidFill>
@@ -12593,11 +12812,11 @@
                   <a:srgbClr val="ffffff"/>
                 </a:solidFill>
               </a:uFill>
-              <a:latin typeface="arial"/>
-            </a:endParaRPr>
-          </a:p>
-          <a:p>
-            <a:pPr marL="343080" indent="-342360">
+              <a:latin typeface="Arial"/>
+            </a:endParaRPr>
+          </a:p>
+          <a:p>
+            <a:pPr marL="343080" indent="-341640">
               <a:lnSpc>
                 <a:spcPct val="100000"/>
               </a:lnSpc>
@@ -12618,8 +12837,9 @@
                   </a:solidFill>
                 </a:uFill>
                 <a:latin typeface="Calibri"/>
+                <a:ea typeface="DejaVu Sans"/>
               </a:rPr>
-              <a:t>Recombina mensagens de resposta assíncronas</a:t>
+              <a:t>Aggregates messages from asynchronous responses</a:t>
             </a:r>
             <a:endParaRPr b="0" lang="en-US" sz="1800" spc="-1" strike="noStrike">
               <a:solidFill>
@@ -12630,21 +12850,21 @@
                   <a:srgbClr val="ffffff"/>
                 </a:solidFill>
               </a:uFill>
-              <a:latin typeface="arial"/>
-            </a:endParaRPr>
-          </a:p>
-        </p:txBody>
-      </p:sp>
-      <p:sp>
-        <p:nvSpPr>
-          <p:cNvPr id="121" name="CustomShape 3"/>
+              <a:latin typeface="Arial"/>
+            </a:endParaRPr>
+          </a:p>
+        </p:txBody>
+      </p:sp>
+      <p:sp>
+        <p:nvSpPr>
+          <p:cNvPr id="125" name="CustomShape 3"/>
           <p:cNvSpPr/>
           <p:nvPr/>
         </p:nvSpPr>
         <p:spPr>
           <a:xfrm>
             <a:off x="179640" y="1926360"/>
-            <a:ext cx="1439280" cy="1074600"/>
+            <a:ext cx="1438560" cy="1073880"/>
           </a:xfrm>
           <a:prstGeom prst="ellipse">
             <a:avLst/>
@@ -12699,21 +12919,21 @@
                   <a:srgbClr val="ffffff"/>
                 </a:solidFill>
               </a:uFill>
-              <a:latin typeface="arial"/>
-            </a:endParaRPr>
-          </a:p>
-        </p:txBody>
-      </p:sp>
-      <p:sp>
-        <p:nvSpPr>
-          <p:cNvPr id="122" name="CustomShape 4"/>
+              <a:latin typeface="Arial"/>
+            </a:endParaRPr>
+          </a:p>
+        </p:txBody>
+      </p:sp>
+      <p:sp>
+        <p:nvSpPr>
+          <p:cNvPr id="126" name="CustomShape 4"/>
           <p:cNvSpPr/>
           <p:nvPr/>
         </p:nvSpPr>
         <p:spPr>
           <a:xfrm>
             <a:off x="7524360" y="1926360"/>
-            <a:ext cx="1439280" cy="1074600"/>
+            <a:ext cx="1438560" cy="1073880"/>
           </a:xfrm>
           <a:prstGeom prst="ellipse">
             <a:avLst/>
@@ -12768,21 +12988,21 @@
                   <a:srgbClr val="ffffff"/>
                 </a:solidFill>
               </a:uFill>
-              <a:latin typeface="arial"/>
-            </a:endParaRPr>
-          </a:p>
-        </p:txBody>
-      </p:sp>
-      <p:sp>
-        <p:nvSpPr>
-          <p:cNvPr id="123" name="CustomShape 5"/>
+              <a:latin typeface="Arial"/>
+            </a:endParaRPr>
+          </a:p>
+        </p:txBody>
+      </p:sp>
+      <p:sp>
+        <p:nvSpPr>
+          <p:cNvPr id="127" name="CustomShape 5"/>
           <p:cNvSpPr/>
           <p:nvPr/>
         </p:nvSpPr>
         <p:spPr>
           <a:xfrm>
             <a:off x="3636000" y="1484640"/>
-            <a:ext cx="863280" cy="581760"/>
+            <a:ext cx="862560" cy="581040"/>
           </a:xfrm>
           <a:prstGeom prst="ellipse">
             <a:avLst/>
@@ -12837,14 +13057,14 @@
                   <a:srgbClr val="ffffff"/>
                 </a:solidFill>
               </a:uFill>
-              <a:latin typeface="arial"/>
+              <a:latin typeface="Arial"/>
             </a:endParaRPr>
           </a:p>
         </p:txBody>
       </p:sp>
       <p:pic>
         <p:nvPicPr>
-          <p:cNvPr id="124" name="Picture 2" descr=""/>
+          <p:cNvPr id="128" name="Picture 2" descr=""/>
           <p:cNvPicPr/>
           <p:nvPr/>
         </p:nvPicPr>
@@ -12855,7 +13075,7 @@
         <p:spPr>
           <a:xfrm>
             <a:off x="1331640" y="1707840"/>
-            <a:ext cx="1943640" cy="1511280"/>
+            <a:ext cx="1942920" cy="1510560"/>
           </a:xfrm>
           <a:prstGeom prst="rect">
             <a:avLst/>
@@ -12867,7 +13087,7 @@
       </p:pic>
       <p:pic>
         <p:nvPicPr>
-          <p:cNvPr id="125" name="Picture 2" descr=""/>
+          <p:cNvPr id="129" name="Picture 2" descr=""/>
           <p:cNvPicPr/>
           <p:nvPr/>
         </p:nvPicPr>
@@ -12878,7 +13098,7 @@
         <p:spPr>
           <a:xfrm>
             <a:off x="5940000" y="1723680"/>
-            <a:ext cx="1902600" cy="1479600"/>
+            <a:ext cx="1901880" cy="1478880"/>
           </a:xfrm>
           <a:prstGeom prst="rect">
             <a:avLst/>
@@ -12890,14 +13110,14 @@
       </p:pic>
       <p:sp>
         <p:nvSpPr>
-          <p:cNvPr id="126" name="CustomShape 6"/>
+          <p:cNvPr id="130" name="CustomShape 6"/>
           <p:cNvSpPr/>
           <p:nvPr/>
         </p:nvSpPr>
         <p:spPr>
           <a:xfrm>
             <a:off x="3636000" y="2172600"/>
-            <a:ext cx="863280" cy="581760"/>
+            <a:ext cx="862560" cy="581040"/>
           </a:xfrm>
           <a:prstGeom prst="ellipse">
             <a:avLst/>
@@ -12952,21 +13172,21 @@
                   <a:srgbClr val="ffffff"/>
                 </a:solidFill>
               </a:uFill>
-              <a:latin typeface="arial"/>
-            </a:endParaRPr>
-          </a:p>
-        </p:txBody>
-      </p:sp>
-      <p:sp>
-        <p:nvSpPr>
-          <p:cNvPr id="127" name="CustomShape 7"/>
+              <a:latin typeface="Arial"/>
+            </a:endParaRPr>
+          </a:p>
+        </p:txBody>
+      </p:sp>
+      <p:sp>
+        <p:nvSpPr>
+          <p:cNvPr id="131" name="CustomShape 7"/>
           <p:cNvSpPr/>
           <p:nvPr/>
         </p:nvSpPr>
         <p:spPr>
           <a:xfrm>
             <a:off x="3636000" y="2846520"/>
-            <a:ext cx="863280" cy="581760"/>
+            <a:ext cx="862560" cy="581040"/>
           </a:xfrm>
           <a:prstGeom prst="ellipse">
             <a:avLst/>
@@ -13021,21 +13241,21 @@
                   <a:srgbClr val="ffffff"/>
                 </a:solidFill>
               </a:uFill>
-              <a:latin typeface="arial"/>
-            </a:endParaRPr>
-          </a:p>
-        </p:txBody>
-      </p:sp>
-      <p:sp>
-        <p:nvSpPr>
-          <p:cNvPr id="128" name="CustomShape 8"/>
+              <a:latin typeface="Arial"/>
+            </a:endParaRPr>
+          </a:p>
+        </p:txBody>
+      </p:sp>
+      <p:sp>
+        <p:nvSpPr>
+          <p:cNvPr id="132" name="CustomShape 8"/>
           <p:cNvSpPr/>
           <p:nvPr/>
         </p:nvSpPr>
         <p:spPr>
           <a:xfrm>
             <a:off x="4788000" y="1484640"/>
-            <a:ext cx="863280" cy="581760"/>
+            <a:ext cx="862560" cy="581040"/>
           </a:xfrm>
           <a:prstGeom prst="ellipse">
             <a:avLst/>
@@ -13090,21 +13310,21 @@
                   <a:srgbClr val="ffffff"/>
                 </a:solidFill>
               </a:uFill>
-              <a:latin typeface="arial"/>
-            </a:endParaRPr>
-          </a:p>
-        </p:txBody>
-      </p:sp>
-      <p:sp>
-        <p:nvSpPr>
-          <p:cNvPr id="129" name="CustomShape 9"/>
+              <a:latin typeface="Arial"/>
+            </a:endParaRPr>
+          </a:p>
+        </p:txBody>
+      </p:sp>
+      <p:sp>
+        <p:nvSpPr>
+          <p:cNvPr id="133" name="CustomShape 9"/>
           <p:cNvSpPr/>
           <p:nvPr/>
         </p:nvSpPr>
         <p:spPr>
           <a:xfrm>
             <a:off x="4788000" y="2172600"/>
-            <a:ext cx="863280" cy="581760"/>
+            <a:ext cx="862560" cy="581040"/>
           </a:xfrm>
           <a:prstGeom prst="ellipse">
             <a:avLst/>
@@ -13159,21 +13379,21 @@
                   <a:srgbClr val="ffffff"/>
                 </a:solidFill>
               </a:uFill>
-              <a:latin typeface="arial"/>
-            </a:endParaRPr>
-          </a:p>
-        </p:txBody>
-      </p:sp>
-      <p:sp>
-        <p:nvSpPr>
-          <p:cNvPr id="130" name="CustomShape 10"/>
+              <a:latin typeface="Arial"/>
+            </a:endParaRPr>
+          </a:p>
+        </p:txBody>
+      </p:sp>
+      <p:sp>
+        <p:nvSpPr>
+          <p:cNvPr id="134" name="CustomShape 10"/>
           <p:cNvSpPr/>
           <p:nvPr/>
         </p:nvSpPr>
         <p:spPr>
           <a:xfrm>
             <a:off x="4788000" y="2846520"/>
-            <a:ext cx="863280" cy="581760"/>
+            <a:ext cx="862560" cy="581040"/>
           </a:xfrm>
           <a:prstGeom prst="ellipse">
             <a:avLst/>
@@ -13228,21 +13448,21 @@
                   <a:srgbClr val="ffffff"/>
                 </a:solidFill>
               </a:uFill>
-              <a:latin typeface="arial"/>
-            </a:endParaRPr>
-          </a:p>
-        </p:txBody>
-      </p:sp>
-      <p:sp>
-        <p:nvSpPr>
-          <p:cNvPr id="131" name="CustomShape 11"/>
+              <a:latin typeface="Arial"/>
+            </a:endParaRPr>
+          </a:p>
+        </p:txBody>
+      </p:sp>
+      <p:sp>
+        <p:nvSpPr>
+          <p:cNvPr id="135" name="CustomShape 11"/>
           <p:cNvSpPr/>
           <p:nvPr/>
         </p:nvSpPr>
         <p:spPr>
           <a:xfrm flipV="1">
-            <a:off x="3276000" y="1775160"/>
-            <a:ext cx="359280" cy="687240"/>
+            <a:off x="3276000" y="1774440"/>
+            <a:ext cx="358560" cy="686520"/>
           </a:xfrm>
           <a:custGeom>
             <a:avLst/>
@@ -13284,14 +13504,14 @@
       </p:sp>
       <p:sp>
         <p:nvSpPr>
-          <p:cNvPr id="132" name="CustomShape 12"/>
+          <p:cNvPr id="136" name="CustomShape 12"/>
           <p:cNvSpPr/>
           <p:nvPr/>
         </p:nvSpPr>
         <p:spPr>
           <a:xfrm>
             <a:off x="3276000" y="2463840"/>
-            <a:ext cx="359280" cy="360"/>
+            <a:ext cx="358560" cy="360"/>
           </a:xfrm>
           <a:custGeom>
             <a:avLst/>
@@ -13333,14 +13553,14 @@
       </p:sp>
       <p:sp>
         <p:nvSpPr>
-          <p:cNvPr id="133" name="CustomShape 13"/>
+          <p:cNvPr id="137" name="CustomShape 13"/>
           <p:cNvSpPr/>
           <p:nvPr/>
         </p:nvSpPr>
         <p:spPr>
           <a:xfrm>
             <a:off x="3276000" y="2463840"/>
-            <a:ext cx="359280" cy="673200"/>
+            <a:ext cx="358560" cy="672480"/>
           </a:xfrm>
           <a:custGeom>
             <a:avLst/>
@@ -13382,14 +13602,14 @@
       </p:sp>
       <p:sp>
         <p:nvSpPr>
-          <p:cNvPr id="134" name="CustomShape 14"/>
+          <p:cNvPr id="138" name="CustomShape 14"/>
           <p:cNvSpPr/>
           <p:nvPr/>
         </p:nvSpPr>
         <p:spPr>
           <a:xfrm>
             <a:off x="5652000" y="2463840"/>
-            <a:ext cx="287280" cy="360"/>
+            <a:ext cx="286560" cy="360"/>
           </a:xfrm>
           <a:custGeom>
             <a:avLst/>
@@ -13431,14 +13651,14 @@
       </p:sp>
       <p:sp>
         <p:nvSpPr>
-          <p:cNvPr id="135" name="CustomShape 15"/>
+          <p:cNvPr id="139" name="CustomShape 15"/>
           <p:cNvSpPr/>
           <p:nvPr/>
         </p:nvSpPr>
         <p:spPr>
           <a:xfrm>
             <a:off x="5652000" y="1775880"/>
-            <a:ext cx="287280" cy="687240"/>
+            <a:ext cx="286560" cy="686520"/>
           </a:xfrm>
           <a:custGeom>
             <a:avLst/>
@@ -13480,14 +13700,14 @@
       </p:sp>
       <p:sp>
         <p:nvSpPr>
-          <p:cNvPr id="136" name="CustomShape 16"/>
+          <p:cNvPr id="140" name="CustomShape 16"/>
           <p:cNvSpPr/>
           <p:nvPr/>
         </p:nvSpPr>
         <p:spPr>
           <a:xfrm flipV="1">
-            <a:off x="5652000" y="2463120"/>
-            <a:ext cx="287280" cy="673200"/>
+            <a:off x="5652000" y="2462400"/>
+            <a:ext cx="286560" cy="672480"/>
           </a:xfrm>
           <a:custGeom>
             <a:avLst/>
@@ -13529,7 +13749,7 @@
       </p:sp>
       <p:sp>
         <p:nvSpPr>
-          <p:cNvPr id="137" name="Line 17"/>
+          <p:cNvPr id="141" name="Line 17"/>
           <p:cNvSpPr/>
           <p:nvPr/>
         </p:nvSpPr>
@@ -13615,14 +13835,14 @@
       </p:grpSpPr>
       <p:sp>
         <p:nvSpPr>
-          <p:cNvPr id="138" name="CustomShape 1"/>
+          <p:cNvPr id="142" name="CustomShape 1"/>
           <p:cNvSpPr/>
           <p:nvPr/>
         </p:nvSpPr>
         <p:spPr>
           <a:xfrm>
             <a:off x="457200" y="274680"/>
-            <a:ext cx="8228880" cy="1142280"/>
+            <a:ext cx="8228160" cy="1141560"/>
           </a:xfrm>
           <a:prstGeom prst="rect">
             <a:avLst/>
@@ -13657,6 +13877,7 @@
                   </a:solidFill>
                 </a:uFill>
                 <a:latin typeface="Calibri"/>
+                <a:ea typeface="DejaVu Sans"/>
               </a:rPr>
               <a:t>Router</a:t>
             </a:r>
@@ -13669,21 +13890,21 @@
                   <a:srgbClr val="ffffff"/>
                 </a:solidFill>
               </a:uFill>
-              <a:latin typeface="arial"/>
-            </a:endParaRPr>
-          </a:p>
-        </p:txBody>
-      </p:sp>
-      <p:sp>
-        <p:nvSpPr>
-          <p:cNvPr id="139" name="CustomShape 2"/>
+              <a:latin typeface="Arial"/>
+            </a:endParaRPr>
+          </a:p>
+        </p:txBody>
+      </p:sp>
+      <p:sp>
+        <p:nvSpPr>
+          <p:cNvPr id="143" name="CustomShape 2"/>
           <p:cNvSpPr/>
           <p:nvPr/>
         </p:nvSpPr>
         <p:spPr>
           <a:xfrm>
             <a:off x="457200" y="4149000"/>
-            <a:ext cx="8228880" cy="1976400"/>
+            <a:ext cx="8228160" cy="1975680"/>
           </a:xfrm>
           <a:prstGeom prst="rect">
             <a:avLst/>
@@ -13713,8 +13934,9 @@
                   </a:solidFill>
                 </a:uFill>
                 <a:latin typeface="Calibri"/>
+                <a:ea typeface="DejaVu Sans"/>
               </a:rPr>
-              <a:t>Determina o “target channel” através de:</a:t>
+              <a:t>Determines the target channel from:</a:t>
             </a:r>
             <a:endParaRPr b="0" lang="en-US" sz="1800" spc="-1" strike="noStrike">
               <a:solidFill>
@@ -13725,7 +13947,7 @@
                   <a:srgbClr val="ffffff"/>
                 </a:solidFill>
               </a:uFill>
-              <a:latin typeface="arial"/>
+              <a:latin typeface="Arial"/>
             </a:endParaRPr>
           </a:p>
           <a:p>
@@ -13740,8 +13962,9 @@
                   </a:solidFill>
                 </a:uFill>
                 <a:latin typeface="Calibri"/>
+                <a:ea typeface="DejaVu Sans"/>
               </a:rPr>
-              <a:t>- Valor de uma propriedade de um Header</a:t>
+              <a:t>- A header property value</a:t>
             </a:r>
             <a:endParaRPr b="0" lang="en-US" sz="1800" spc="-1" strike="noStrike">
               <a:solidFill>
@@ -13752,10 +13975,15 @@
                   <a:srgbClr val="ffffff"/>
                 </a:solidFill>
               </a:uFill>
-              <a:latin typeface="arial"/>
-            </a:endParaRPr>
-          </a:p>
-          <a:p>
+              <a:latin typeface="Arial"/>
+            </a:endParaRPr>
+          </a:p>
+          <a:p>
+            <a:pPr>
+              <a:lnSpc>
+                <a:spcPct val="100000"/>
+              </a:lnSpc>
+            </a:pPr>
             <a:r>
               <a:rPr b="0" lang="en-US" sz="3200" spc="-1" strike="noStrike">
                 <a:solidFill>
@@ -13767,8 +13995,9 @@
                   </a:solidFill>
                 </a:uFill>
                 <a:latin typeface="Calibri"/>
+                <a:ea typeface="DejaVu Sans"/>
               </a:rPr>
-              <a:t>- Tipo de payload</a:t>
+              <a:t>- The type of payload</a:t>
             </a:r>
             <a:endParaRPr b="0" lang="en-US" sz="1800" spc="-1" strike="noStrike">
               <a:solidFill>
@@ -13779,19 +14008,14 @@
                   <a:srgbClr val="ffffff"/>
                 </a:solidFill>
               </a:uFill>
-              <a:latin typeface="arial"/>
-            </a:endParaRPr>
-          </a:p>
-          <a:p>
-            <a:pPr marL="343080" indent="-342360">
+              <a:latin typeface="Arial"/>
+            </a:endParaRPr>
+          </a:p>
+          <a:p>
+            <a:pPr>
               <a:lnSpc>
                 <a:spcPct val="100000"/>
               </a:lnSpc>
-              <a:buClr>
-                <a:srgbClr val="000000"/>
-              </a:buClr>
-              <a:buFont typeface="Arial"/>
-              <a:buChar char="•"/>
             </a:pPr>
             <a:r>
               <a:rPr b="0" lang="en-US" sz="3200" spc="-1" strike="noStrike">
@@ -13804,8 +14028,9 @@
                   </a:solidFill>
                 </a:uFill>
                 <a:latin typeface="Calibri"/>
+                <a:ea typeface="DejaVu Sans"/>
               </a:rPr>
-              <a:t>- Resultado de um serviço chamado para o efeito</a:t>
+              <a:t>- The return value of a service call</a:t>
             </a:r>
             <a:endParaRPr b="0" lang="en-US" sz="1800" spc="-1" strike="noStrike">
               <a:solidFill>
@@ -13816,14 +14041,14 @@
                   <a:srgbClr val="ffffff"/>
                 </a:solidFill>
               </a:uFill>
-              <a:latin typeface="arial"/>
+              <a:latin typeface="Arial"/>
             </a:endParaRPr>
           </a:p>
         </p:txBody>
       </p:sp>
       <p:pic>
         <p:nvPicPr>
-          <p:cNvPr id="140" name="Picture 2" descr=""/>
+          <p:cNvPr id="144" name="Picture 2" descr=""/>
           <p:cNvPicPr/>
           <p:nvPr/>
         </p:nvPicPr>
@@ -13834,7 +14059,7 @@
         <p:spPr>
           <a:xfrm>
             <a:off x="1979640" y="1628640"/>
-            <a:ext cx="3141720" cy="2159640"/>
+            <a:ext cx="3141000" cy="2158920"/>
           </a:xfrm>
           <a:prstGeom prst="rect">
             <a:avLst/>
@@ -13846,14 +14071,14 @@
       </p:pic>
       <p:sp>
         <p:nvSpPr>
-          <p:cNvPr id="141" name="CustomShape 3"/>
+          <p:cNvPr id="145" name="CustomShape 3"/>
           <p:cNvSpPr/>
           <p:nvPr/>
         </p:nvSpPr>
         <p:spPr>
           <a:xfrm>
             <a:off x="611640" y="2265840"/>
-            <a:ext cx="1007280" cy="869760"/>
+            <a:ext cx="1006560" cy="869040"/>
           </a:xfrm>
           <a:prstGeom prst="ellipse">
             <a:avLst/>
@@ -13908,14 +14133,14 @@
                   <a:srgbClr val="ffffff"/>
                 </a:solidFill>
               </a:uFill>
-              <a:latin typeface="arial"/>
+              <a:latin typeface="Arial"/>
             </a:endParaRPr>
           </a:p>
         </p:txBody>
       </p:sp>
       <p:pic>
         <p:nvPicPr>
-          <p:cNvPr id="142" name="Picture 3" descr=""/>
+          <p:cNvPr id="146" name="Picture 3" descr=""/>
           <p:cNvPicPr/>
           <p:nvPr/>
         </p:nvPicPr>
@@ -13926,7 +14151,7 @@
         <p:spPr>
           <a:xfrm>
             <a:off x="5877360" y="1819800"/>
-            <a:ext cx="1142280" cy="672480"/>
+            <a:ext cx="1141560" cy="671760"/>
           </a:xfrm>
           <a:prstGeom prst="rect">
             <a:avLst/>
@@ -13938,7 +14163,7 @@
       </p:pic>
       <p:pic>
         <p:nvPicPr>
-          <p:cNvPr id="143" name="Picture 3" descr=""/>
+          <p:cNvPr id="147" name="Picture 3" descr=""/>
           <p:cNvPicPr/>
           <p:nvPr/>
         </p:nvPicPr>
@@ -13949,7 +14174,7 @@
         <p:spPr>
           <a:xfrm>
             <a:off x="5877360" y="2840400"/>
-            <a:ext cx="1142280" cy="672480"/>
+            <a:ext cx="1141560" cy="671760"/>
           </a:xfrm>
           <a:prstGeom prst="rect">
             <a:avLst/>
@@ -13961,14 +14186,14 @@
       </p:pic>
       <p:sp>
         <p:nvSpPr>
-          <p:cNvPr id="144" name="CustomShape 4"/>
+          <p:cNvPr id="148" name="CustomShape 4"/>
           <p:cNvSpPr/>
           <p:nvPr/>
         </p:nvSpPr>
         <p:spPr>
           <a:xfrm>
             <a:off x="7524360" y="1819800"/>
-            <a:ext cx="1372320" cy="672480"/>
+            <a:ext cx="1371600" cy="671760"/>
           </a:xfrm>
           <a:prstGeom prst="rect">
             <a:avLst/>
@@ -14023,21 +14248,21 @@
                   <a:srgbClr val="ffffff"/>
                 </a:solidFill>
               </a:uFill>
-              <a:latin typeface="arial"/>
-            </a:endParaRPr>
-          </a:p>
-        </p:txBody>
-      </p:sp>
-      <p:sp>
-        <p:nvSpPr>
-          <p:cNvPr id="145" name="CustomShape 5"/>
+              <a:latin typeface="Arial"/>
+            </a:endParaRPr>
+          </a:p>
+        </p:txBody>
+      </p:sp>
+      <p:sp>
+        <p:nvSpPr>
+          <p:cNvPr id="149" name="CustomShape 5"/>
           <p:cNvSpPr/>
           <p:nvPr/>
         </p:nvSpPr>
         <p:spPr>
           <a:xfrm>
             <a:off x="7524360" y="2840400"/>
-            <a:ext cx="1372320" cy="672480"/>
+            <a:ext cx="1371600" cy="671760"/>
           </a:xfrm>
           <a:prstGeom prst="rect">
             <a:avLst/>
@@ -14092,21 +14317,21 @@
                   <a:srgbClr val="ffffff"/>
                 </a:solidFill>
               </a:uFill>
-              <a:latin typeface="arial"/>
-            </a:endParaRPr>
-          </a:p>
-        </p:txBody>
-      </p:sp>
-      <p:sp>
-        <p:nvSpPr>
-          <p:cNvPr id="146" name="CustomShape 6"/>
+              <a:latin typeface="Arial"/>
+            </a:endParaRPr>
+          </a:p>
+        </p:txBody>
+      </p:sp>
+      <p:sp>
+        <p:nvSpPr>
+          <p:cNvPr id="150" name="CustomShape 6"/>
           <p:cNvSpPr/>
           <p:nvPr/>
         </p:nvSpPr>
         <p:spPr>
           <a:xfrm>
             <a:off x="1619640" y="2701080"/>
-            <a:ext cx="359280" cy="7200"/>
+            <a:ext cx="358560" cy="6480"/>
           </a:xfrm>
           <a:custGeom>
             <a:avLst/>
@@ -14148,14 +14373,14 @@
       </p:sp>
       <p:sp>
         <p:nvSpPr>
-          <p:cNvPr id="147" name="CustomShape 7"/>
+          <p:cNvPr id="151" name="CustomShape 7"/>
           <p:cNvSpPr/>
           <p:nvPr/>
         </p:nvSpPr>
         <p:spPr>
           <a:xfrm flipV="1">
-            <a:off x="5122080" y="2155680"/>
-            <a:ext cx="754560" cy="551880"/>
+            <a:off x="5122080" y="2154960"/>
+            <a:ext cx="753840" cy="551160"/>
           </a:xfrm>
           <a:custGeom>
             <a:avLst/>
@@ -14197,14 +14422,14 @@
       </p:sp>
       <p:sp>
         <p:nvSpPr>
-          <p:cNvPr id="148" name="CustomShape 8"/>
+          <p:cNvPr id="152" name="CustomShape 8"/>
           <p:cNvSpPr/>
           <p:nvPr/>
         </p:nvSpPr>
         <p:spPr>
           <a:xfrm>
             <a:off x="5122080" y="2709000"/>
-            <a:ext cx="754560" cy="467280"/>
+            <a:ext cx="753840" cy="466560"/>
           </a:xfrm>
           <a:custGeom>
             <a:avLst/>
@@ -14246,14 +14471,14 @@
       </p:sp>
       <p:sp>
         <p:nvSpPr>
-          <p:cNvPr id="149" name="CustomShape 9"/>
+          <p:cNvPr id="153" name="CustomShape 9"/>
           <p:cNvSpPr/>
           <p:nvPr/>
         </p:nvSpPr>
         <p:spPr>
           <a:xfrm>
             <a:off x="7020360" y="2156400"/>
-            <a:ext cx="503280" cy="360"/>
+            <a:ext cx="502560" cy="360"/>
           </a:xfrm>
           <a:custGeom>
             <a:avLst/>
@@ -14295,14 +14520,14 @@
       </p:sp>
       <p:sp>
         <p:nvSpPr>
-          <p:cNvPr id="150" name="CustomShape 10"/>
+          <p:cNvPr id="154" name="CustomShape 10"/>
           <p:cNvSpPr/>
           <p:nvPr/>
         </p:nvSpPr>
         <p:spPr>
           <a:xfrm>
             <a:off x="7020360" y="3177000"/>
-            <a:ext cx="503280" cy="360"/>
+            <a:ext cx="502560" cy="360"/>
           </a:xfrm>
           <a:custGeom>
             <a:avLst/>
